--- a/WebAssembly Lightening Talk/webAssembly Talk v6.pptx
+++ b/WebAssembly Lightening Talk/webAssembly Talk v6.pptx
@@ -19,6 +19,7 @@
     <p:sldId id="267" r:id="rId14"/>
     <p:sldId id="268" r:id="rId15"/>
     <p:sldId id="269" r:id="rId16"/>
+    <p:sldId id="270" r:id="rId17"/>
   </p:sldIdLst>
   <p:sldSz cx="10080625" cy="5670550"/>
   <p:notesSz cx="7559675" cy="10691812"/>
@@ -1427,7 +1428,85 @@
               <a:rPr b="0" lang="en-GB" sz="4400" spc="-1" strike="noStrike">
                 <a:latin typeface="Arial"/>
               </a:rPr>
-              <a:t>Click to edit the title text format</a:t>
+              <a:t>Cli</a:t>
+            </a:r>
+            <a:r>
+              <a:rPr b="0" lang="en-GB" sz="4400" spc="-1" strike="noStrike">
+                <a:latin typeface="Arial"/>
+              </a:rPr>
+              <a:t>ck </a:t>
+            </a:r>
+            <a:r>
+              <a:rPr b="0" lang="en-GB" sz="4400" spc="-1" strike="noStrike">
+                <a:latin typeface="Arial"/>
+              </a:rPr>
+              <a:t>to </a:t>
+            </a:r>
+            <a:r>
+              <a:rPr b="0" lang="en-GB" sz="4400" spc="-1" strike="noStrike">
+                <a:latin typeface="Arial"/>
+              </a:rPr>
+              <a:t>ed</a:t>
+            </a:r>
+            <a:r>
+              <a:rPr b="0" lang="en-GB" sz="4400" spc="-1" strike="noStrike">
+                <a:latin typeface="Arial"/>
+              </a:rPr>
+              <a:t>it </a:t>
+            </a:r>
+            <a:r>
+              <a:rPr b="0" lang="en-GB" sz="4400" spc="-1" strike="noStrike">
+                <a:latin typeface="Arial"/>
+              </a:rPr>
+              <a:t>th</a:t>
+            </a:r>
+            <a:r>
+              <a:rPr b="0" lang="en-GB" sz="4400" spc="-1" strike="noStrike">
+                <a:latin typeface="Arial"/>
+              </a:rPr>
+              <a:t>e </a:t>
+            </a:r>
+            <a:r>
+              <a:rPr b="0" lang="en-GB" sz="4400" spc="-1" strike="noStrike">
+                <a:latin typeface="Arial"/>
+              </a:rPr>
+              <a:t>titl</a:t>
+            </a:r>
+            <a:r>
+              <a:rPr b="0" lang="en-GB" sz="4400" spc="-1" strike="noStrike">
+                <a:latin typeface="Arial"/>
+              </a:rPr>
+              <a:t>e </a:t>
+            </a:r>
+            <a:r>
+              <a:rPr b="0" lang="en-GB" sz="4400" spc="-1" strike="noStrike">
+                <a:latin typeface="Arial"/>
+              </a:rPr>
+              <a:t>te</a:t>
+            </a:r>
+            <a:r>
+              <a:rPr b="0" lang="en-GB" sz="4400" spc="-1" strike="noStrike">
+                <a:latin typeface="Arial"/>
+              </a:rPr>
+              <a:t>xt </a:t>
+            </a:r>
+            <a:r>
+              <a:rPr b="0" lang="en-GB" sz="4400" spc="-1" strike="noStrike">
+                <a:latin typeface="Arial"/>
+              </a:rPr>
+              <a:t>for</a:t>
+            </a:r>
+            <a:r>
+              <a:rPr b="0" lang="en-GB" sz="4400" spc="-1" strike="noStrike">
+                <a:latin typeface="Arial"/>
+              </a:rPr>
+              <a:t>m</a:t>
+            </a:r>
+            <a:r>
+              <a:rPr b="0" lang="en-GB" sz="4400" spc="-1" strike="noStrike">
+                <a:latin typeface="Arial"/>
+              </a:rPr>
+              <a:t>at</a:t>
             </a:r>
             <a:endParaRPr b="0" lang="en-GB" sz="4400" spc="-1" strike="noStrike">
               <a:latin typeface="Arial"/>
@@ -1712,7 +1791,7 @@
           </a:bodyPr>
           <a:p>
             <a:pPr algn="r"/>
-            <a:fld id="{16E4078A-24A6-44D8-B120-E3DE070C0112}" type="slidenum">
+            <a:fld id="{F2304118-98ED-4E7A-A294-02B0CC3FF7BC}" type="slidenum">
               <a:rPr b="0" lang="en-GB" sz="1400" spc="-1" strike="noStrike">
                 <a:latin typeface="Times New Roman"/>
               </a:rPr>
@@ -2135,19 +2214,19 @@
       </p:grpSpPr>
       <p:pic>
         <p:nvPicPr>
-          <p:cNvPr id="215" name="" descr=""/>
+          <p:cNvPr id="224" name="" descr=""/>
           <p:cNvPicPr/>
           <p:nvPr/>
         </p:nvPicPr>
         <p:blipFill>
           <a:blip r:embed="rId1"/>
-          <a:srcRect l="0" t="6217" r="10002" b="25400"/>
+          <a:srcRect l="0" t="6277" r="0" b="12788"/>
           <a:stretch/>
         </p:blipFill>
         <p:spPr>
           <a:xfrm>
-            <a:off x="468360" y="1116000"/>
-            <a:ext cx="9071280" cy="3779640"/>
+            <a:off x="0" y="768960"/>
+            <a:ext cx="10079640" cy="4469040"/>
           </a:xfrm>
           <a:prstGeom prst="rect">
             <a:avLst/>
@@ -2157,9 +2236,45 @@
           </a:ln>
         </p:spPr>
       </p:pic>
+      <p:sp>
+        <p:nvSpPr>
+          <p:cNvPr id="225" name="TextShape 1"/>
+          <p:cNvSpPr txBox="1"/>
+          <p:nvPr/>
+        </p:nvSpPr>
+        <p:spPr>
+          <a:xfrm>
+            <a:off x="7344000" y="4680000"/>
+            <a:ext cx="1800000" cy="541800"/>
+          </a:xfrm>
+          <a:prstGeom prst="rect">
+            <a:avLst/>
+          </a:prstGeom>
+          <a:noFill/>
+          <a:ln>
+            <a:noFill/>
+          </a:ln>
+        </p:spPr>
+        <p:txBody>
+          <a:bodyPr lIns="90000" rIns="90000" tIns="45000" bIns="45000">
+            <a:spAutoFit/>
+          </a:bodyPr>
+          <a:p>
+            <a:r>
+              <a:rPr b="0" lang="en-GB" sz="1600" spc="-1" strike="noStrike">
+                <a:latin typeface="Arial"/>
+              </a:rPr>
+              <a:t>levelupwasm.com/apps/asteroids</a:t>
+            </a:r>
+            <a:endParaRPr b="0" lang="en-GB" sz="1600" spc="-1" strike="noStrike">
+              <a:latin typeface="Arial"/>
+            </a:endParaRPr>
+          </a:p>
+        </p:txBody>
+      </p:sp>
       <p:pic>
         <p:nvPicPr>
-          <p:cNvPr id="216" name="" descr=""/>
+          <p:cNvPr id="226" name="" descr=""/>
           <p:cNvPicPr/>
           <p:nvPr/>
         </p:nvPicPr>
@@ -2170,8 +2285,8 @@
         </p:blipFill>
         <p:spPr>
           <a:xfrm>
-            <a:off x="900000" y="1751760"/>
-            <a:ext cx="2556000" cy="1923840"/>
+            <a:off x="2880000" y="1872000"/>
+            <a:ext cx="4320000" cy="3252240"/>
           </a:xfrm>
           <a:prstGeom prst="rect">
             <a:avLst/>
@@ -2181,165 +2296,166 @@
           </a:ln>
         </p:spPr>
       </p:pic>
-      <p:grpSp>
-        <p:nvGrpSpPr>
-          <p:cNvPr id="217" name="Group 1"/>
-          <p:cNvGrpSpPr/>
+      <p:sp>
+        <p:nvSpPr>
+          <p:cNvPr id="227" name="CustomShape 2"/>
+          <p:cNvSpPr/>
           <p:nvPr/>
-        </p:nvGrpSpPr>
-        <p:grpSpPr>
-          <a:xfrm>
-            <a:off x="4227120" y="2637000"/>
-            <a:ext cx="222840" cy="663120"/>
-            <a:chOff x="4227120" y="2637000"/>
-            <a:chExt cx="222840" cy="663120"/>
-          </a:xfrm>
-        </p:grpSpPr>
-        <p:sp>
-          <p:nvSpPr>
-            <p:cNvPr id="218" name="CustomShape 2"/>
-            <p:cNvSpPr/>
-            <p:nvPr/>
-          </p:nvSpPr>
-          <p:spPr>
-            <a:xfrm rot="16203000">
-              <a:off x="4008960" y="2855160"/>
-              <a:ext cx="640440" cy="203760"/>
-            </a:xfrm>
-            <a:custGeom>
-              <a:avLst/>
-              <a:gdLst/>
-              <a:ahLst/>
-              <a:rect l="0" t="0" r="r" b="b"/>
-              <a:pathLst>
-                <a:path w="1780" h="568">
-                  <a:moveTo>
-                    <a:pt x="0" y="170"/>
-                  </a:moveTo>
-                  <a:lnTo>
-                    <a:pt x="1284" y="169"/>
-                  </a:lnTo>
-                  <a:lnTo>
-                    <a:pt x="1284" y="0"/>
-                  </a:lnTo>
-                  <a:lnTo>
-                    <a:pt x="1779" y="283"/>
-                  </a:lnTo>
-                  <a:lnTo>
-                    <a:pt x="1284" y="567"/>
-                  </a:lnTo>
-                  <a:lnTo>
-                    <a:pt x="1284" y="397"/>
-                  </a:lnTo>
-                  <a:lnTo>
-                    <a:pt x="0" y="398"/>
-                  </a:lnTo>
-                  <a:lnTo>
-                    <a:pt x="0" y="170"/>
-                  </a:lnTo>
-                </a:path>
-              </a:pathLst>
-            </a:custGeom>
-            <a:solidFill>
-              <a:srgbClr val="666666"/>
-            </a:solidFill>
-            <a:ln>
-              <a:noFill/>
-            </a:ln>
-          </p:spPr>
-          <p:style>
-            <a:lnRef idx="0"/>
-            <a:fillRef idx="0"/>
-            <a:effectRef idx="0"/>
-            <a:fontRef idx="minor"/>
-          </p:style>
-        </p:sp>
-        <p:sp>
-          <p:nvSpPr>
-            <p:cNvPr id="219" name="CustomShape 3"/>
-            <p:cNvSpPr/>
-            <p:nvPr/>
-          </p:nvSpPr>
-          <p:spPr>
-            <a:xfrm rot="16203000">
-              <a:off x="4027320" y="2878200"/>
-              <a:ext cx="640440" cy="203400"/>
-            </a:xfrm>
-            <a:custGeom>
-              <a:avLst/>
-              <a:gdLst/>
-              <a:ahLst/>
-              <a:rect l="0" t="0" r="r" b="b"/>
-              <a:pathLst>
-                <a:path w="1780" h="567">
-                  <a:moveTo>
-                    <a:pt x="0" y="169"/>
-                  </a:moveTo>
-                  <a:lnTo>
-                    <a:pt x="1284" y="168"/>
-                  </a:lnTo>
-                  <a:lnTo>
-                    <a:pt x="1284" y="0"/>
-                  </a:lnTo>
-                  <a:lnTo>
-                    <a:pt x="1779" y="283"/>
-                  </a:lnTo>
-                  <a:lnTo>
-                    <a:pt x="1285" y="566"/>
-                  </a:lnTo>
-                  <a:lnTo>
-                    <a:pt x="1284" y="397"/>
-                  </a:lnTo>
-                  <a:lnTo>
-                    <a:pt x="0" y="398"/>
-                  </a:lnTo>
-                  <a:lnTo>
-                    <a:pt x="0" y="169"/>
-                  </a:lnTo>
-                </a:path>
-              </a:pathLst>
-            </a:custGeom>
-            <a:solidFill>
-              <a:srgbClr val="684cf3"/>
-            </a:solidFill>
-            <a:ln>
-              <a:noFill/>
-            </a:ln>
-          </p:spPr>
-          <p:style>
-            <a:lnRef idx="0"/>
-            <a:fillRef idx="0"/>
-            <a:effectRef idx="0"/>
-            <a:fontRef idx="minor"/>
-          </p:style>
-        </p:sp>
-      </p:grpSp>
-      <p:pic>
-        <p:nvPicPr>
-          <p:cNvPr id="220" name="" descr=""/>
-          <p:cNvPicPr/>
-          <p:nvPr/>
-        </p:nvPicPr>
-        <p:blipFill>
-          <a:blip r:embed="rId3"/>
-          <a:stretch/>
-        </p:blipFill>
-        <p:spPr>
-          <a:xfrm>
-            <a:off x="4068000" y="3348000"/>
-            <a:ext cx="504000" cy="504000"/>
-          </a:xfrm>
-          <a:prstGeom prst="rect">
-            <a:avLst/>
-          </a:prstGeom>
+        </p:nvSpPr>
+        <p:spPr>
+          <a:xfrm rot="2397600">
+            <a:off x="5952600" y="1854000"/>
+            <a:ext cx="1584000" cy="504000"/>
+          </a:xfrm>
+          <a:custGeom>
+            <a:avLst/>
+            <a:gdLst/>
+            <a:ahLst/>
+            <a:rect l="0" t="0" r="r" b="b"/>
+            <a:pathLst>
+              <a:path w="4402" h="1401">
+                <a:moveTo>
+                  <a:pt x="0" y="421"/>
+                </a:moveTo>
+                <a:lnTo>
+                  <a:pt x="3176" y="419"/>
+                </a:lnTo>
+                <a:lnTo>
+                  <a:pt x="3175" y="0"/>
+                </a:lnTo>
+                <a:lnTo>
+                  <a:pt x="4401" y="700"/>
+                </a:lnTo>
+                <a:lnTo>
+                  <a:pt x="3177" y="1400"/>
+                </a:lnTo>
+                <a:lnTo>
+                  <a:pt x="3176" y="982"/>
+                </a:lnTo>
+                <a:lnTo>
+                  <a:pt x="0" y="984"/>
+                </a:lnTo>
+                <a:lnTo>
+                  <a:pt x="0" y="421"/>
+                </a:lnTo>
+              </a:path>
+            </a:pathLst>
+          </a:custGeom>
+          <a:solidFill>
+            <a:srgbClr val="666666"/>
+          </a:solidFill>
           <a:ln>
             <a:noFill/>
           </a:ln>
         </p:spPr>
-      </p:pic>
-      <p:sp>
-        <p:nvSpPr>
-          <p:cNvPr id="221" name="CustomShape 4"/>
+        <p:style>
+          <a:lnRef idx="0"/>
+          <a:fillRef idx="0"/>
+          <a:effectRef idx="0"/>
+          <a:fontRef idx="minor"/>
+        </p:style>
+      </p:sp>
+      <p:sp>
+        <p:nvSpPr>
+          <p:cNvPr id="228" name="CustomShape 3"/>
+          <p:cNvSpPr/>
+          <p:nvPr/>
+        </p:nvSpPr>
+        <p:spPr>
+          <a:xfrm rot="2397600">
+            <a:off x="5880600" y="1854000"/>
+            <a:ext cx="1584000" cy="504000"/>
+          </a:xfrm>
+          <a:custGeom>
+            <a:avLst/>
+            <a:gdLst/>
+            <a:ahLst/>
+            <a:rect l="0" t="0" r="r" b="b"/>
+            <a:pathLst>
+              <a:path w="4402" h="1400">
+                <a:moveTo>
+                  <a:pt x="0" y="420"/>
+                </a:moveTo>
+                <a:lnTo>
+                  <a:pt x="3176" y="418"/>
+                </a:lnTo>
+                <a:lnTo>
+                  <a:pt x="3175" y="0"/>
+                </a:lnTo>
+                <a:lnTo>
+                  <a:pt x="4401" y="699"/>
+                </a:lnTo>
+                <a:lnTo>
+                  <a:pt x="3176" y="1399"/>
+                </a:lnTo>
+                <a:lnTo>
+                  <a:pt x="3176" y="982"/>
+                </a:lnTo>
+                <a:lnTo>
+                  <a:pt x="0" y="984"/>
+                </a:lnTo>
+                <a:lnTo>
+                  <a:pt x="0" y="420"/>
+                </a:lnTo>
+              </a:path>
+            </a:pathLst>
+          </a:custGeom>
+          <a:solidFill>
+            <a:srgbClr val="ffff00"/>
+          </a:solidFill>
+          <a:ln>
+            <a:noFill/>
+          </a:ln>
+        </p:spPr>
+        <p:style>
+          <a:lnRef idx="0"/>
+          <a:fillRef idx="0"/>
+          <a:effectRef idx="0"/>
+          <a:fontRef idx="minor"/>
+        </p:style>
+      </p:sp>
+      <p:sp>
+        <p:nvSpPr>
+          <p:cNvPr id="229" name="TextShape 4"/>
+          <p:cNvSpPr txBox="1"/>
+          <p:nvPr/>
+        </p:nvSpPr>
+        <p:spPr>
+          <a:xfrm>
+            <a:off x="7344000" y="2525760"/>
+            <a:ext cx="1656000" cy="1027800"/>
+          </a:xfrm>
+          <a:prstGeom prst="rect">
+            <a:avLst/>
+          </a:prstGeom>
+          <a:noFill/>
+          <a:ln>
+            <a:noFill/>
+          </a:ln>
+        </p:spPr>
+        <p:txBody>
+          <a:bodyPr lIns="90000" rIns="90000" tIns="45000" bIns="45000">
+            <a:spAutoFit/>
+          </a:bodyPr>
+          <a:p>
+            <a:r>
+              <a:rPr b="1" lang="en-GB" sz="2200" spc="-1" strike="noStrike">
+                <a:solidFill>
+                  <a:srgbClr val="684cf3"/>
+                </a:solidFill>
+                <a:latin typeface="Arial"/>
+              </a:rPr>
+              <a:t>Written in C NOT JavaScript</a:t>
+            </a:r>
+            <a:endParaRPr b="0" lang="en-GB" sz="2200" spc="-1" strike="noStrike">
+              <a:latin typeface="Arial"/>
+            </a:endParaRPr>
+          </a:p>
+        </p:txBody>
+      </p:sp>
+      <p:sp>
+        <p:nvSpPr>
+          <p:cNvPr id="230" name="CustomShape 5"/>
           <p:cNvSpPr/>
           <p:nvPr/>
         </p:nvSpPr>
@@ -2367,7 +2483,7 @@
       </p:sp>
       <p:sp>
         <p:nvSpPr>
-          <p:cNvPr id="222" name="TextShape 5"/>
+          <p:cNvPr id="231" name="TextShape 6"/>
           <p:cNvSpPr txBox="1"/>
           <p:nvPr/>
         </p:nvSpPr>
@@ -2437,7 +2553,309 @@
       </p:grpSpPr>
       <p:pic>
         <p:nvPicPr>
-          <p:cNvPr id="223" name="" descr=""/>
+          <p:cNvPr id="232" name="" descr=""/>
+          <p:cNvPicPr/>
+          <p:nvPr/>
+        </p:nvPicPr>
+        <p:blipFill>
+          <a:blip r:embed="rId1"/>
+          <a:srcRect l="0" t="6217" r="10002" b="25400"/>
+          <a:stretch/>
+        </p:blipFill>
+        <p:spPr>
+          <a:xfrm>
+            <a:off x="468360" y="1116000"/>
+            <a:ext cx="9071280" cy="3779640"/>
+          </a:xfrm>
+          <a:prstGeom prst="rect">
+            <a:avLst/>
+          </a:prstGeom>
+          <a:ln>
+            <a:noFill/>
+          </a:ln>
+        </p:spPr>
+      </p:pic>
+      <p:pic>
+        <p:nvPicPr>
+          <p:cNvPr id="233" name="" descr=""/>
+          <p:cNvPicPr/>
+          <p:nvPr/>
+        </p:nvPicPr>
+        <p:blipFill>
+          <a:blip r:embed="rId2"/>
+          <a:srcRect l="997" t="0" r="0" b="0"/>
+          <a:stretch/>
+        </p:blipFill>
+        <p:spPr>
+          <a:xfrm>
+            <a:off x="900000" y="1751760"/>
+            <a:ext cx="2556000" cy="1923840"/>
+          </a:xfrm>
+          <a:prstGeom prst="rect">
+            <a:avLst/>
+          </a:prstGeom>
+          <a:ln>
+            <a:noFill/>
+          </a:ln>
+        </p:spPr>
+      </p:pic>
+      <p:grpSp>
+        <p:nvGrpSpPr>
+          <p:cNvPr id="234" name="Group 1"/>
+          <p:cNvGrpSpPr/>
+          <p:nvPr/>
+        </p:nvGrpSpPr>
+        <p:grpSpPr>
+          <a:xfrm>
+            <a:off x="4227120" y="2637000"/>
+            <a:ext cx="222840" cy="663120"/>
+            <a:chOff x="4227120" y="2637000"/>
+            <a:chExt cx="222840" cy="663120"/>
+          </a:xfrm>
+        </p:grpSpPr>
+        <p:sp>
+          <p:nvSpPr>
+            <p:cNvPr id="235" name="CustomShape 2"/>
+            <p:cNvSpPr/>
+            <p:nvPr/>
+          </p:nvSpPr>
+          <p:spPr>
+            <a:xfrm rot="16203000">
+              <a:off x="4008960" y="2855160"/>
+              <a:ext cx="640440" cy="203760"/>
+            </a:xfrm>
+            <a:custGeom>
+              <a:avLst/>
+              <a:gdLst/>
+              <a:ahLst/>
+              <a:rect l="0" t="0" r="r" b="b"/>
+              <a:pathLst>
+                <a:path w="1780" h="568">
+                  <a:moveTo>
+                    <a:pt x="0" y="170"/>
+                  </a:moveTo>
+                  <a:lnTo>
+                    <a:pt x="1284" y="169"/>
+                  </a:lnTo>
+                  <a:lnTo>
+                    <a:pt x="1284" y="0"/>
+                  </a:lnTo>
+                  <a:lnTo>
+                    <a:pt x="1779" y="283"/>
+                  </a:lnTo>
+                  <a:lnTo>
+                    <a:pt x="1284" y="567"/>
+                  </a:lnTo>
+                  <a:lnTo>
+                    <a:pt x="1284" y="397"/>
+                  </a:lnTo>
+                  <a:lnTo>
+                    <a:pt x="0" y="398"/>
+                  </a:lnTo>
+                  <a:lnTo>
+                    <a:pt x="0" y="170"/>
+                  </a:lnTo>
+                </a:path>
+              </a:pathLst>
+            </a:custGeom>
+            <a:solidFill>
+              <a:srgbClr val="666666"/>
+            </a:solidFill>
+            <a:ln>
+              <a:noFill/>
+            </a:ln>
+          </p:spPr>
+          <p:style>
+            <a:lnRef idx="0"/>
+            <a:fillRef idx="0"/>
+            <a:effectRef idx="0"/>
+            <a:fontRef idx="minor"/>
+          </p:style>
+        </p:sp>
+        <p:sp>
+          <p:nvSpPr>
+            <p:cNvPr id="236" name="CustomShape 3"/>
+            <p:cNvSpPr/>
+            <p:nvPr/>
+          </p:nvSpPr>
+          <p:spPr>
+            <a:xfrm rot="16203000">
+              <a:off x="4027320" y="2878200"/>
+              <a:ext cx="640440" cy="203400"/>
+            </a:xfrm>
+            <a:custGeom>
+              <a:avLst/>
+              <a:gdLst/>
+              <a:ahLst/>
+              <a:rect l="0" t="0" r="r" b="b"/>
+              <a:pathLst>
+                <a:path w="1780" h="567">
+                  <a:moveTo>
+                    <a:pt x="0" y="169"/>
+                  </a:moveTo>
+                  <a:lnTo>
+                    <a:pt x="1284" y="168"/>
+                  </a:lnTo>
+                  <a:lnTo>
+                    <a:pt x="1284" y="0"/>
+                  </a:lnTo>
+                  <a:lnTo>
+                    <a:pt x="1779" y="283"/>
+                  </a:lnTo>
+                  <a:lnTo>
+                    <a:pt x="1285" y="566"/>
+                  </a:lnTo>
+                  <a:lnTo>
+                    <a:pt x="1284" y="397"/>
+                  </a:lnTo>
+                  <a:lnTo>
+                    <a:pt x="0" y="398"/>
+                  </a:lnTo>
+                  <a:lnTo>
+                    <a:pt x="0" y="169"/>
+                  </a:lnTo>
+                </a:path>
+              </a:pathLst>
+            </a:custGeom>
+            <a:solidFill>
+              <a:srgbClr val="684cf3"/>
+            </a:solidFill>
+            <a:ln>
+              <a:noFill/>
+            </a:ln>
+          </p:spPr>
+          <p:style>
+            <a:lnRef idx="0"/>
+            <a:fillRef idx="0"/>
+            <a:effectRef idx="0"/>
+            <a:fontRef idx="minor"/>
+          </p:style>
+        </p:sp>
+      </p:grpSp>
+      <p:pic>
+        <p:nvPicPr>
+          <p:cNvPr id="237" name="" descr=""/>
+          <p:cNvPicPr/>
+          <p:nvPr/>
+        </p:nvPicPr>
+        <p:blipFill>
+          <a:blip r:embed="rId3"/>
+          <a:stretch/>
+        </p:blipFill>
+        <p:spPr>
+          <a:xfrm>
+            <a:off x="4068000" y="3348000"/>
+            <a:ext cx="504000" cy="504000"/>
+          </a:xfrm>
+          <a:prstGeom prst="rect">
+            <a:avLst/>
+          </a:prstGeom>
+          <a:ln>
+            <a:noFill/>
+          </a:ln>
+        </p:spPr>
+      </p:pic>
+      <p:sp>
+        <p:nvSpPr>
+          <p:cNvPr id="238" name="CustomShape 4"/>
+          <p:cNvSpPr/>
+          <p:nvPr/>
+        </p:nvSpPr>
+        <p:spPr>
+          <a:xfrm>
+            <a:off x="0" y="0"/>
+            <a:ext cx="10080000" cy="792000"/>
+          </a:xfrm>
+          <a:prstGeom prst="rect">
+            <a:avLst/>
+          </a:prstGeom>
+          <a:solidFill>
+            <a:srgbClr val="684cf3"/>
+          </a:solidFill>
+          <a:ln>
+            <a:noFill/>
+          </a:ln>
+        </p:spPr>
+        <p:style>
+          <a:lnRef idx="0"/>
+          <a:fillRef idx="0"/>
+          <a:effectRef idx="0"/>
+          <a:fontRef idx="minor"/>
+        </p:style>
+      </p:sp>
+      <p:sp>
+        <p:nvSpPr>
+          <p:cNvPr id="239" name="TextShape 5"/>
+          <p:cNvSpPr txBox="1"/>
+          <p:nvPr/>
+        </p:nvSpPr>
+        <p:spPr>
+          <a:xfrm>
+            <a:off x="0" y="108000"/>
+            <a:ext cx="10080000" cy="684000"/>
+          </a:xfrm>
+          <a:prstGeom prst="rect">
+            <a:avLst/>
+          </a:prstGeom>
+          <a:noFill/>
+          <a:ln>
+            <a:noFill/>
+          </a:ln>
+        </p:spPr>
+        <p:txBody>
+          <a:bodyPr lIns="90000" rIns="90000" tIns="45000" bIns="45000">
+            <a:spAutoFit/>
+          </a:bodyPr>
+          <a:p>
+            <a:pPr algn="ctr"/>
+            <a:r>
+              <a:rPr b="1" lang="en-GB" sz="3600" spc="-1" strike="noStrike">
+                <a:solidFill>
+                  <a:srgbClr val="ffffff"/>
+                </a:solidFill>
+                <a:latin typeface="Arial"/>
+              </a:rPr>
+              <a:t>What is WebAssembly</a:t>
+            </a:r>
+            <a:endParaRPr b="0" lang="en-GB" sz="3600" spc="-1" strike="noStrike">
+              <a:latin typeface="Arial"/>
+            </a:endParaRPr>
+          </a:p>
+        </p:txBody>
+      </p:sp>
+    </p:spTree>
+  </p:cSld>
+  <mc:AlternateContent>
+    <mc:Choice Requires="p14">
+      <p:transition spd="slow" p14:dur="2000"/>
+    </mc:Choice>
+    <mc:Fallback>
+      <p:transition spd="slow"/>
+    </mc:Fallback>
+  </mc:AlternateContent>
+</p:sld>
+</file>
+
+<file path=ppt/slides/slide12.xml><?xml version="1.0" encoding="utf-8"?>
+<p:sld xmlns:a="http://schemas.openxmlformats.org/drawingml/2006/main" xmlns:p="http://schemas.openxmlformats.org/presentationml/2006/main" xmlns:r="http://schemas.openxmlformats.org/officeDocument/2006/relationships" xmlns:p14="http://schemas.microsoft.com/office/powerpoint/2010/main" xmlns:p15="http://schemas.microsoft.com/office/powerpoint/2012/main" xmlns:mc="http://schemas.openxmlformats.org/markup-compatibility/2006">
+  <p:cSld>
+    <p:spTree>
+      <p:nvGrpSpPr>
+        <p:cNvPr id="1" name=""/>
+        <p:cNvGrpSpPr/>
+        <p:nvPr/>
+      </p:nvGrpSpPr>
+      <p:grpSpPr>
+        <a:xfrm>
+          <a:off x="0" y="0"/>
+          <a:ext cx="0" cy="0"/>
+          <a:chOff x="0" y="0"/>
+          <a:chExt cx="0" cy="0"/>
+        </a:xfrm>
+      </p:grpSpPr>
+      <p:pic>
+        <p:nvPicPr>
+          <p:cNvPr id="240" name="" descr=""/>
           <p:cNvPicPr/>
           <p:nvPr/>
         </p:nvPicPr>
@@ -2461,7 +2879,7 @@
       </p:pic>
       <p:sp>
         <p:nvSpPr>
-          <p:cNvPr id="224" name="TextShape 1"/>
+          <p:cNvPr id="241" name="TextShape 1"/>
           <p:cNvSpPr txBox="1"/>
           <p:nvPr/>
         </p:nvSpPr>
@@ -2528,7 +2946,7 @@
       </p:sp>
       <p:sp>
         <p:nvSpPr>
-          <p:cNvPr id="225" name="CustomShape 2"/>
+          <p:cNvPr id="242" name="CustomShape 2"/>
           <p:cNvSpPr/>
           <p:nvPr/>
         </p:nvSpPr>
@@ -2593,7 +3011,7 @@
       </p:sp>
       <p:pic>
         <p:nvPicPr>
-          <p:cNvPr id="226" name="" descr=""/>
+          <p:cNvPr id="243" name="" descr=""/>
           <p:cNvPicPr/>
           <p:nvPr/>
         </p:nvPicPr>
@@ -2617,7 +3035,7 @@
       </p:pic>
       <p:sp>
         <p:nvSpPr>
-          <p:cNvPr id="227" name="CustomShape 3"/>
+          <p:cNvPr id="244" name="CustomShape 3"/>
           <p:cNvSpPr/>
           <p:nvPr/>
         </p:nvSpPr>
@@ -2645,7 +3063,7 @@
       </p:sp>
       <p:sp>
         <p:nvSpPr>
-          <p:cNvPr id="228" name="TextShape 4"/>
+          <p:cNvPr id="245" name="TextShape 4"/>
           <p:cNvSpPr txBox="1"/>
           <p:nvPr/>
         </p:nvSpPr>
@@ -2678,279 +3096,6 @@
               <a:t>What is WebAssembly</a:t>
             </a:r>
             <a:endParaRPr b="0" lang="en-GB" sz="3600" spc="-1" strike="noStrike">
-              <a:latin typeface="Arial"/>
-            </a:endParaRPr>
-          </a:p>
-        </p:txBody>
-      </p:sp>
-    </p:spTree>
-  </p:cSld>
-  <mc:AlternateContent>
-    <mc:Choice Requires="p14">
-      <p:transition spd="slow" p14:dur="2000"/>
-    </mc:Choice>
-    <mc:Fallback>
-      <p:transition spd="slow"/>
-    </mc:Fallback>
-  </mc:AlternateContent>
-</p:sld>
-</file>
-
-<file path=ppt/slides/slide12.xml><?xml version="1.0" encoding="utf-8"?>
-<p:sld xmlns:a="http://schemas.openxmlformats.org/drawingml/2006/main" xmlns:p="http://schemas.openxmlformats.org/presentationml/2006/main" xmlns:r="http://schemas.openxmlformats.org/officeDocument/2006/relationships" xmlns:p14="http://schemas.microsoft.com/office/powerpoint/2010/main" xmlns:p15="http://schemas.microsoft.com/office/powerpoint/2012/main" xmlns:mc="http://schemas.openxmlformats.org/markup-compatibility/2006">
-  <p:cSld>
-    <p:spTree>
-      <p:nvGrpSpPr>
-        <p:cNvPr id="1" name=""/>
-        <p:cNvGrpSpPr/>
-        <p:nvPr/>
-      </p:nvGrpSpPr>
-      <p:grpSpPr>
-        <a:xfrm>
-          <a:off x="0" y="0"/>
-          <a:ext cx="0" cy="0"/>
-          <a:chOff x="0" y="0"/>
-          <a:chExt cx="0" cy="0"/>
-        </a:xfrm>
-      </p:grpSpPr>
-      <p:sp>
-        <p:nvSpPr>
-          <p:cNvPr id="229" name="CustomShape 1"/>
-          <p:cNvSpPr/>
-          <p:nvPr/>
-        </p:nvSpPr>
-        <p:spPr>
-          <a:xfrm>
-            <a:off x="0" y="0"/>
-            <a:ext cx="10080000" cy="792000"/>
-          </a:xfrm>
-          <a:prstGeom prst="rect">
-            <a:avLst/>
-          </a:prstGeom>
-          <a:solidFill>
-            <a:srgbClr val="684cf3"/>
-          </a:solidFill>
-          <a:ln>
-            <a:noFill/>
-          </a:ln>
-        </p:spPr>
-        <p:style>
-          <a:lnRef idx="0"/>
-          <a:fillRef idx="0"/>
-          <a:effectRef idx="0"/>
-          <a:fontRef idx="minor"/>
-        </p:style>
-      </p:sp>
-      <p:sp>
-        <p:nvSpPr>
-          <p:cNvPr id="230" name="TextShape 2"/>
-          <p:cNvSpPr txBox="1"/>
-          <p:nvPr/>
-        </p:nvSpPr>
-        <p:spPr>
-          <a:xfrm>
-            <a:off x="0" y="108000"/>
-            <a:ext cx="10080000" cy="684000"/>
-          </a:xfrm>
-          <a:prstGeom prst="rect">
-            <a:avLst/>
-          </a:prstGeom>
-          <a:noFill/>
-          <a:ln>
-            <a:noFill/>
-          </a:ln>
-        </p:spPr>
-        <p:txBody>
-          <a:bodyPr lIns="90000" rIns="90000" tIns="45000" bIns="45000">
-            <a:spAutoFit/>
-          </a:bodyPr>
-          <a:p>
-            <a:pPr algn="ctr"/>
-            <a:r>
-              <a:rPr b="1" lang="en-GB" sz="3600" spc="-1" strike="noStrike">
-                <a:solidFill>
-                  <a:srgbClr val="ffffff"/>
-                </a:solidFill>
-                <a:latin typeface="Arial"/>
-              </a:rPr>
-              <a:t>Why is WebAssembly important?</a:t>
-            </a:r>
-            <a:endParaRPr b="0" lang="en-GB" sz="3600" spc="-1" strike="noStrike">
-              <a:latin typeface="Arial"/>
-            </a:endParaRPr>
-          </a:p>
-        </p:txBody>
-      </p:sp>
-      <p:sp>
-        <p:nvSpPr>
-          <p:cNvPr id="231" name="TextShape 3"/>
-          <p:cNvSpPr txBox="1"/>
-          <p:nvPr/>
-        </p:nvSpPr>
-        <p:spPr>
-          <a:xfrm>
-            <a:off x="144000" y="893880"/>
-            <a:ext cx="2448000" cy="1001880"/>
-          </a:xfrm>
-          <a:prstGeom prst="rect">
-            <a:avLst/>
-          </a:prstGeom>
-          <a:noFill/>
-          <a:ln>
-            <a:noFill/>
-          </a:ln>
-        </p:spPr>
-        <p:txBody>
-          <a:bodyPr lIns="90000" rIns="90000" tIns="45000" bIns="45000">
-            <a:spAutoFit/>
-          </a:bodyPr>
-          <a:p>
-            <a:r>
-              <a:rPr b="1" i="1" lang="en-GB" sz="3200" spc="-1" strike="noStrike">
-                <a:solidFill>
-                  <a:srgbClr val="684cf3"/>
-                </a:solidFill>
-                <a:latin typeface="Arial"/>
-              </a:rPr>
-              <a:t>Faster than JavaScript</a:t>
-            </a:r>
-            <a:endParaRPr b="0" lang="en-GB" sz="3200" spc="-1" strike="noStrike">
-              <a:latin typeface="Arial"/>
-            </a:endParaRPr>
-          </a:p>
-        </p:txBody>
-      </p:sp>
-      <p:grpSp>
-        <p:nvGrpSpPr>
-          <p:cNvPr id="232" name="Group 4"/>
-          <p:cNvGrpSpPr/>
-          <p:nvPr/>
-        </p:nvGrpSpPr>
-        <p:grpSpPr>
-          <a:xfrm>
-            <a:off x="1296000" y="2324880"/>
-            <a:ext cx="3384000" cy="2499480"/>
-            <a:chOff x="1296000" y="2324880"/>
-            <a:chExt cx="3384000" cy="2499480"/>
-          </a:xfrm>
-        </p:grpSpPr>
-        <p:pic>
-          <p:nvPicPr>
-            <p:cNvPr id="233" name="" descr=""/>
-            <p:cNvPicPr/>
-            <p:nvPr/>
-          </p:nvPicPr>
-          <p:blipFill>
-            <a:blip r:embed="rId1"/>
-            <a:stretch/>
-          </p:blipFill>
-          <p:spPr>
-            <a:xfrm>
-              <a:off x="1296000" y="2324880"/>
-              <a:ext cx="3384000" cy="1986840"/>
-            </a:xfrm>
-            <a:prstGeom prst="rect">
-              <a:avLst/>
-            </a:prstGeom>
-            <a:ln>
-              <a:noFill/>
-            </a:ln>
-          </p:spPr>
-        </p:pic>
-        <p:sp>
-          <p:nvSpPr>
-            <p:cNvPr id="234" name="TextShape 5"/>
-            <p:cNvSpPr txBox="1"/>
-            <p:nvPr/>
-          </p:nvSpPr>
-          <p:spPr>
-            <a:xfrm>
-              <a:off x="1635840" y="4357800"/>
-              <a:ext cx="2760840" cy="466560"/>
-            </a:xfrm>
-            <a:prstGeom prst="rect">
-              <a:avLst/>
-            </a:prstGeom>
-            <a:noFill/>
-            <a:ln>
-              <a:noFill/>
-            </a:ln>
-          </p:spPr>
-          <p:txBody>
-            <a:bodyPr lIns="90000" rIns="90000" tIns="45000" bIns="45000">
-              <a:spAutoFit/>
-            </a:bodyPr>
-            <a:p>
-              <a:pPr algn="ctr"/>
-              <a:r>
-                <a:rPr b="1" i="1" lang="en-GB" sz="2000" spc="-1" strike="noStrike">
-                  <a:latin typeface="Arial"/>
-                </a:rPr>
-                <a:t>Figma 3X faster</a:t>
-              </a:r>
-              <a:endParaRPr b="0" lang="en-GB" sz="2000" spc="-1" strike="noStrike">
-                <a:latin typeface="Arial"/>
-              </a:endParaRPr>
-            </a:p>
-          </p:txBody>
-        </p:sp>
-      </p:grpSp>
-      <p:pic>
-        <p:nvPicPr>
-          <p:cNvPr id="235" name="" descr=""/>
-          <p:cNvPicPr/>
-          <p:nvPr/>
-        </p:nvPicPr>
-        <p:blipFill>
-          <a:blip r:embed="rId2"/>
-          <a:srcRect l="0" t="4918" r="12211" b="46933"/>
-          <a:stretch/>
-        </p:blipFill>
-        <p:spPr>
-          <a:xfrm>
-            <a:off x="5569920" y="2279520"/>
-            <a:ext cx="3466440" cy="1973160"/>
-          </a:xfrm>
-          <a:prstGeom prst="rect">
-            <a:avLst/>
-          </a:prstGeom>
-          <a:ln>
-            <a:noFill/>
-          </a:ln>
-        </p:spPr>
-      </p:pic>
-      <p:sp>
-        <p:nvSpPr>
-          <p:cNvPr id="236" name="TextShape 6"/>
-          <p:cNvSpPr txBox="1"/>
-          <p:nvPr/>
-        </p:nvSpPr>
-        <p:spPr>
-          <a:xfrm>
-            <a:off x="5796360" y="4311000"/>
-            <a:ext cx="3096000" cy="657000"/>
-          </a:xfrm>
-          <a:prstGeom prst="rect">
-            <a:avLst/>
-          </a:prstGeom>
-          <a:noFill/>
-          <a:ln>
-            <a:noFill/>
-          </a:ln>
-        </p:spPr>
-        <p:txBody>
-          <a:bodyPr lIns="90000" rIns="90000" tIns="45000" bIns="45000">
-            <a:spAutoFit/>
-          </a:bodyPr>
-          <a:p>
-            <a:pPr algn="ctr"/>
-            <a:r>
-              <a:rPr b="1" i="1" lang="en-GB" sz="2000" spc="-1" strike="noStrike">
-                <a:latin typeface="Arial"/>
-              </a:rPr>
-              <a:t>fastq.bio DNA sequencer 20X faster</a:t>
-            </a:r>
-            <a:endParaRPr b="0" lang="en-GB" sz="2000" spc="-1" strike="noStrike">
               <a:latin typeface="Arial"/>
             </a:endParaRPr>
           </a:p>
@@ -2988,7 +3133,7 @@
       </p:grpSpPr>
       <p:sp>
         <p:nvSpPr>
-          <p:cNvPr id="237" name="CustomShape 1"/>
+          <p:cNvPr id="246" name="CustomShape 1"/>
           <p:cNvSpPr/>
           <p:nvPr/>
         </p:nvSpPr>
@@ -3016,7 +3161,7 @@
       </p:sp>
       <p:sp>
         <p:nvSpPr>
-          <p:cNvPr id="238" name="TextShape 2"/>
+          <p:cNvPr id="247" name="TextShape 2"/>
           <p:cNvSpPr txBox="1"/>
           <p:nvPr/>
         </p:nvSpPr>
@@ -3054,23 +3199,62 @@
           </a:p>
         </p:txBody>
       </p:sp>
+      <p:sp>
+        <p:nvSpPr>
+          <p:cNvPr id="248" name="TextShape 3"/>
+          <p:cNvSpPr txBox="1"/>
+          <p:nvPr/>
+        </p:nvSpPr>
+        <p:spPr>
+          <a:xfrm>
+            <a:off x="144000" y="893880"/>
+            <a:ext cx="2448000" cy="1001880"/>
+          </a:xfrm>
+          <a:prstGeom prst="rect">
+            <a:avLst/>
+          </a:prstGeom>
+          <a:noFill/>
+          <a:ln>
+            <a:noFill/>
+          </a:ln>
+        </p:spPr>
+        <p:txBody>
+          <a:bodyPr lIns="90000" rIns="90000" tIns="45000" bIns="45000">
+            <a:spAutoFit/>
+          </a:bodyPr>
+          <a:p>
+            <a:r>
+              <a:rPr b="1" i="1" lang="en-GB" sz="3200" spc="-1" strike="noStrike">
+                <a:solidFill>
+                  <a:srgbClr val="684cf3"/>
+                </a:solidFill>
+                <a:latin typeface="Arial"/>
+              </a:rPr>
+              <a:t>Faster than JavaScript</a:t>
+            </a:r>
+            <a:endParaRPr b="0" lang="en-GB" sz="3200" spc="-1" strike="noStrike">
+              <a:latin typeface="Arial"/>
+            </a:endParaRPr>
+          </a:p>
+        </p:txBody>
+      </p:sp>
       <p:grpSp>
         <p:nvGrpSpPr>
-          <p:cNvPr id="239" name="Group 3"/>
+          <p:cNvPr id="249" name="Group 4"/>
           <p:cNvGrpSpPr/>
           <p:nvPr/>
         </p:nvGrpSpPr>
         <p:grpSpPr>
           <a:xfrm>
-            <a:off x="5508000" y="2279520"/>
-            <a:ext cx="3561480" cy="1968480"/>
-            <a:chOff x="5508000" y="2279520"/>
-            <a:chExt cx="3561480" cy="1968480"/>
+            <a:off x="1296000" y="2324880"/>
+            <a:ext cx="3384000" cy="2499480"/>
+            <a:chOff x="1296000" y="2324880"/>
+            <a:chExt cx="3384000" cy="2499480"/>
           </a:xfrm>
         </p:grpSpPr>
         <p:pic>
           <p:nvPicPr>
-            <p:cNvPr id="240" name="" descr=""/>
+            <p:cNvPr id="250" name="" descr=""/>
             <p:cNvPicPr/>
             <p:nvPr/>
           </p:nvPicPr>
@@ -3080,8 +3264,8 @@
           </p:blipFill>
           <p:spPr>
             <a:xfrm>
-              <a:off x="5569560" y="2279520"/>
-              <a:ext cx="3499920" cy="1968480"/>
+              <a:off x="1296000" y="2324880"/>
+              <a:ext cx="3384000" cy="1986840"/>
             </a:xfrm>
             <a:prstGeom prst="rect">
               <a:avLst/>
@@ -3091,40 +3275,78 @@
             </a:ln>
           </p:spPr>
         </p:pic>
-        <p:pic>
-          <p:nvPicPr>
-            <p:cNvPr id="241" name="" descr=""/>
-            <p:cNvPicPr/>
-            <p:nvPr/>
-          </p:nvPicPr>
-          <p:blipFill>
-            <a:blip r:embed="rId2"/>
-            <a:stretch/>
-          </p:blipFill>
-          <p:spPr>
-            <a:xfrm>
-              <a:off x="5508000" y="3202200"/>
-              <a:ext cx="1045800" cy="1045800"/>
+        <p:sp>
+          <p:nvSpPr>
+            <p:cNvPr id="251" name="TextShape 5"/>
+            <p:cNvSpPr txBox="1"/>
+            <p:nvPr/>
+          </p:nvSpPr>
+          <p:spPr>
+            <a:xfrm>
+              <a:off x="1635840" y="4357800"/>
+              <a:ext cx="2760840" cy="466560"/>
             </a:xfrm>
             <a:prstGeom prst="rect">
               <a:avLst/>
             </a:prstGeom>
+            <a:noFill/>
             <a:ln>
               <a:noFill/>
             </a:ln>
           </p:spPr>
-        </p:pic>
+          <p:txBody>
+            <a:bodyPr lIns="90000" rIns="90000" tIns="45000" bIns="45000">
+              <a:spAutoFit/>
+            </a:bodyPr>
+            <a:p>
+              <a:pPr algn="ctr"/>
+              <a:r>
+                <a:rPr b="1" i="1" lang="en-GB" sz="2000" spc="-1" strike="noStrike">
+                  <a:latin typeface="Arial"/>
+                </a:rPr>
+                <a:t>Figma 3X faster</a:t>
+              </a:r>
+              <a:endParaRPr b="0" lang="en-GB" sz="2000" spc="-1" strike="noStrike">
+                <a:latin typeface="Arial"/>
+              </a:endParaRPr>
+            </a:p>
+          </p:txBody>
+        </p:sp>
       </p:grpSp>
-      <p:sp>
-        <p:nvSpPr>
-          <p:cNvPr id="242" name="TextShape 4"/>
+      <p:pic>
+        <p:nvPicPr>
+          <p:cNvPr id="252" name="" descr=""/>
+          <p:cNvPicPr/>
+          <p:nvPr/>
+        </p:nvPicPr>
+        <p:blipFill>
+          <a:blip r:embed="rId2"/>
+          <a:srcRect l="0" t="4918" r="12211" b="46933"/>
+          <a:stretch/>
+        </p:blipFill>
+        <p:spPr>
+          <a:xfrm>
+            <a:off x="5569920" y="2279520"/>
+            <a:ext cx="3466440" cy="1973160"/>
+          </a:xfrm>
+          <a:prstGeom prst="rect">
+            <a:avLst/>
+          </a:prstGeom>
+          <a:ln>
+            <a:noFill/>
+          </a:ln>
+        </p:spPr>
+      </p:pic>
+      <p:sp>
+        <p:nvSpPr>
+          <p:cNvPr id="253" name="TextShape 6"/>
           <p:cNvSpPr txBox="1"/>
           <p:nvPr/>
         </p:nvSpPr>
         <p:spPr>
           <a:xfrm>
-            <a:off x="5364000" y="4315680"/>
-            <a:ext cx="3744000" cy="940320"/>
+            <a:off x="5796360" y="4311000"/>
+            <a:ext cx="3096000" cy="657000"/>
           </a:xfrm>
           <a:prstGeom prst="rect">
             <a:avLst/>
@@ -3139,119 +3361,14 @@
             <a:spAutoFit/>
           </a:bodyPr>
           <a:p>
+            <a:pPr algn="ctr"/>
             <a:r>
               <a:rPr b="1" i="1" lang="en-GB" sz="2000" spc="-1" strike="noStrike">
                 <a:latin typeface="Arial"/>
               </a:rPr>
-              <a:t>AutoCAD web version uses identical codebase as desktop - C</a:t>
+              <a:t>fastq.bio DNA sequencer 20X faster</a:t>
             </a:r>
             <a:endParaRPr b="0" lang="en-GB" sz="2000" spc="-1" strike="noStrike">
-              <a:latin typeface="Arial"/>
-            </a:endParaRPr>
-          </a:p>
-        </p:txBody>
-      </p:sp>
-      <p:pic>
-        <p:nvPicPr>
-          <p:cNvPr id="243" name="" descr=""/>
-          <p:cNvPicPr/>
-          <p:nvPr/>
-        </p:nvPicPr>
-        <p:blipFill>
-          <a:blip r:embed="rId3"/>
-          <a:srcRect l="0" t="0" r="0" b="41584"/>
-          <a:stretch/>
-        </p:blipFill>
-        <p:spPr>
-          <a:xfrm>
-            <a:off x="1296000" y="2318760"/>
-            <a:ext cx="3362040" cy="1965240"/>
-          </a:xfrm>
-          <a:prstGeom prst="rect">
-            <a:avLst/>
-          </a:prstGeom>
-          <a:ln>
-            <a:noFill/>
-          </a:ln>
-        </p:spPr>
-      </p:pic>
-      <p:sp>
-        <p:nvSpPr>
-          <p:cNvPr id="244" name="TextShape 5"/>
-          <p:cNvSpPr txBox="1"/>
-          <p:nvPr/>
-        </p:nvSpPr>
-        <p:spPr>
-          <a:xfrm>
-            <a:off x="1224000" y="4347000"/>
-            <a:ext cx="3816000" cy="940320"/>
-          </a:xfrm>
-          <a:prstGeom prst="rect">
-            <a:avLst/>
-          </a:prstGeom>
-          <a:noFill/>
-          <a:ln>
-            <a:noFill/>
-          </a:ln>
-        </p:spPr>
-        <p:txBody>
-          <a:bodyPr lIns="90000" rIns="90000" tIns="45000" bIns="45000">
-            <a:spAutoFit/>
-          </a:bodyPr>
-          <a:p>
-            <a:r>
-              <a:rPr b="1" i="1" lang="en-GB" sz="2000" spc="-1" strike="noStrike">
-                <a:latin typeface="Arial"/>
-                <a:ea typeface="Noto Sans CJK SC"/>
-              </a:rPr>
-              <a:t>Pyodide is Python running on the browser via webAssembly for </a:t>
-            </a:r>
-            <a:r>
-              <a:rPr b="1" i="1" lang="en-GB" sz="2000" spc="-1" strike="noStrike">
-                <a:latin typeface="Arial"/>
-              </a:rPr>
-              <a:t>scientific and AI </a:t>
-            </a:r>
-            <a:endParaRPr b="0" lang="en-GB" sz="2000" spc="-1" strike="noStrike">
-              <a:latin typeface="Arial"/>
-            </a:endParaRPr>
-          </a:p>
-        </p:txBody>
-      </p:sp>
-      <p:sp>
-        <p:nvSpPr>
-          <p:cNvPr id="245" name="TextShape 6"/>
-          <p:cNvSpPr txBox="1"/>
-          <p:nvPr/>
-        </p:nvSpPr>
-        <p:spPr>
-          <a:xfrm>
-            <a:off x="144000" y="908640"/>
-            <a:ext cx="3600000" cy="1001880"/>
-          </a:xfrm>
-          <a:prstGeom prst="rect">
-            <a:avLst/>
-          </a:prstGeom>
-          <a:noFill/>
-          <a:ln>
-            <a:noFill/>
-          </a:ln>
-        </p:spPr>
-        <p:txBody>
-          <a:bodyPr lIns="90000" rIns="90000" tIns="45000" bIns="45000">
-            <a:spAutoFit/>
-          </a:bodyPr>
-          <a:p>
-            <a:r>
-              <a:rPr b="1" i="1" lang="en-GB" sz="3200" spc="-1" strike="noStrike">
-                <a:solidFill>
-                  <a:srgbClr val="684cf3"/>
-                </a:solidFill>
-                <a:latin typeface="Arial"/>
-              </a:rPr>
-              <a:t>Run established codebase</a:t>
-            </a:r>
-            <a:endParaRPr b="0" lang="en-GB" sz="3200" spc="-1" strike="noStrike">
               <a:latin typeface="Arial"/>
             </a:endParaRPr>
           </a:p>
@@ -3287,9 +3404,310 @@
           <a:chExt cx="0" cy="0"/>
         </a:xfrm>
       </p:grpSpPr>
+      <p:sp>
+        <p:nvSpPr>
+          <p:cNvPr id="254" name="CustomShape 1"/>
+          <p:cNvSpPr/>
+          <p:nvPr/>
+        </p:nvSpPr>
+        <p:spPr>
+          <a:xfrm>
+            <a:off x="0" y="0"/>
+            <a:ext cx="10080000" cy="792000"/>
+          </a:xfrm>
+          <a:prstGeom prst="rect">
+            <a:avLst/>
+          </a:prstGeom>
+          <a:solidFill>
+            <a:srgbClr val="684cf3"/>
+          </a:solidFill>
+          <a:ln>
+            <a:noFill/>
+          </a:ln>
+        </p:spPr>
+        <p:style>
+          <a:lnRef idx="0"/>
+          <a:fillRef idx="0"/>
+          <a:effectRef idx="0"/>
+          <a:fontRef idx="minor"/>
+        </p:style>
+      </p:sp>
+      <p:sp>
+        <p:nvSpPr>
+          <p:cNvPr id="255" name="TextShape 2"/>
+          <p:cNvSpPr txBox="1"/>
+          <p:nvPr/>
+        </p:nvSpPr>
+        <p:spPr>
+          <a:xfrm>
+            <a:off x="0" y="108000"/>
+            <a:ext cx="10080000" cy="684000"/>
+          </a:xfrm>
+          <a:prstGeom prst="rect">
+            <a:avLst/>
+          </a:prstGeom>
+          <a:noFill/>
+          <a:ln>
+            <a:noFill/>
+          </a:ln>
+        </p:spPr>
+        <p:txBody>
+          <a:bodyPr lIns="90000" rIns="90000" tIns="45000" bIns="45000">
+            <a:spAutoFit/>
+          </a:bodyPr>
+          <a:p>
+            <a:pPr algn="ctr"/>
+            <a:r>
+              <a:rPr b="1" lang="en-GB" sz="3600" spc="-1" strike="noStrike">
+                <a:solidFill>
+                  <a:srgbClr val="ffffff"/>
+                </a:solidFill>
+                <a:latin typeface="Arial"/>
+              </a:rPr>
+              <a:t>Why is WebAssembly important?</a:t>
+            </a:r>
+            <a:endParaRPr b="0" lang="en-GB" sz="3600" spc="-1" strike="noStrike">
+              <a:latin typeface="Arial"/>
+            </a:endParaRPr>
+          </a:p>
+        </p:txBody>
+      </p:sp>
+      <p:grpSp>
+        <p:nvGrpSpPr>
+          <p:cNvPr id="256" name="Group 3"/>
+          <p:cNvGrpSpPr/>
+          <p:nvPr/>
+        </p:nvGrpSpPr>
+        <p:grpSpPr>
+          <a:xfrm>
+            <a:off x="5508000" y="2279520"/>
+            <a:ext cx="3561480" cy="1968480"/>
+            <a:chOff x="5508000" y="2279520"/>
+            <a:chExt cx="3561480" cy="1968480"/>
+          </a:xfrm>
+        </p:grpSpPr>
+        <p:pic>
+          <p:nvPicPr>
+            <p:cNvPr id="257" name="" descr=""/>
+            <p:cNvPicPr/>
+            <p:nvPr/>
+          </p:nvPicPr>
+          <p:blipFill>
+            <a:blip r:embed="rId1"/>
+            <a:stretch/>
+          </p:blipFill>
+          <p:spPr>
+            <a:xfrm>
+              <a:off x="5569560" y="2279520"/>
+              <a:ext cx="3499920" cy="1968480"/>
+            </a:xfrm>
+            <a:prstGeom prst="rect">
+              <a:avLst/>
+            </a:prstGeom>
+            <a:ln>
+              <a:noFill/>
+            </a:ln>
+          </p:spPr>
+        </p:pic>
+        <p:pic>
+          <p:nvPicPr>
+            <p:cNvPr id="258" name="" descr=""/>
+            <p:cNvPicPr/>
+            <p:nvPr/>
+          </p:nvPicPr>
+          <p:blipFill>
+            <a:blip r:embed="rId2"/>
+            <a:stretch/>
+          </p:blipFill>
+          <p:spPr>
+            <a:xfrm>
+              <a:off x="5508000" y="3202200"/>
+              <a:ext cx="1045800" cy="1045800"/>
+            </a:xfrm>
+            <a:prstGeom prst="rect">
+              <a:avLst/>
+            </a:prstGeom>
+            <a:ln>
+              <a:noFill/>
+            </a:ln>
+          </p:spPr>
+        </p:pic>
+      </p:grpSp>
+      <p:sp>
+        <p:nvSpPr>
+          <p:cNvPr id="259" name="TextShape 4"/>
+          <p:cNvSpPr txBox="1"/>
+          <p:nvPr/>
+        </p:nvSpPr>
+        <p:spPr>
+          <a:xfrm>
+            <a:off x="5364000" y="4315680"/>
+            <a:ext cx="3744000" cy="940320"/>
+          </a:xfrm>
+          <a:prstGeom prst="rect">
+            <a:avLst/>
+          </a:prstGeom>
+          <a:noFill/>
+          <a:ln>
+            <a:noFill/>
+          </a:ln>
+        </p:spPr>
+        <p:txBody>
+          <a:bodyPr lIns="90000" rIns="90000" tIns="45000" bIns="45000">
+            <a:spAutoFit/>
+          </a:bodyPr>
+          <a:p>
+            <a:r>
+              <a:rPr b="1" i="1" lang="en-GB" sz="2000" spc="-1" strike="noStrike">
+                <a:latin typeface="Arial"/>
+              </a:rPr>
+              <a:t>AutoCAD web version uses identical codebase as desktop - C</a:t>
+            </a:r>
+            <a:endParaRPr b="0" lang="en-GB" sz="2000" spc="-1" strike="noStrike">
+              <a:latin typeface="Arial"/>
+            </a:endParaRPr>
+          </a:p>
+        </p:txBody>
+      </p:sp>
       <p:pic>
         <p:nvPicPr>
-          <p:cNvPr id="246" name="" descr=""/>
+          <p:cNvPr id="260" name="" descr=""/>
+          <p:cNvPicPr/>
+          <p:nvPr/>
+        </p:nvPicPr>
+        <p:blipFill>
+          <a:blip r:embed="rId3"/>
+          <a:srcRect l="0" t="0" r="0" b="41584"/>
+          <a:stretch/>
+        </p:blipFill>
+        <p:spPr>
+          <a:xfrm>
+            <a:off x="1296000" y="2318760"/>
+            <a:ext cx="3362040" cy="1965240"/>
+          </a:xfrm>
+          <a:prstGeom prst="rect">
+            <a:avLst/>
+          </a:prstGeom>
+          <a:ln>
+            <a:noFill/>
+          </a:ln>
+        </p:spPr>
+      </p:pic>
+      <p:sp>
+        <p:nvSpPr>
+          <p:cNvPr id="261" name="TextShape 5"/>
+          <p:cNvSpPr txBox="1"/>
+          <p:nvPr/>
+        </p:nvSpPr>
+        <p:spPr>
+          <a:xfrm>
+            <a:off x="1224000" y="4347000"/>
+            <a:ext cx="3816000" cy="940320"/>
+          </a:xfrm>
+          <a:prstGeom prst="rect">
+            <a:avLst/>
+          </a:prstGeom>
+          <a:noFill/>
+          <a:ln>
+            <a:noFill/>
+          </a:ln>
+        </p:spPr>
+        <p:txBody>
+          <a:bodyPr lIns="90000" rIns="90000" tIns="45000" bIns="45000">
+            <a:spAutoFit/>
+          </a:bodyPr>
+          <a:p>
+            <a:r>
+              <a:rPr b="1" i="1" lang="en-GB" sz="2000" spc="-1" strike="noStrike">
+                <a:latin typeface="Arial"/>
+                <a:ea typeface="Noto Sans CJK SC"/>
+              </a:rPr>
+              <a:t>Pyodide is Python running on the browser via webAssembly for </a:t>
+            </a:r>
+            <a:r>
+              <a:rPr b="1" i="1" lang="en-GB" sz="2000" spc="-1" strike="noStrike">
+                <a:latin typeface="Arial"/>
+              </a:rPr>
+              <a:t>scientific and AI </a:t>
+            </a:r>
+            <a:endParaRPr b="0" lang="en-GB" sz="2000" spc="-1" strike="noStrike">
+              <a:latin typeface="Arial"/>
+            </a:endParaRPr>
+          </a:p>
+        </p:txBody>
+      </p:sp>
+      <p:sp>
+        <p:nvSpPr>
+          <p:cNvPr id="262" name="TextShape 6"/>
+          <p:cNvSpPr txBox="1"/>
+          <p:nvPr/>
+        </p:nvSpPr>
+        <p:spPr>
+          <a:xfrm>
+            <a:off x="144000" y="908640"/>
+            <a:ext cx="3600000" cy="1001880"/>
+          </a:xfrm>
+          <a:prstGeom prst="rect">
+            <a:avLst/>
+          </a:prstGeom>
+          <a:noFill/>
+          <a:ln>
+            <a:noFill/>
+          </a:ln>
+        </p:spPr>
+        <p:txBody>
+          <a:bodyPr lIns="90000" rIns="90000" tIns="45000" bIns="45000">
+            <a:spAutoFit/>
+          </a:bodyPr>
+          <a:p>
+            <a:r>
+              <a:rPr b="1" i="1" lang="en-GB" sz="3200" spc="-1" strike="noStrike">
+                <a:solidFill>
+                  <a:srgbClr val="684cf3"/>
+                </a:solidFill>
+                <a:latin typeface="Arial"/>
+              </a:rPr>
+              <a:t>Run established codebase</a:t>
+            </a:r>
+            <a:endParaRPr b="0" lang="en-GB" sz="3200" spc="-1" strike="noStrike">
+              <a:latin typeface="Arial"/>
+            </a:endParaRPr>
+          </a:p>
+        </p:txBody>
+      </p:sp>
+    </p:spTree>
+  </p:cSld>
+  <mc:AlternateContent>
+    <mc:Choice Requires="p14">
+      <p:transition spd="slow" p14:dur="2000"/>
+    </mc:Choice>
+    <mc:Fallback>
+      <p:transition spd="slow"/>
+    </mc:Fallback>
+  </mc:AlternateContent>
+</p:sld>
+</file>
+
+<file path=ppt/slides/slide15.xml><?xml version="1.0" encoding="utf-8"?>
+<p:sld xmlns:a="http://schemas.openxmlformats.org/drawingml/2006/main" xmlns:p="http://schemas.openxmlformats.org/presentationml/2006/main" xmlns:r="http://schemas.openxmlformats.org/officeDocument/2006/relationships" xmlns:p14="http://schemas.microsoft.com/office/powerpoint/2010/main" xmlns:p15="http://schemas.microsoft.com/office/powerpoint/2012/main" xmlns:mc="http://schemas.openxmlformats.org/markup-compatibility/2006">
+  <p:cSld>
+    <p:spTree>
+      <p:nvGrpSpPr>
+        <p:cNvPr id="1" name=""/>
+        <p:cNvGrpSpPr/>
+        <p:nvPr/>
+      </p:nvGrpSpPr>
+      <p:grpSpPr>
+        <a:xfrm>
+          <a:off x="0" y="0"/>
+          <a:ext cx="0" cy="0"/>
+          <a:chOff x="0" y="0"/>
+          <a:chExt cx="0" cy="0"/>
+        </a:xfrm>
+      </p:grpSpPr>
+      <p:pic>
+        <p:nvPicPr>
+          <p:cNvPr id="263" name="" descr=""/>
           <p:cNvPicPr/>
           <p:nvPr/>
         </p:nvPicPr>
@@ -3299,7 +3717,7 @@
         </p:blipFill>
         <p:spPr>
           <a:xfrm>
-            <a:off x="4608000" y="4608000"/>
+            <a:off x="4644000" y="4608000"/>
             <a:ext cx="792000" cy="792000"/>
           </a:xfrm>
           <a:prstGeom prst="rect">
@@ -3312,7 +3730,7 @@
       </p:pic>
       <p:sp>
         <p:nvSpPr>
-          <p:cNvPr id="247" name="TextShape 1"/>
+          <p:cNvPr id="264" name="TextShape 1"/>
           <p:cNvSpPr txBox="1"/>
           <p:nvPr/>
         </p:nvSpPr>
@@ -3384,7 +3802,16 @@
               <a:rPr b="1" lang="en-GB" sz="2800" spc="-1" strike="noStrike">
                 <a:latin typeface="Arial"/>
               </a:rPr>
-              <a:t> execution than JavaScript</a:t>
+              <a:t> execution </a:t>
+            </a:r>
+            <a:r>
+              <a:rPr b="1" lang="en-GB" sz="2800" spc="-1" strike="noStrike">
+                <a:solidFill>
+                  <a:srgbClr val="684cf3"/>
+                </a:solidFill>
+                <a:latin typeface="Arial"/>
+              </a:rPr>
+              <a:t>than JavaScript</a:t>
             </a:r>
             <a:endParaRPr b="0" lang="en-GB" sz="2800" spc="-1" strike="noStrike">
               <a:latin typeface="Arial"/>
@@ -3423,7 +3850,7 @@
                 </a:solidFill>
                 <a:latin typeface="Arial"/>
               </a:rPr>
-              <a:t>established non Javascript code</a:t>
+              <a:t>established non JavaScript code</a:t>
             </a:r>
             <a:r>
               <a:rPr b="1" lang="en-GB" sz="2800" spc="-1" strike="noStrike">
@@ -3448,7 +3875,7 @@
       </p:sp>
       <p:sp>
         <p:nvSpPr>
-          <p:cNvPr id="248" name="CustomShape 2"/>
+          <p:cNvPr id="265" name="CustomShape 2"/>
           <p:cNvSpPr/>
           <p:nvPr/>
         </p:nvSpPr>
@@ -3476,7 +3903,7 @@
       </p:sp>
       <p:sp>
         <p:nvSpPr>
-          <p:cNvPr id="249" name="TextShape 3"/>
+          <p:cNvPr id="266" name="TextShape 3"/>
           <p:cNvSpPr txBox="1"/>
           <p:nvPr/>
         </p:nvSpPr>
@@ -4939,335 +5366,44 @@
           <a:chExt cx="0" cy="0"/>
         </a:xfrm>
       </p:grpSpPr>
-      <p:grpSp>
-        <p:nvGrpSpPr>
-          <p:cNvPr id="91" name="Group 1"/>
-          <p:cNvGrpSpPr/>
+      <p:sp>
+        <p:nvSpPr>
+          <p:cNvPr id="91" name="CustomShape 1"/>
+          <p:cNvSpPr/>
           <p:nvPr/>
-        </p:nvGrpSpPr>
-        <p:grpSpPr>
-          <a:xfrm>
-            <a:off x="432000" y="485280"/>
-            <a:ext cx="1872000" cy="2538720"/>
-            <a:chOff x="432000" y="485280"/>
-            <a:chExt cx="1872000" cy="2538720"/>
-          </a:xfrm>
-        </p:grpSpPr>
-        <p:sp>
-          <p:nvSpPr>
-            <p:cNvPr id="92" name="CustomShape 2"/>
-            <p:cNvSpPr/>
-            <p:nvPr/>
-          </p:nvSpPr>
-          <p:spPr>
-            <a:xfrm>
-              <a:off x="1023120" y="725400"/>
-              <a:ext cx="919800" cy="180360"/>
-            </a:xfrm>
-            <a:prstGeom prst="rect">
-              <a:avLst/>
-            </a:prstGeom>
-            <a:solidFill>
-              <a:srgbClr val="000000"/>
-            </a:solidFill>
-            <a:ln>
-              <a:noFill/>
-            </a:ln>
-          </p:spPr>
-          <p:style>
-            <a:lnRef idx="0"/>
-            <a:fillRef idx="0"/>
-            <a:effectRef idx="0"/>
-            <a:fontRef idx="minor"/>
-          </p:style>
-        </p:sp>
-        <p:sp>
-          <p:nvSpPr>
-            <p:cNvPr id="93" name="CustomShape 3"/>
-            <p:cNvSpPr/>
-            <p:nvPr/>
-          </p:nvSpPr>
-          <p:spPr>
-            <a:xfrm>
-              <a:off x="1023120" y="1197000"/>
-              <a:ext cx="919800" cy="180360"/>
-            </a:xfrm>
-            <a:prstGeom prst="rect">
-              <a:avLst/>
-            </a:prstGeom>
-            <a:solidFill>
-              <a:srgbClr val="000000"/>
-            </a:solidFill>
-            <a:ln>
-              <a:noFill/>
-            </a:ln>
-          </p:spPr>
-          <p:style>
-            <a:lnRef idx="0"/>
-            <a:fillRef idx="0"/>
-            <a:effectRef idx="0"/>
-            <a:fontRef idx="minor"/>
-          </p:style>
-        </p:sp>
-        <p:sp>
-          <p:nvSpPr>
-            <p:cNvPr id="94" name="CustomShape 4"/>
-            <p:cNvSpPr/>
-            <p:nvPr/>
-          </p:nvSpPr>
-          <p:spPr>
-            <a:xfrm>
-              <a:off x="1023120" y="1668960"/>
-              <a:ext cx="919800" cy="180000"/>
-            </a:xfrm>
-            <a:prstGeom prst="rect">
-              <a:avLst/>
-            </a:prstGeom>
-            <a:solidFill>
-              <a:srgbClr val="000000"/>
-            </a:solidFill>
-            <a:ln>
-              <a:noFill/>
-            </a:ln>
-          </p:spPr>
-          <p:style>
-            <a:lnRef idx="0"/>
-            <a:fillRef idx="0"/>
-            <a:effectRef idx="0"/>
-            <a:fontRef idx="minor"/>
-          </p:style>
-        </p:sp>
-        <p:sp>
-          <p:nvSpPr>
-            <p:cNvPr id="95" name="CustomShape 5"/>
-            <p:cNvSpPr/>
-            <p:nvPr/>
-          </p:nvSpPr>
-          <p:spPr>
-            <a:xfrm>
-              <a:off x="1023120" y="1668960"/>
-              <a:ext cx="919800" cy="180000"/>
-            </a:xfrm>
-            <a:prstGeom prst="rect">
-              <a:avLst/>
-            </a:prstGeom>
-            <a:solidFill>
-              <a:srgbClr val="000000"/>
-            </a:solidFill>
-            <a:ln>
-              <a:noFill/>
-            </a:ln>
-          </p:spPr>
-          <p:style>
-            <a:lnRef idx="0"/>
-            <a:fillRef idx="0"/>
-            <a:effectRef idx="0"/>
-            <a:fontRef idx="minor"/>
-          </p:style>
-        </p:sp>
-        <p:sp>
-          <p:nvSpPr>
-            <p:cNvPr id="96" name="CustomShape 6"/>
-            <p:cNvSpPr/>
-            <p:nvPr/>
-          </p:nvSpPr>
-          <p:spPr>
-            <a:xfrm>
-              <a:off x="1023120" y="2140560"/>
-              <a:ext cx="919800" cy="180000"/>
-            </a:xfrm>
-            <a:prstGeom prst="rect">
-              <a:avLst/>
-            </a:prstGeom>
-            <a:solidFill>
-              <a:srgbClr val="000000"/>
-            </a:solidFill>
-            <a:ln>
-              <a:noFill/>
-            </a:ln>
-          </p:spPr>
-          <p:style>
-            <a:lnRef idx="0"/>
-            <a:fillRef idx="0"/>
-            <a:effectRef idx="0"/>
-            <a:fontRef idx="minor"/>
-          </p:style>
-        </p:sp>
-        <p:sp>
-          <p:nvSpPr>
-            <p:cNvPr id="97" name="CustomShape 7"/>
-            <p:cNvSpPr/>
-            <p:nvPr/>
-          </p:nvSpPr>
-          <p:spPr>
-            <a:xfrm>
-              <a:off x="1023120" y="2612520"/>
-              <a:ext cx="919800" cy="180000"/>
-            </a:xfrm>
-            <a:prstGeom prst="rect">
-              <a:avLst/>
-            </a:prstGeom>
-            <a:solidFill>
-              <a:srgbClr val="000000"/>
-            </a:solidFill>
-            <a:ln>
-              <a:noFill/>
-            </a:ln>
-          </p:spPr>
-          <p:style>
-            <a:lnRef idx="0"/>
-            <a:fillRef idx="0"/>
-            <a:effectRef idx="0"/>
-            <a:fontRef idx="minor"/>
-          </p:style>
-        </p:sp>
-        <p:sp>
-          <p:nvSpPr>
-            <p:cNvPr id="98" name="Freeform 8"/>
-            <p:cNvSpPr/>
-            <p:nvPr/>
-          </p:nvSpPr>
-          <p:spPr>
-            <a:xfrm>
-              <a:off x="432000" y="485280"/>
-              <a:ext cx="1872360" cy="2539080"/>
-            </a:xfrm>
-            <a:custGeom>
-              <a:avLst/>
-              <a:gdLst/>
-              <a:ahLst/>
-              <a:rect l="0" t="0" r="r" b="b"/>
-              <a:pathLst>
-                <a:path w="5201" h="7053">
-                  <a:moveTo>
-                    <a:pt x="1004" y="381"/>
-                  </a:moveTo>
-                  <a:cubicBezTo>
-                    <a:pt x="1004" y="286"/>
-                    <a:pt x="4653" y="286"/>
-                    <a:pt x="4653" y="286"/>
-                  </a:cubicBezTo>
-                  <a:cubicBezTo>
-                    <a:pt x="4653" y="286"/>
-                    <a:pt x="4926" y="1620"/>
-                    <a:pt x="5018" y="1620"/>
-                  </a:cubicBezTo>
-                  <a:cubicBezTo>
-                    <a:pt x="5109" y="1620"/>
-                    <a:pt x="1825" y="1715"/>
-                    <a:pt x="2007" y="1715"/>
-                  </a:cubicBezTo>
-                  <a:cubicBezTo>
-                    <a:pt x="2189" y="1715"/>
-                    <a:pt x="912" y="1715"/>
-                    <a:pt x="912" y="1715"/>
-                  </a:cubicBezTo>
-                  <a:lnTo>
-                    <a:pt x="1095" y="2954"/>
-                  </a:lnTo>
-                  <a:lnTo>
-                    <a:pt x="4926" y="2954"/>
-                  </a:lnTo>
-                  <a:lnTo>
-                    <a:pt x="4561" y="0"/>
-                  </a:lnTo>
-                  <a:lnTo>
-                    <a:pt x="365" y="191"/>
-                  </a:lnTo>
-                  <a:lnTo>
-                    <a:pt x="730" y="6671"/>
-                  </a:lnTo>
-                  <a:lnTo>
-                    <a:pt x="4653" y="6671"/>
-                  </a:lnTo>
-                  <a:lnTo>
-                    <a:pt x="4744" y="4098"/>
-                  </a:lnTo>
-                  <a:lnTo>
-                    <a:pt x="1095" y="4193"/>
-                  </a:lnTo>
-                  <a:lnTo>
-                    <a:pt x="1186" y="5432"/>
-                  </a:lnTo>
-                  <a:lnTo>
-                    <a:pt x="5018" y="5337"/>
-                  </a:lnTo>
-                  <a:lnTo>
-                    <a:pt x="4926" y="95"/>
-                  </a:lnTo>
-                  <a:lnTo>
-                    <a:pt x="821" y="95"/>
-                  </a:lnTo>
-                  <a:cubicBezTo>
-                    <a:pt x="821" y="95"/>
-                    <a:pt x="1004" y="7052"/>
-                    <a:pt x="1004" y="6957"/>
-                  </a:cubicBezTo>
-                  <a:cubicBezTo>
-                    <a:pt x="1004" y="6861"/>
-                    <a:pt x="4744" y="7052"/>
-                    <a:pt x="4744" y="7052"/>
-                  </a:cubicBezTo>
-                  <a:lnTo>
-                    <a:pt x="4653" y="3145"/>
-                  </a:lnTo>
-                  <a:lnTo>
-                    <a:pt x="1095" y="3145"/>
-                  </a:lnTo>
-                  <a:lnTo>
-                    <a:pt x="1095" y="3907"/>
-                  </a:lnTo>
-                  <a:cubicBezTo>
-                    <a:pt x="1095" y="3907"/>
-                    <a:pt x="5200" y="3717"/>
-                    <a:pt x="5200" y="3812"/>
-                  </a:cubicBezTo>
-                  <a:cubicBezTo>
-                    <a:pt x="5200" y="3907"/>
-                    <a:pt x="5018" y="1906"/>
-                    <a:pt x="5109" y="1906"/>
-                  </a:cubicBezTo>
-                  <a:cubicBezTo>
-                    <a:pt x="5200" y="1906"/>
-                    <a:pt x="1186" y="1525"/>
-                    <a:pt x="1186" y="1525"/>
-                  </a:cubicBezTo>
-                  <a:lnTo>
-                    <a:pt x="1368" y="5908"/>
-                  </a:lnTo>
-                  <a:lnTo>
-                    <a:pt x="4470" y="5623"/>
-                  </a:lnTo>
-                  <a:lnTo>
-                    <a:pt x="4379" y="2668"/>
-                  </a:lnTo>
-                  <a:lnTo>
-                    <a:pt x="0" y="2764"/>
-                  </a:lnTo>
-                </a:path>
-              </a:pathLst>
-            </a:custGeom>
-            <a:ln w="36000">
-              <a:solidFill>
-                <a:srgbClr val="ff0000"/>
-              </a:solidFill>
-              <a:prstDash val="sysDot"/>
-              <a:round/>
-              <a:headEnd len="med" type="triangle" w="med"/>
-            </a:ln>
-          </p:spPr>
-        </p:sp>
-      </p:grpSp>
-      <p:sp>
-        <p:nvSpPr>
-          <p:cNvPr id="99" name="TextShape 9"/>
+        </p:nvSpPr>
+        <p:spPr>
+          <a:xfrm>
+            <a:off x="0" y="0"/>
+            <a:ext cx="10080000" cy="792000"/>
+          </a:xfrm>
+          <a:prstGeom prst="rect">
+            <a:avLst/>
+          </a:prstGeom>
+          <a:solidFill>
+            <a:srgbClr val="684cf3"/>
+          </a:solidFill>
+          <a:ln>
+            <a:noFill/>
+          </a:ln>
+        </p:spPr>
+        <p:style>
+          <a:lnRef idx="0"/>
+          <a:fillRef idx="0"/>
+          <a:effectRef idx="0"/>
+          <a:fontRef idx="minor"/>
+        </p:style>
+      </p:sp>
+      <p:sp>
+        <p:nvSpPr>
+          <p:cNvPr id="92" name="TextShape 2"/>
           <p:cNvSpPr txBox="1"/>
           <p:nvPr/>
         </p:nvSpPr>
         <p:spPr>
           <a:xfrm>
-            <a:off x="799200" y="3312000"/>
-            <a:ext cx="1576800" cy="402840"/>
+            <a:off x="0" y="108000"/>
+            <a:ext cx="10080000" cy="684000"/>
           </a:xfrm>
           <a:prstGeom prst="rect">
             <a:avLst/>
@@ -5282,87 +5418,17 @@
             <a:spAutoFit/>
           </a:bodyPr>
           <a:p>
-            <a:r>
-              <a:rPr b="1" lang="en-GB" sz="2200" spc="-1" strike="noStrike">
-                <a:latin typeface="Arial"/>
-              </a:rPr>
-              <a:t>Interpreter</a:t>
-            </a:r>
-            <a:endParaRPr b="0" lang="en-GB" sz="2200" spc="-1" strike="noStrike">
-              <a:latin typeface="Arial"/>
-            </a:endParaRPr>
-          </a:p>
-        </p:txBody>
-      </p:sp>
-      <p:sp>
-        <p:nvSpPr>
-          <p:cNvPr id="100" name="TextShape 10"/>
-          <p:cNvSpPr txBox="1"/>
-          <p:nvPr/>
-        </p:nvSpPr>
-        <p:spPr>
-          <a:xfrm>
-            <a:off x="792000" y="3708000"/>
-            <a:ext cx="1800000" cy="1506960"/>
-          </a:xfrm>
-          <a:prstGeom prst="rect">
-            <a:avLst/>
-          </a:prstGeom>
-          <a:noFill/>
-          <a:ln>
-            <a:noFill/>
-          </a:ln>
-        </p:spPr>
-        <p:txBody>
-          <a:bodyPr lIns="90000" rIns="90000" tIns="45000" bIns="45000">
-            <a:spAutoFit/>
-          </a:bodyPr>
-          <a:p>
-            <a:r>
-              <a:rPr b="0" lang="en-GB" sz="2000" spc="-1" strike="noStrike">
-                <a:latin typeface="Arial"/>
-              </a:rPr>
-              <a:t>Immediately </a:t>
-            </a:r>
-            <a:endParaRPr b="0" lang="en-GB" sz="2000" spc="-1" strike="noStrike">
-              <a:latin typeface="Arial"/>
-            </a:endParaRPr>
-          </a:p>
-          <a:p>
-            <a:r>
-              <a:rPr b="0" lang="en-GB" sz="2000" spc="-1" strike="noStrike">
-                <a:latin typeface="Arial"/>
-              </a:rPr>
-              <a:t>runs</a:t>
-            </a:r>
-            <a:endParaRPr b="0" lang="en-GB" sz="2000" spc="-1" strike="noStrike">
-              <a:latin typeface="Arial"/>
-            </a:endParaRPr>
-          </a:p>
-          <a:p>
-            <a:endParaRPr b="0" lang="en-GB" sz="2000" spc="-1" strike="noStrike">
-              <a:latin typeface="Arial"/>
-            </a:endParaRPr>
-          </a:p>
-          <a:p>
-            <a:r>
-              <a:rPr b="0" lang="en-GB" sz="2000" spc="-1" strike="noStrike">
-                <a:latin typeface="Arial"/>
-              </a:rPr>
-              <a:t>Not efficient; </a:t>
-            </a:r>
-            <a:endParaRPr b="0" lang="en-GB" sz="2000" spc="-1" strike="noStrike">
-              <a:latin typeface="Arial"/>
-            </a:endParaRPr>
-          </a:p>
-          <a:p>
-            <a:r>
-              <a:rPr b="0" lang="en-GB" sz="2000" spc="-1" strike="noStrike">
-                <a:latin typeface="Arial"/>
-              </a:rPr>
-              <a:t>can run slow</a:t>
-            </a:r>
-            <a:endParaRPr b="0" lang="en-GB" sz="2000" spc="-1" strike="noStrike">
+            <a:pPr algn="ctr"/>
+            <a:r>
+              <a:rPr b="1" lang="en-GB" sz="3600" spc="-1" strike="noStrike">
+                <a:solidFill>
+                  <a:srgbClr val="ffffff"/>
+                </a:solidFill>
+                <a:latin typeface="Arial"/>
+              </a:rPr>
+              <a:t>Ways to put code into actions (instructions)</a:t>
+            </a:r>
+            <a:endParaRPr b="0" lang="en-GB" sz="3600" spc="-1" strike="noStrike">
               <a:latin typeface="Arial"/>
             </a:endParaRPr>
           </a:p>
@@ -5398,30 +5464,58 @@
           <a:chExt cx="0" cy="0"/>
         </a:xfrm>
       </p:grpSpPr>
+      <p:sp>
+        <p:nvSpPr>
+          <p:cNvPr id="93" name="CustomShape 1"/>
+          <p:cNvSpPr/>
+          <p:nvPr/>
+        </p:nvSpPr>
+        <p:spPr>
+          <a:xfrm>
+            <a:off x="0" y="792000"/>
+            <a:ext cx="2520000" cy="4878000"/>
+          </a:xfrm>
+          <a:prstGeom prst="rect">
+            <a:avLst/>
+          </a:prstGeom>
+          <a:solidFill>
+            <a:srgbClr val="f7f7fb"/>
+          </a:solidFill>
+          <a:ln>
+            <a:noFill/>
+          </a:ln>
+        </p:spPr>
+        <p:style>
+          <a:lnRef idx="0"/>
+          <a:fillRef idx="0"/>
+          <a:effectRef idx="0"/>
+          <a:fontRef idx="minor"/>
+        </p:style>
+      </p:sp>
       <p:grpSp>
         <p:nvGrpSpPr>
-          <p:cNvPr id="101" name="Group 1"/>
+          <p:cNvPr id="94" name="Group 2"/>
           <p:cNvGrpSpPr/>
           <p:nvPr/>
         </p:nvGrpSpPr>
         <p:grpSpPr>
           <a:xfrm>
-            <a:off x="432000" y="485280"/>
-            <a:ext cx="1872000" cy="2538720"/>
-            <a:chOff x="432000" y="485280"/>
-            <a:chExt cx="1872000" cy="2538720"/>
+            <a:off x="288000" y="1281960"/>
+            <a:ext cx="1723320" cy="1742040"/>
+            <a:chOff x="288000" y="1281960"/>
+            <a:chExt cx="1723320" cy="1742040"/>
           </a:xfrm>
         </p:grpSpPr>
         <p:sp>
           <p:nvSpPr>
-            <p:cNvPr id="102" name="CustomShape 2"/>
-            <p:cNvSpPr/>
-            <p:nvPr/>
-          </p:nvSpPr>
-          <p:spPr>
-            <a:xfrm>
-              <a:off x="1023120" y="725400"/>
-              <a:ext cx="919800" cy="180360"/>
+            <p:cNvPr id="95" name="CustomShape 3"/>
+            <p:cNvSpPr/>
+            <p:nvPr/>
+          </p:nvSpPr>
+          <p:spPr>
+            <a:xfrm>
+              <a:off x="832320" y="1446480"/>
+              <a:ext cx="846720" cy="123840"/>
             </a:xfrm>
             <a:prstGeom prst="rect">
               <a:avLst/>
@@ -5442,14 +5536,14 @@
         </p:sp>
         <p:sp>
           <p:nvSpPr>
-            <p:cNvPr id="103" name="CustomShape 3"/>
-            <p:cNvSpPr/>
-            <p:nvPr/>
-          </p:nvSpPr>
-          <p:spPr>
-            <a:xfrm>
-              <a:off x="1023120" y="1197000"/>
-              <a:ext cx="919800" cy="180360"/>
+            <p:cNvPr id="96" name="CustomShape 4"/>
+            <p:cNvSpPr/>
+            <p:nvPr/>
+          </p:nvSpPr>
+          <p:spPr>
+            <a:xfrm>
+              <a:off x="832320" y="1770120"/>
+              <a:ext cx="846720" cy="123840"/>
             </a:xfrm>
             <a:prstGeom prst="rect">
               <a:avLst/>
@@ -5470,14 +5564,14 @@
         </p:sp>
         <p:sp>
           <p:nvSpPr>
-            <p:cNvPr id="104" name="CustomShape 4"/>
-            <p:cNvSpPr/>
-            <p:nvPr/>
-          </p:nvSpPr>
-          <p:spPr>
-            <a:xfrm>
-              <a:off x="1023120" y="1668960"/>
-              <a:ext cx="919800" cy="180000"/>
+            <p:cNvPr id="97" name="CustomShape 5"/>
+            <p:cNvSpPr/>
+            <p:nvPr/>
+          </p:nvSpPr>
+          <p:spPr>
+            <a:xfrm>
+              <a:off x="832320" y="2094120"/>
+              <a:ext cx="846720" cy="123480"/>
             </a:xfrm>
             <a:prstGeom prst="rect">
               <a:avLst/>
@@ -5498,14 +5592,14 @@
         </p:sp>
         <p:sp>
           <p:nvSpPr>
-            <p:cNvPr id="105" name="CustomShape 5"/>
-            <p:cNvSpPr/>
-            <p:nvPr/>
-          </p:nvSpPr>
-          <p:spPr>
-            <a:xfrm>
-              <a:off x="1023120" y="1668960"/>
-              <a:ext cx="919800" cy="180000"/>
+            <p:cNvPr id="98" name="CustomShape 6"/>
+            <p:cNvSpPr/>
+            <p:nvPr/>
+          </p:nvSpPr>
+          <p:spPr>
+            <a:xfrm>
+              <a:off x="832320" y="2094120"/>
+              <a:ext cx="846720" cy="123480"/>
             </a:xfrm>
             <a:prstGeom prst="rect">
               <a:avLst/>
@@ -5526,14 +5620,14 @@
         </p:sp>
         <p:sp>
           <p:nvSpPr>
-            <p:cNvPr id="106" name="CustomShape 6"/>
-            <p:cNvSpPr/>
-            <p:nvPr/>
-          </p:nvSpPr>
-          <p:spPr>
-            <a:xfrm>
-              <a:off x="1023120" y="2140560"/>
-              <a:ext cx="919800" cy="180000"/>
+            <p:cNvPr id="99" name="CustomShape 7"/>
+            <p:cNvSpPr/>
+            <p:nvPr/>
+          </p:nvSpPr>
+          <p:spPr>
+            <a:xfrm>
+              <a:off x="832320" y="2417760"/>
+              <a:ext cx="846720" cy="123480"/>
             </a:xfrm>
             <a:prstGeom prst="rect">
               <a:avLst/>
@@ -5554,14 +5648,14 @@
         </p:sp>
         <p:sp>
           <p:nvSpPr>
-            <p:cNvPr id="107" name="CustomShape 7"/>
-            <p:cNvSpPr/>
-            <p:nvPr/>
-          </p:nvSpPr>
-          <p:spPr>
-            <a:xfrm>
-              <a:off x="1023120" y="2612520"/>
-              <a:ext cx="919800" cy="180000"/>
+            <p:cNvPr id="100" name="CustomShape 8"/>
+            <p:cNvSpPr/>
+            <p:nvPr/>
+          </p:nvSpPr>
+          <p:spPr>
+            <a:xfrm>
+              <a:off x="832320" y="2741760"/>
+              <a:ext cx="846720" cy="123480"/>
             </a:xfrm>
             <a:prstGeom prst="rect">
               <a:avLst/>
@@ -5582,14 +5676,14 @@
         </p:sp>
         <p:sp>
           <p:nvSpPr>
-            <p:cNvPr id="108" name="Freeform 8"/>
-            <p:cNvSpPr/>
-            <p:nvPr/>
-          </p:nvSpPr>
-          <p:spPr>
-            <a:xfrm>
-              <a:off x="432000" y="485280"/>
-              <a:ext cx="1872360" cy="2539080"/>
+            <p:cNvPr id="101" name="Freeform 9"/>
+            <p:cNvSpPr/>
+            <p:nvPr/>
+          </p:nvSpPr>
+          <p:spPr>
+            <a:xfrm>
+              <a:off x="288000" y="1281960"/>
+              <a:ext cx="1723680" cy="1742400"/>
             </a:xfrm>
             <a:custGeom>
               <a:avLst/>
@@ -5597,111 +5691,111 @@
               <a:ahLst/>
               <a:rect l="0" t="0" r="r" b="b"/>
               <a:pathLst>
-                <a:path w="5201" h="7053">
+                <a:path w="4788" h="4840">
                   <a:moveTo>
-                    <a:pt x="1004" y="381"/>
+                    <a:pt x="924" y="261"/>
                   </a:moveTo>
                   <a:cubicBezTo>
-                    <a:pt x="1004" y="286"/>
-                    <a:pt x="4653" y="286"/>
-                    <a:pt x="4653" y="286"/>
+                    <a:pt x="924" y="196"/>
+                    <a:pt x="4284" y="196"/>
+                    <a:pt x="4284" y="196"/>
                   </a:cubicBezTo>
                   <a:cubicBezTo>
-                    <a:pt x="4653" y="286"/>
-                    <a:pt x="4926" y="1620"/>
-                    <a:pt x="5018" y="1620"/>
+                    <a:pt x="4284" y="196"/>
+                    <a:pt x="4535" y="1111"/>
+                    <a:pt x="4620" y="1111"/>
                   </a:cubicBezTo>
                   <a:cubicBezTo>
-                    <a:pt x="5109" y="1620"/>
-                    <a:pt x="1825" y="1715"/>
-                    <a:pt x="2007" y="1715"/>
+                    <a:pt x="4704" y="1111"/>
+                    <a:pt x="1680" y="1176"/>
+                    <a:pt x="1848" y="1176"/>
                   </a:cubicBezTo>
                   <a:cubicBezTo>
-                    <a:pt x="2189" y="1715"/>
-                    <a:pt x="912" y="1715"/>
-                    <a:pt x="912" y="1715"/>
+                    <a:pt x="2015" y="1176"/>
+                    <a:pt x="840" y="1176"/>
+                    <a:pt x="840" y="1176"/>
                   </a:cubicBezTo>
                   <a:lnTo>
-                    <a:pt x="1095" y="2954"/>
-                  </a:lnTo>
-                  <a:lnTo>
-                    <a:pt x="4926" y="2954"/>
-                  </a:lnTo>
-                  <a:lnTo>
-                    <a:pt x="4561" y="0"/>
-                  </a:lnTo>
-                  <a:lnTo>
-                    <a:pt x="365" y="191"/>
-                  </a:lnTo>
-                  <a:lnTo>
-                    <a:pt x="730" y="6671"/>
-                  </a:lnTo>
-                  <a:lnTo>
-                    <a:pt x="4653" y="6671"/>
-                  </a:lnTo>
-                  <a:lnTo>
-                    <a:pt x="4744" y="4098"/>
-                  </a:lnTo>
-                  <a:lnTo>
-                    <a:pt x="1095" y="4193"/>
-                  </a:lnTo>
-                  <a:lnTo>
-                    <a:pt x="1186" y="5432"/>
-                  </a:lnTo>
-                  <a:lnTo>
-                    <a:pt x="5018" y="5337"/>
-                  </a:lnTo>
-                  <a:lnTo>
-                    <a:pt x="4926" y="95"/>
-                  </a:lnTo>
-                  <a:lnTo>
-                    <a:pt x="821" y="95"/>
+                    <a:pt x="1008" y="2027"/>
+                  </a:lnTo>
+                  <a:lnTo>
+                    <a:pt x="4535" y="2027"/>
+                  </a:lnTo>
+                  <a:lnTo>
+                    <a:pt x="4199" y="0"/>
+                  </a:lnTo>
+                  <a:lnTo>
+                    <a:pt x="336" y="131"/>
+                  </a:lnTo>
+                  <a:lnTo>
+                    <a:pt x="672" y="4578"/>
+                  </a:lnTo>
+                  <a:lnTo>
+                    <a:pt x="4284" y="4578"/>
+                  </a:lnTo>
+                  <a:lnTo>
+                    <a:pt x="4367" y="2812"/>
+                  </a:lnTo>
+                  <a:lnTo>
+                    <a:pt x="1008" y="2877"/>
+                  </a:lnTo>
+                  <a:lnTo>
+                    <a:pt x="1092" y="3727"/>
+                  </a:lnTo>
+                  <a:lnTo>
+                    <a:pt x="4620" y="3662"/>
+                  </a:lnTo>
+                  <a:lnTo>
+                    <a:pt x="4535" y="65"/>
+                  </a:lnTo>
+                  <a:lnTo>
+                    <a:pt x="756" y="65"/>
                   </a:lnTo>
                   <a:cubicBezTo>
-                    <a:pt x="821" y="95"/>
-                    <a:pt x="1004" y="7052"/>
-                    <a:pt x="1004" y="6957"/>
+                    <a:pt x="756" y="65"/>
+                    <a:pt x="924" y="4839"/>
+                    <a:pt x="924" y="4774"/>
                   </a:cubicBezTo>
                   <a:cubicBezTo>
-                    <a:pt x="1004" y="6861"/>
-                    <a:pt x="4744" y="7052"/>
-                    <a:pt x="4744" y="7052"/>
+                    <a:pt x="924" y="4708"/>
+                    <a:pt x="4367" y="4839"/>
+                    <a:pt x="4367" y="4839"/>
                   </a:cubicBezTo>
                   <a:lnTo>
-                    <a:pt x="4653" y="3145"/>
-                  </a:lnTo>
-                  <a:lnTo>
-                    <a:pt x="1095" y="3145"/>
-                  </a:lnTo>
-                  <a:lnTo>
-                    <a:pt x="1095" y="3907"/>
+                    <a:pt x="4284" y="2158"/>
+                  </a:lnTo>
+                  <a:lnTo>
+                    <a:pt x="1008" y="2158"/>
+                  </a:lnTo>
+                  <a:lnTo>
+                    <a:pt x="1008" y="2681"/>
                   </a:lnTo>
                   <a:cubicBezTo>
-                    <a:pt x="1095" y="3907"/>
-                    <a:pt x="5200" y="3717"/>
-                    <a:pt x="5200" y="3812"/>
+                    <a:pt x="1008" y="2681"/>
+                    <a:pt x="4787" y="2550"/>
+                    <a:pt x="4787" y="2616"/>
                   </a:cubicBezTo>
                   <a:cubicBezTo>
-                    <a:pt x="5200" y="3907"/>
-                    <a:pt x="5018" y="1906"/>
-                    <a:pt x="5109" y="1906"/>
+                    <a:pt x="4787" y="2681"/>
+                    <a:pt x="4620" y="1308"/>
+                    <a:pt x="4704" y="1308"/>
                   </a:cubicBezTo>
                   <a:cubicBezTo>
-                    <a:pt x="5200" y="1906"/>
-                    <a:pt x="1186" y="1525"/>
-                    <a:pt x="1186" y="1525"/>
+                    <a:pt x="4787" y="1308"/>
+                    <a:pt x="1092" y="1046"/>
+                    <a:pt x="1092" y="1046"/>
                   </a:cubicBezTo>
                   <a:lnTo>
-                    <a:pt x="1368" y="5908"/>
-                  </a:lnTo>
-                  <a:lnTo>
-                    <a:pt x="4470" y="5623"/>
-                  </a:lnTo>
-                  <a:lnTo>
-                    <a:pt x="4379" y="2668"/>
-                  </a:lnTo>
-                  <a:lnTo>
-                    <a:pt x="0" y="2764"/>
+                    <a:pt x="1259" y="4054"/>
+                  </a:lnTo>
+                  <a:lnTo>
+                    <a:pt x="4115" y="3858"/>
+                  </a:lnTo>
+                  <a:lnTo>
+                    <a:pt x="4031" y="1830"/>
+                  </a:lnTo>
+                  <a:lnTo>
+                    <a:pt x="0" y="1896"/>
                   </a:lnTo>
                 </a:path>
               </a:pathLst>
@@ -5717,267 +5811,15 @@
           </p:spPr>
         </p:sp>
       </p:grpSp>
-      <p:grpSp>
-        <p:nvGrpSpPr>
-          <p:cNvPr id="109" name="Group 9"/>
-          <p:cNvGrpSpPr/>
-          <p:nvPr/>
-        </p:nvGrpSpPr>
-        <p:grpSpPr>
-          <a:xfrm>
-            <a:off x="2925000" y="555840"/>
-            <a:ext cx="1431000" cy="2468160"/>
-            <a:chOff x="2925000" y="555840"/>
-            <a:chExt cx="1431000" cy="2468160"/>
-          </a:xfrm>
-        </p:grpSpPr>
-        <p:sp>
-          <p:nvSpPr>
-            <p:cNvPr id="110" name="CustomShape 10"/>
-            <p:cNvSpPr/>
-            <p:nvPr/>
-          </p:nvSpPr>
-          <p:spPr>
-            <a:xfrm>
-              <a:off x="3186360" y="717840"/>
-              <a:ext cx="930240" cy="183960"/>
-            </a:xfrm>
-            <a:prstGeom prst="rect">
-              <a:avLst/>
-            </a:prstGeom>
-            <a:solidFill>
-              <a:srgbClr val="000000"/>
-            </a:solidFill>
-            <a:ln>
-              <a:noFill/>
-            </a:ln>
-          </p:spPr>
-          <p:style>
-            <a:lnRef idx="0"/>
-            <a:fillRef idx="0"/>
-            <a:effectRef idx="0"/>
-            <a:fontRef idx="minor"/>
-          </p:style>
-        </p:sp>
-        <p:sp>
-          <p:nvSpPr>
-            <p:cNvPr id="111" name="CustomShape 11"/>
-            <p:cNvSpPr/>
-            <p:nvPr/>
-          </p:nvSpPr>
-          <p:spPr>
-            <a:xfrm>
-              <a:off x="3186360" y="1199520"/>
-              <a:ext cx="930240" cy="183960"/>
-            </a:xfrm>
-            <a:prstGeom prst="rect">
-              <a:avLst/>
-            </a:prstGeom>
-            <a:solidFill>
-              <a:srgbClr val="000000"/>
-            </a:solidFill>
-            <a:ln>
-              <a:noFill/>
-            </a:ln>
-          </p:spPr>
-          <p:style>
-            <a:lnRef idx="0"/>
-            <a:fillRef idx="0"/>
-            <a:effectRef idx="0"/>
-            <a:fontRef idx="minor"/>
-          </p:style>
-        </p:sp>
-        <p:sp>
-          <p:nvSpPr>
-            <p:cNvPr id="112" name="CustomShape 12"/>
-            <p:cNvSpPr/>
-            <p:nvPr/>
-          </p:nvSpPr>
-          <p:spPr>
-            <a:xfrm>
-              <a:off x="3186360" y="1681560"/>
-              <a:ext cx="930240" cy="183960"/>
-            </a:xfrm>
-            <a:prstGeom prst="rect">
-              <a:avLst/>
-            </a:prstGeom>
-            <a:solidFill>
-              <a:srgbClr val="000000"/>
-            </a:solidFill>
-            <a:ln>
-              <a:noFill/>
-            </a:ln>
-          </p:spPr>
-          <p:style>
-            <a:lnRef idx="0"/>
-            <a:fillRef idx="0"/>
-            <a:effectRef idx="0"/>
-            <a:fontRef idx="minor"/>
-          </p:style>
-        </p:sp>
-        <p:sp>
-          <p:nvSpPr>
-            <p:cNvPr id="113" name="CustomShape 13"/>
-            <p:cNvSpPr/>
-            <p:nvPr/>
-          </p:nvSpPr>
-          <p:spPr>
-            <a:xfrm>
-              <a:off x="3186360" y="1681560"/>
-              <a:ext cx="930240" cy="183960"/>
-            </a:xfrm>
-            <a:prstGeom prst="rect">
-              <a:avLst/>
-            </a:prstGeom>
-            <a:solidFill>
-              <a:srgbClr val="000000"/>
-            </a:solidFill>
-            <a:ln>
-              <a:noFill/>
-            </a:ln>
-          </p:spPr>
-          <p:style>
-            <a:lnRef idx="0"/>
-            <a:fillRef idx="0"/>
-            <a:effectRef idx="0"/>
-            <a:fontRef idx="minor"/>
-          </p:style>
-        </p:sp>
-        <p:sp>
-          <p:nvSpPr>
-            <p:cNvPr id="114" name="CustomShape 14"/>
-            <p:cNvSpPr/>
-            <p:nvPr/>
-          </p:nvSpPr>
-          <p:spPr>
-            <a:xfrm>
-              <a:off x="3186360" y="2163240"/>
-              <a:ext cx="930240" cy="184320"/>
-            </a:xfrm>
-            <a:prstGeom prst="rect">
-              <a:avLst/>
-            </a:prstGeom>
-            <a:solidFill>
-              <a:srgbClr val="000000"/>
-            </a:solidFill>
-            <a:ln>
-              <a:noFill/>
-            </a:ln>
-          </p:spPr>
-          <p:style>
-            <a:lnRef idx="0"/>
-            <a:fillRef idx="0"/>
-            <a:effectRef idx="0"/>
-            <a:fontRef idx="minor"/>
-          </p:style>
-        </p:sp>
-        <p:sp>
-          <p:nvSpPr>
-            <p:cNvPr id="115" name="CustomShape 15"/>
-            <p:cNvSpPr/>
-            <p:nvPr/>
-          </p:nvSpPr>
-          <p:spPr>
-            <a:xfrm>
-              <a:off x="3186360" y="2645280"/>
-              <a:ext cx="930240" cy="184320"/>
-            </a:xfrm>
-            <a:prstGeom prst="rect">
-              <a:avLst/>
-            </a:prstGeom>
-            <a:solidFill>
-              <a:srgbClr val="000000"/>
-            </a:solidFill>
-            <a:ln>
-              <a:noFill/>
-            </a:ln>
-          </p:spPr>
-          <p:style>
-            <a:lnRef idx="0"/>
-            <a:fillRef idx="0"/>
-            <a:effectRef idx="0"/>
-            <a:fontRef idx="minor"/>
-          </p:style>
-        </p:sp>
-        <p:sp>
-          <p:nvSpPr>
-            <p:cNvPr id="116" name="Freeform 16"/>
-            <p:cNvSpPr/>
-            <p:nvPr/>
-          </p:nvSpPr>
-          <p:spPr>
-            <a:xfrm>
-              <a:off x="2925000" y="555840"/>
-              <a:ext cx="1431360" cy="2468520"/>
-            </a:xfrm>
-            <a:custGeom>
-              <a:avLst/>
-              <a:gdLst/>
-              <a:ahLst/>
-              <a:rect l="0" t="0" r="r" b="b"/>
-              <a:pathLst>
-                <a:path w="3976" h="6857">
-                  <a:moveTo>
-                    <a:pt x="234" y="0"/>
-                  </a:moveTo>
-                  <a:cubicBezTo>
-                    <a:pt x="351" y="0"/>
-                    <a:pt x="3858" y="0"/>
-                    <a:pt x="3858" y="0"/>
-                  </a:cubicBezTo>
-                  <a:lnTo>
-                    <a:pt x="3858" y="1511"/>
-                  </a:lnTo>
-                  <a:lnTo>
-                    <a:pt x="117" y="1511"/>
-                  </a:lnTo>
-                  <a:lnTo>
-                    <a:pt x="117" y="2789"/>
-                  </a:lnTo>
-                  <a:lnTo>
-                    <a:pt x="3858" y="2789"/>
-                  </a:lnTo>
-                  <a:lnTo>
-                    <a:pt x="3858" y="4183"/>
-                  </a:lnTo>
-                  <a:lnTo>
-                    <a:pt x="117" y="4300"/>
-                  </a:lnTo>
-                  <a:lnTo>
-                    <a:pt x="234" y="5462"/>
-                  </a:lnTo>
-                  <a:lnTo>
-                    <a:pt x="3975" y="5462"/>
-                  </a:lnTo>
-                  <a:lnTo>
-                    <a:pt x="3858" y="6740"/>
-                  </a:lnTo>
-                  <a:lnTo>
-                    <a:pt x="0" y="6856"/>
-                  </a:lnTo>
-                </a:path>
-              </a:pathLst>
-            </a:custGeom>
-            <a:ln w="36000">
-              <a:solidFill>
-                <a:srgbClr val="ff0000"/>
-              </a:solidFill>
-              <a:prstDash val="sysDot"/>
-              <a:round/>
-              <a:tailEnd len="med" type="triangle" w="med"/>
-            </a:ln>
-          </p:spPr>
-        </p:sp>
-      </p:grpSp>
-      <p:sp>
-        <p:nvSpPr>
-          <p:cNvPr id="117" name="TextShape 17"/>
+      <p:sp>
+        <p:nvSpPr>
+          <p:cNvPr id="102" name="TextShape 10"/>
           <p:cNvSpPr txBox="1"/>
           <p:nvPr/>
         </p:nvSpPr>
         <p:spPr>
           <a:xfrm>
-            <a:off x="799200" y="3312000"/>
+            <a:off x="475200" y="3312000"/>
             <a:ext cx="1576800" cy="402840"/>
           </a:xfrm>
           <a:prstGeom prst="rect">
@@ -6007,13 +5849,13 @@
       </p:sp>
       <p:sp>
         <p:nvSpPr>
-          <p:cNvPr id="118" name="TextShape 18"/>
+          <p:cNvPr id="103" name="TextShape 11"/>
           <p:cNvSpPr txBox="1"/>
           <p:nvPr/>
         </p:nvSpPr>
         <p:spPr>
           <a:xfrm>
-            <a:off x="792000" y="3708000"/>
+            <a:off x="324000" y="3816000"/>
             <a:ext cx="1800000" cy="1506960"/>
           </a:xfrm>
           <a:prstGeom prst="rect">
@@ -6029,51 +5871,56 @@
             <a:spAutoFit/>
           </a:bodyPr>
           <a:p>
-            <a:r>
-              <a:rPr b="0" lang="en-GB" sz="2000" spc="-1" strike="noStrike">
+            <a:pPr algn="ctr"/>
+            <a:r>
+              <a:rPr b="1" lang="en-GB" sz="1600" spc="-1" strike="noStrike">
                 <a:latin typeface="Arial"/>
               </a:rPr>
               <a:t>Immediately </a:t>
             </a:r>
-            <a:endParaRPr b="0" lang="en-GB" sz="2000" spc="-1" strike="noStrike">
-              <a:latin typeface="Arial"/>
-            </a:endParaRPr>
-          </a:p>
-          <a:p>
-            <a:r>
-              <a:rPr b="0" lang="en-GB" sz="2000" spc="-1" strike="noStrike">
+            <a:endParaRPr b="1" lang="en-GB" sz="1600" spc="-1" strike="noStrike">
+              <a:latin typeface="Arial"/>
+            </a:endParaRPr>
+          </a:p>
+          <a:p>
+            <a:pPr algn="ctr"/>
+            <a:r>
+              <a:rPr b="1" lang="en-GB" sz="1600" spc="-1" strike="noStrike">
                 <a:latin typeface="Arial"/>
               </a:rPr>
               <a:t>runs</a:t>
             </a:r>
-            <a:endParaRPr b="0" lang="en-GB" sz="2000" spc="-1" strike="noStrike">
-              <a:latin typeface="Arial"/>
-            </a:endParaRPr>
-          </a:p>
-          <a:p>
-            <a:endParaRPr b="0" lang="en-GB" sz="2000" spc="-1" strike="noStrike">
-              <a:latin typeface="Arial"/>
-            </a:endParaRPr>
-          </a:p>
-          <a:p>
-            <a:r>
-              <a:rPr b="0" lang="en-GB" sz="2000" spc="-1" strike="noStrike">
-                <a:latin typeface="Arial"/>
-              </a:rPr>
-              <a:t>Not efficient; </a:t>
-            </a:r>
-            <a:endParaRPr b="0" lang="en-GB" sz="2000" spc="-1" strike="noStrike">
-              <a:latin typeface="Arial"/>
-            </a:endParaRPr>
-          </a:p>
-          <a:p>
-            <a:r>
-              <a:rPr b="0" lang="en-GB" sz="2000" spc="-1" strike="noStrike">
+            <a:endParaRPr b="1" lang="en-GB" sz="1600" spc="-1" strike="noStrike">
+              <a:latin typeface="Arial"/>
+            </a:endParaRPr>
+          </a:p>
+          <a:p>
+            <a:pPr algn="ctr"/>
+            <a:endParaRPr b="1" lang="en-GB" sz="1600" spc="-1" strike="noStrike">
+              <a:latin typeface="Arial"/>
+            </a:endParaRPr>
+          </a:p>
+          <a:p>
+            <a:pPr algn="ctr"/>
+            <a:r>
+              <a:rPr b="1" lang="en-GB" sz="1600" spc="-1" strike="noStrike">
+                <a:latin typeface="Arial"/>
+              </a:rPr>
+              <a:t>Not so efficient; </a:t>
+            </a:r>
+            <a:endParaRPr b="1" lang="en-GB" sz="1600" spc="-1" strike="noStrike">
+              <a:latin typeface="Arial"/>
+            </a:endParaRPr>
+          </a:p>
+          <a:p>
+            <a:pPr algn="ctr"/>
+            <a:r>
+              <a:rPr b="1" lang="en-GB" sz="1600" spc="-1" strike="noStrike">
                 <a:latin typeface="Arial"/>
               </a:rPr>
               <a:t>can run slow</a:t>
             </a:r>
-            <a:endParaRPr b="0" lang="en-GB" sz="2000" spc="-1" strike="noStrike">
+            <a:endParaRPr b="1" lang="en-GB" sz="1600" spc="-1" strike="noStrike">
               <a:latin typeface="Arial"/>
             </a:endParaRPr>
           </a:p>
@@ -6081,14 +5928,42 @@
       </p:sp>
       <p:sp>
         <p:nvSpPr>
-          <p:cNvPr id="119" name="TextShape 19"/>
+          <p:cNvPr id="104" name="CustomShape 12"/>
+          <p:cNvSpPr/>
+          <p:nvPr/>
+        </p:nvSpPr>
+        <p:spPr>
+          <a:xfrm>
+            <a:off x="0" y="0"/>
+            <a:ext cx="10080000" cy="792000"/>
+          </a:xfrm>
+          <a:prstGeom prst="rect">
+            <a:avLst/>
+          </a:prstGeom>
+          <a:solidFill>
+            <a:srgbClr val="684cf3"/>
+          </a:solidFill>
+          <a:ln>
+            <a:noFill/>
+          </a:ln>
+        </p:spPr>
+        <p:style>
+          <a:lnRef idx="0"/>
+          <a:fillRef idx="0"/>
+          <a:effectRef idx="0"/>
+          <a:fontRef idx="minor"/>
+        </p:style>
+      </p:sp>
+      <p:sp>
+        <p:nvSpPr>
+          <p:cNvPr id="105" name="TextShape 13"/>
           <p:cNvSpPr txBox="1"/>
           <p:nvPr/>
         </p:nvSpPr>
         <p:spPr>
           <a:xfrm>
-            <a:off x="2887200" y="3312000"/>
-            <a:ext cx="1576800" cy="402840"/>
+            <a:off x="0" y="108000"/>
+            <a:ext cx="10080000" cy="684000"/>
           </a:xfrm>
           <a:prstGeom prst="rect">
             <a:avLst/>
@@ -6103,65 +5978,17 @@
             <a:spAutoFit/>
           </a:bodyPr>
           <a:p>
-            <a:r>
-              <a:rPr b="1" lang="en-GB" sz="2200" spc="-1" strike="noStrike">
-                <a:latin typeface="Arial"/>
-              </a:rPr>
-              <a:t>Compiler</a:t>
-            </a:r>
-            <a:endParaRPr b="0" lang="en-GB" sz="2200" spc="-1" strike="noStrike">
-              <a:latin typeface="Arial"/>
-            </a:endParaRPr>
-          </a:p>
-        </p:txBody>
-      </p:sp>
-      <p:sp>
-        <p:nvSpPr>
-          <p:cNvPr id="120" name="TextShape 20"/>
-          <p:cNvSpPr txBox="1"/>
-          <p:nvPr/>
-        </p:nvSpPr>
-        <p:spPr>
-          <a:xfrm>
-            <a:off x="2916000" y="3672000"/>
-            <a:ext cx="1944000" cy="1506960"/>
-          </a:xfrm>
-          <a:prstGeom prst="rect">
-            <a:avLst/>
-          </a:prstGeom>
-          <a:noFill/>
-          <a:ln>
-            <a:noFill/>
-          </a:ln>
-        </p:spPr>
-        <p:txBody>
-          <a:bodyPr lIns="90000" rIns="90000" tIns="45000" bIns="45000">
-            <a:spAutoFit/>
-          </a:bodyPr>
-          <a:p>
-            <a:r>
-              <a:rPr b="0" lang="en-GB" sz="2000" spc="-1" strike="noStrike">
-                <a:latin typeface="Arial"/>
-              </a:rPr>
-              <a:t>Delay before running</a:t>
-            </a:r>
-            <a:endParaRPr b="0" lang="en-GB" sz="2000" spc="-1" strike="noStrike">
-              <a:latin typeface="Arial"/>
-            </a:endParaRPr>
-          </a:p>
-          <a:p>
-            <a:endParaRPr b="0" lang="en-GB" sz="2000" spc="-1" strike="noStrike">
-              <a:latin typeface="Arial"/>
-            </a:endParaRPr>
-          </a:p>
-          <a:p>
-            <a:r>
-              <a:rPr b="0" lang="en-GB" sz="2000" spc="-1" strike="noStrike">
-                <a:latin typeface="Arial"/>
-              </a:rPr>
-              <a:t>Runs efficiently</a:t>
-            </a:r>
-            <a:endParaRPr b="0" lang="en-GB" sz="2000" spc="-1" strike="noStrike">
+            <a:pPr algn="ctr"/>
+            <a:r>
+              <a:rPr b="1" lang="en-GB" sz="3600" spc="-1" strike="noStrike">
+                <a:solidFill>
+                  <a:srgbClr val="ffffff"/>
+                </a:solidFill>
+                <a:latin typeface="Arial"/>
+              </a:rPr>
+              <a:t>Ways to put code into actions (instructions)</a:t>
+            </a:r>
+            <a:endParaRPr b="0" lang="en-GB" sz="3600" spc="-1" strike="noStrike">
               <a:latin typeface="Arial"/>
             </a:endParaRPr>
           </a:p>
@@ -6197,30 +6024,86 @@
           <a:chExt cx="0" cy="0"/>
         </a:xfrm>
       </p:grpSpPr>
+      <p:sp>
+        <p:nvSpPr>
+          <p:cNvPr id="106" name="CustomShape 1"/>
+          <p:cNvSpPr/>
+          <p:nvPr/>
+        </p:nvSpPr>
+        <p:spPr>
+          <a:xfrm>
+            <a:off x="0" y="792000"/>
+            <a:ext cx="2520000" cy="4878000"/>
+          </a:xfrm>
+          <a:prstGeom prst="rect">
+            <a:avLst/>
+          </a:prstGeom>
+          <a:solidFill>
+            <a:srgbClr val="f7f7fb"/>
+          </a:solidFill>
+          <a:ln>
+            <a:noFill/>
+          </a:ln>
+        </p:spPr>
+        <p:style>
+          <a:lnRef idx="0"/>
+          <a:fillRef idx="0"/>
+          <a:effectRef idx="0"/>
+          <a:fontRef idx="minor"/>
+        </p:style>
+      </p:sp>
+      <p:sp>
+        <p:nvSpPr>
+          <p:cNvPr id="107" name="CustomShape 2"/>
+          <p:cNvSpPr/>
+          <p:nvPr/>
+        </p:nvSpPr>
+        <p:spPr>
+          <a:xfrm>
+            <a:off x="2520000" y="792000"/>
+            <a:ext cx="2520000" cy="4878000"/>
+          </a:xfrm>
+          <a:prstGeom prst="rect">
+            <a:avLst/>
+          </a:prstGeom>
+          <a:solidFill>
+            <a:srgbClr val="f3f2fa"/>
+          </a:solidFill>
+          <a:ln>
+            <a:noFill/>
+          </a:ln>
+        </p:spPr>
+        <p:style>
+          <a:lnRef idx="0"/>
+          <a:fillRef idx="0"/>
+          <a:effectRef idx="0"/>
+          <a:fontRef idx="minor"/>
+        </p:style>
+      </p:sp>
       <p:grpSp>
         <p:nvGrpSpPr>
-          <p:cNvPr id="121" name="Group 1"/>
+          <p:cNvPr id="108" name="Group 3"/>
           <p:cNvGrpSpPr/>
           <p:nvPr/>
         </p:nvGrpSpPr>
         <p:grpSpPr>
           <a:xfrm>
-            <a:off x="432000" y="485280"/>
-            <a:ext cx="1872000" cy="2538720"/>
-            <a:chOff x="432000" y="485280"/>
-            <a:chExt cx="1872000" cy="2538720"/>
+            <a:off x="288000" y="1281960"/>
+            <a:ext cx="1723320" cy="1742040"/>
+            <a:chOff x="288000" y="1281960"/>
+            <a:chExt cx="1723320" cy="1742040"/>
           </a:xfrm>
         </p:grpSpPr>
         <p:sp>
           <p:nvSpPr>
-            <p:cNvPr id="122" name="CustomShape 2"/>
-            <p:cNvSpPr/>
-            <p:nvPr/>
-          </p:nvSpPr>
-          <p:spPr>
-            <a:xfrm>
-              <a:off x="1023120" y="725400"/>
-              <a:ext cx="919800" cy="180360"/>
+            <p:cNvPr id="109" name="CustomShape 4"/>
+            <p:cNvSpPr/>
+            <p:nvPr/>
+          </p:nvSpPr>
+          <p:spPr>
+            <a:xfrm>
+              <a:off x="832320" y="1446480"/>
+              <a:ext cx="846720" cy="123840"/>
             </a:xfrm>
             <a:prstGeom prst="rect">
               <a:avLst/>
@@ -6241,14 +6124,14 @@
         </p:sp>
         <p:sp>
           <p:nvSpPr>
-            <p:cNvPr id="123" name="CustomShape 3"/>
-            <p:cNvSpPr/>
-            <p:nvPr/>
-          </p:nvSpPr>
-          <p:spPr>
-            <a:xfrm>
-              <a:off x="1023120" y="1197000"/>
-              <a:ext cx="919800" cy="180360"/>
+            <p:cNvPr id="110" name="CustomShape 5"/>
+            <p:cNvSpPr/>
+            <p:nvPr/>
+          </p:nvSpPr>
+          <p:spPr>
+            <a:xfrm>
+              <a:off x="832320" y="1770120"/>
+              <a:ext cx="846720" cy="123840"/>
             </a:xfrm>
             <a:prstGeom prst="rect">
               <a:avLst/>
@@ -6269,14 +6152,14 @@
         </p:sp>
         <p:sp>
           <p:nvSpPr>
-            <p:cNvPr id="124" name="CustomShape 4"/>
-            <p:cNvSpPr/>
-            <p:nvPr/>
-          </p:nvSpPr>
-          <p:spPr>
-            <a:xfrm>
-              <a:off x="1023120" y="1668960"/>
-              <a:ext cx="919800" cy="180000"/>
+            <p:cNvPr id="111" name="CustomShape 6"/>
+            <p:cNvSpPr/>
+            <p:nvPr/>
+          </p:nvSpPr>
+          <p:spPr>
+            <a:xfrm>
+              <a:off x="832320" y="2094120"/>
+              <a:ext cx="846720" cy="123480"/>
             </a:xfrm>
             <a:prstGeom prst="rect">
               <a:avLst/>
@@ -6297,14 +6180,14 @@
         </p:sp>
         <p:sp>
           <p:nvSpPr>
-            <p:cNvPr id="125" name="CustomShape 5"/>
-            <p:cNvSpPr/>
-            <p:nvPr/>
-          </p:nvSpPr>
-          <p:spPr>
-            <a:xfrm>
-              <a:off x="1023120" y="1668960"/>
-              <a:ext cx="919800" cy="180000"/>
+            <p:cNvPr id="112" name="CustomShape 7"/>
+            <p:cNvSpPr/>
+            <p:nvPr/>
+          </p:nvSpPr>
+          <p:spPr>
+            <a:xfrm>
+              <a:off x="832320" y="2094120"/>
+              <a:ext cx="846720" cy="123480"/>
             </a:xfrm>
             <a:prstGeom prst="rect">
               <a:avLst/>
@@ -6325,14 +6208,14 @@
         </p:sp>
         <p:sp>
           <p:nvSpPr>
-            <p:cNvPr id="126" name="CustomShape 6"/>
-            <p:cNvSpPr/>
-            <p:nvPr/>
-          </p:nvSpPr>
-          <p:spPr>
-            <a:xfrm>
-              <a:off x="1023120" y="2140560"/>
-              <a:ext cx="919800" cy="180000"/>
+            <p:cNvPr id="113" name="CustomShape 8"/>
+            <p:cNvSpPr/>
+            <p:nvPr/>
+          </p:nvSpPr>
+          <p:spPr>
+            <a:xfrm>
+              <a:off x="832320" y="2417760"/>
+              <a:ext cx="846720" cy="123480"/>
             </a:xfrm>
             <a:prstGeom prst="rect">
               <a:avLst/>
@@ -6353,14 +6236,14 @@
         </p:sp>
         <p:sp>
           <p:nvSpPr>
-            <p:cNvPr id="127" name="CustomShape 7"/>
-            <p:cNvSpPr/>
-            <p:nvPr/>
-          </p:nvSpPr>
-          <p:spPr>
-            <a:xfrm>
-              <a:off x="1023120" y="2612520"/>
-              <a:ext cx="919800" cy="180000"/>
+            <p:cNvPr id="114" name="CustomShape 9"/>
+            <p:cNvSpPr/>
+            <p:nvPr/>
+          </p:nvSpPr>
+          <p:spPr>
+            <a:xfrm>
+              <a:off x="832320" y="2741760"/>
+              <a:ext cx="846720" cy="123480"/>
             </a:xfrm>
             <a:prstGeom prst="rect">
               <a:avLst/>
@@ -6381,14 +6264,14 @@
         </p:sp>
         <p:sp>
           <p:nvSpPr>
-            <p:cNvPr id="128" name="Freeform 8"/>
-            <p:cNvSpPr/>
-            <p:nvPr/>
-          </p:nvSpPr>
-          <p:spPr>
-            <a:xfrm>
-              <a:off x="432000" y="485280"/>
-              <a:ext cx="1872360" cy="2539080"/>
+            <p:cNvPr id="115" name="Freeform 10"/>
+            <p:cNvSpPr/>
+            <p:nvPr/>
+          </p:nvSpPr>
+          <p:spPr>
+            <a:xfrm>
+              <a:off x="288000" y="1281960"/>
+              <a:ext cx="1723680" cy="1742400"/>
             </a:xfrm>
             <a:custGeom>
               <a:avLst/>
@@ -6396,111 +6279,111 @@
               <a:ahLst/>
               <a:rect l="0" t="0" r="r" b="b"/>
               <a:pathLst>
-                <a:path w="5201" h="7053">
+                <a:path w="4788" h="4840">
                   <a:moveTo>
-                    <a:pt x="1004" y="381"/>
+                    <a:pt x="924" y="261"/>
                   </a:moveTo>
                   <a:cubicBezTo>
-                    <a:pt x="1004" y="286"/>
-                    <a:pt x="4653" y="286"/>
-                    <a:pt x="4653" y="286"/>
+                    <a:pt x="924" y="196"/>
+                    <a:pt x="4284" y="196"/>
+                    <a:pt x="4284" y="196"/>
                   </a:cubicBezTo>
                   <a:cubicBezTo>
-                    <a:pt x="4653" y="286"/>
-                    <a:pt x="4926" y="1620"/>
-                    <a:pt x="5018" y="1620"/>
+                    <a:pt x="4284" y="196"/>
+                    <a:pt x="4535" y="1111"/>
+                    <a:pt x="4620" y="1111"/>
                   </a:cubicBezTo>
                   <a:cubicBezTo>
-                    <a:pt x="5109" y="1620"/>
-                    <a:pt x="1825" y="1715"/>
-                    <a:pt x="2007" y="1715"/>
+                    <a:pt x="4704" y="1111"/>
+                    <a:pt x="1680" y="1176"/>
+                    <a:pt x="1848" y="1176"/>
                   </a:cubicBezTo>
                   <a:cubicBezTo>
-                    <a:pt x="2189" y="1715"/>
-                    <a:pt x="912" y="1715"/>
-                    <a:pt x="912" y="1715"/>
+                    <a:pt x="2015" y="1176"/>
+                    <a:pt x="840" y="1176"/>
+                    <a:pt x="840" y="1176"/>
                   </a:cubicBezTo>
                   <a:lnTo>
-                    <a:pt x="1095" y="2954"/>
-                  </a:lnTo>
-                  <a:lnTo>
-                    <a:pt x="4926" y="2954"/>
-                  </a:lnTo>
-                  <a:lnTo>
-                    <a:pt x="4561" y="0"/>
-                  </a:lnTo>
-                  <a:lnTo>
-                    <a:pt x="365" y="191"/>
-                  </a:lnTo>
-                  <a:lnTo>
-                    <a:pt x="730" y="6671"/>
-                  </a:lnTo>
-                  <a:lnTo>
-                    <a:pt x="4653" y="6671"/>
-                  </a:lnTo>
-                  <a:lnTo>
-                    <a:pt x="4744" y="4098"/>
-                  </a:lnTo>
-                  <a:lnTo>
-                    <a:pt x="1095" y="4193"/>
-                  </a:lnTo>
-                  <a:lnTo>
-                    <a:pt x="1186" y="5432"/>
-                  </a:lnTo>
-                  <a:lnTo>
-                    <a:pt x="5018" y="5337"/>
-                  </a:lnTo>
-                  <a:lnTo>
-                    <a:pt x="4926" y="95"/>
-                  </a:lnTo>
-                  <a:lnTo>
-                    <a:pt x="821" y="95"/>
+                    <a:pt x="1008" y="2027"/>
+                  </a:lnTo>
+                  <a:lnTo>
+                    <a:pt x="4535" y="2027"/>
+                  </a:lnTo>
+                  <a:lnTo>
+                    <a:pt x="4199" y="0"/>
+                  </a:lnTo>
+                  <a:lnTo>
+                    <a:pt x="336" y="131"/>
+                  </a:lnTo>
+                  <a:lnTo>
+                    <a:pt x="672" y="4578"/>
+                  </a:lnTo>
+                  <a:lnTo>
+                    <a:pt x="4284" y="4578"/>
+                  </a:lnTo>
+                  <a:lnTo>
+                    <a:pt x="4367" y="2812"/>
+                  </a:lnTo>
+                  <a:lnTo>
+                    <a:pt x="1008" y="2877"/>
+                  </a:lnTo>
+                  <a:lnTo>
+                    <a:pt x="1092" y="3727"/>
+                  </a:lnTo>
+                  <a:lnTo>
+                    <a:pt x="4620" y="3662"/>
+                  </a:lnTo>
+                  <a:lnTo>
+                    <a:pt x="4535" y="65"/>
+                  </a:lnTo>
+                  <a:lnTo>
+                    <a:pt x="756" y="65"/>
                   </a:lnTo>
                   <a:cubicBezTo>
-                    <a:pt x="821" y="95"/>
-                    <a:pt x="1004" y="7052"/>
-                    <a:pt x="1004" y="6957"/>
+                    <a:pt x="756" y="65"/>
+                    <a:pt x="924" y="4839"/>
+                    <a:pt x="924" y="4774"/>
                   </a:cubicBezTo>
                   <a:cubicBezTo>
-                    <a:pt x="1004" y="6861"/>
-                    <a:pt x="4744" y="7052"/>
-                    <a:pt x="4744" y="7052"/>
+                    <a:pt x="924" y="4708"/>
+                    <a:pt x="4367" y="4839"/>
+                    <a:pt x="4367" y="4839"/>
                   </a:cubicBezTo>
                   <a:lnTo>
-                    <a:pt x="4653" y="3145"/>
-                  </a:lnTo>
-                  <a:lnTo>
-                    <a:pt x="1095" y="3145"/>
-                  </a:lnTo>
-                  <a:lnTo>
-                    <a:pt x="1095" y="3907"/>
+                    <a:pt x="4284" y="2158"/>
+                  </a:lnTo>
+                  <a:lnTo>
+                    <a:pt x="1008" y="2158"/>
+                  </a:lnTo>
+                  <a:lnTo>
+                    <a:pt x="1008" y="2681"/>
                   </a:lnTo>
                   <a:cubicBezTo>
-                    <a:pt x="1095" y="3907"/>
-                    <a:pt x="5200" y="3717"/>
-                    <a:pt x="5200" y="3812"/>
+                    <a:pt x="1008" y="2681"/>
+                    <a:pt x="4787" y="2550"/>
+                    <a:pt x="4787" y="2616"/>
                   </a:cubicBezTo>
                   <a:cubicBezTo>
-                    <a:pt x="5200" y="3907"/>
-                    <a:pt x="5018" y="1906"/>
-                    <a:pt x="5109" y="1906"/>
+                    <a:pt x="4787" y="2681"/>
+                    <a:pt x="4620" y="1308"/>
+                    <a:pt x="4704" y="1308"/>
                   </a:cubicBezTo>
                   <a:cubicBezTo>
-                    <a:pt x="5200" y="1906"/>
-                    <a:pt x="1186" y="1525"/>
-                    <a:pt x="1186" y="1525"/>
+                    <a:pt x="4787" y="1308"/>
+                    <a:pt x="1092" y="1046"/>
+                    <a:pt x="1092" y="1046"/>
                   </a:cubicBezTo>
                   <a:lnTo>
-                    <a:pt x="1368" y="5908"/>
-                  </a:lnTo>
-                  <a:lnTo>
-                    <a:pt x="4470" y="5623"/>
-                  </a:lnTo>
-                  <a:lnTo>
-                    <a:pt x="4379" y="2668"/>
-                  </a:lnTo>
-                  <a:lnTo>
-                    <a:pt x="0" y="2764"/>
+                    <a:pt x="1259" y="4054"/>
+                  </a:lnTo>
+                  <a:lnTo>
+                    <a:pt x="4115" y="3858"/>
+                  </a:lnTo>
+                  <a:lnTo>
+                    <a:pt x="4031" y="1830"/>
+                  </a:lnTo>
+                  <a:lnTo>
+                    <a:pt x="0" y="1896"/>
                   </a:lnTo>
                 </a:path>
               </a:pathLst>
@@ -6518,28 +6401,28 @@
       </p:grpSp>
       <p:grpSp>
         <p:nvGrpSpPr>
-          <p:cNvPr id="129" name="Group 9"/>
+          <p:cNvPr id="116" name="Group 11"/>
           <p:cNvGrpSpPr/>
           <p:nvPr/>
         </p:nvGrpSpPr>
         <p:grpSpPr>
           <a:xfrm>
-            <a:off x="2925000" y="555840"/>
-            <a:ext cx="1431000" cy="2468160"/>
-            <a:chOff x="2925000" y="555840"/>
-            <a:chExt cx="1431000" cy="2468160"/>
+            <a:off x="3087000" y="1330200"/>
+            <a:ext cx="1317600" cy="1693800"/>
+            <a:chOff x="3087000" y="1330200"/>
+            <a:chExt cx="1317600" cy="1693800"/>
           </a:xfrm>
         </p:grpSpPr>
         <p:sp>
           <p:nvSpPr>
-            <p:cNvPr id="130" name="CustomShape 10"/>
-            <p:cNvSpPr/>
-            <p:nvPr/>
-          </p:nvSpPr>
-          <p:spPr>
-            <a:xfrm>
-              <a:off x="3186360" y="717840"/>
-              <a:ext cx="930240" cy="183960"/>
+            <p:cNvPr id="117" name="CustomShape 12"/>
+            <p:cNvSpPr/>
+            <p:nvPr/>
+          </p:nvSpPr>
+          <p:spPr>
+            <a:xfrm>
+              <a:off x="3327840" y="1441440"/>
+              <a:ext cx="856440" cy="126360"/>
             </a:xfrm>
             <a:prstGeom prst="rect">
               <a:avLst/>
@@ -6560,14 +6443,14 @@
         </p:sp>
         <p:sp>
           <p:nvSpPr>
-            <p:cNvPr id="131" name="CustomShape 11"/>
-            <p:cNvSpPr/>
-            <p:nvPr/>
-          </p:nvSpPr>
-          <p:spPr>
-            <a:xfrm>
-              <a:off x="3186360" y="1199520"/>
-              <a:ext cx="930240" cy="183960"/>
+            <p:cNvPr id="118" name="CustomShape 13"/>
+            <p:cNvSpPr/>
+            <p:nvPr/>
+          </p:nvSpPr>
+          <p:spPr>
+            <a:xfrm>
+              <a:off x="3327840" y="1771920"/>
+              <a:ext cx="856440" cy="126360"/>
             </a:xfrm>
             <a:prstGeom prst="rect">
               <a:avLst/>
@@ -6588,14 +6471,14 @@
         </p:sp>
         <p:sp>
           <p:nvSpPr>
-            <p:cNvPr id="132" name="CustomShape 12"/>
-            <p:cNvSpPr/>
-            <p:nvPr/>
-          </p:nvSpPr>
-          <p:spPr>
-            <a:xfrm>
-              <a:off x="3186360" y="1681560"/>
-              <a:ext cx="930240" cy="183960"/>
+            <p:cNvPr id="119" name="CustomShape 14"/>
+            <p:cNvSpPr/>
+            <p:nvPr/>
+          </p:nvSpPr>
+          <p:spPr>
+            <a:xfrm>
+              <a:off x="3327840" y="2102760"/>
+              <a:ext cx="856440" cy="126360"/>
             </a:xfrm>
             <a:prstGeom prst="rect">
               <a:avLst/>
@@ -6616,14 +6499,14 @@
         </p:sp>
         <p:sp>
           <p:nvSpPr>
-            <p:cNvPr id="133" name="CustomShape 13"/>
-            <p:cNvSpPr/>
-            <p:nvPr/>
-          </p:nvSpPr>
-          <p:spPr>
-            <a:xfrm>
-              <a:off x="3186360" y="1681560"/>
-              <a:ext cx="930240" cy="183960"/>
+            <p:cNvPr id="120" name="CustomShape 15"/>
+            <p:cNvSpPr/>
+            <p:nvPr/>
+          </p:nvSpPr>
+          <p:spPr>
+            <a:xfrm>
+              <a:off x="3327840" y="2102760"/>
+              <a:ext cx="856440" cy="126360"/>
             </a:xfrm>
             <a:prstGeom prst="rect">
               <a:avLst/>
@@ -6644,14 +6527,14 @@
         </p:sp>
         <p:sp>
           <p:nvSpPr>
-            <p:cNvPr id="134" name="CustomShape 14"/>
-            <p:cNvSpPr/>
-            <p:nvPr/>
-          </p:nvSpPr>
-          <p:spPr>
-            <a:xfrm>
-              <a:off x="3186360" y="2163240"/>
-              <a:ext cx="930240" cy="184320"/>
+            <p:cNvPr id="121" name="CustomShape 16"/>
+            <p:cNvSpPr/>
+            <p:nvPr/>
+          </p:nvSpPr>
+          <p:spPr>
+            <a:xfrm>
+              <a:off x="3327840" y="2433240"/>
+              <a:ext cx="856440" cy="126720"/>
             </a:xfrm>
             <a:prstGeom prst="rect">
               <a:avLst/>
@@ -6672,14 +6555,14 @@
         </p:sp>
         <p:sp>
           <p:nvSpPr>
-            <p:cNvPr id="135" name="CustomShape 15"/>
-            <p:cNvSpPr/>
-            <p:nvPr/>
-          </p:nvSpPr>
-          <p:spPr>
-            <a:xfrm>
-              <a:off x="3186360" y="2645280"/>
-              <a:ext cx="930240" cy="184320"/>
+            <p:cNvPr id="122" name="CustomShape 17"/>
+            <p:cNvSpPr/>
+            <p:nvPr/>
+          </p:nvSpPr>
+          <p:spPr>
+            <a:xfrm>
+              <a:off x="3327840" y="2764080"/>
+              <a:ext cx="856440" cy="126360"/>
             </a:xfrm>
             <a:prstGeom prst="rect">
               <a:avLst/>
@@ -6700,14 +6583,14 @@
         </p:sp>
         <p:sp>
           <p:nvSpPr>
-            <p:cNvPr id="136" name="Freeform 16"/>
-            <p:cNvSpPr/>
-            <p:nvPr/>
-          </p:nvSpPr>
-          <p:spPr>
-            <a:xfrm>
-              <a:off x="2925000" y="555840"/>
-              <a:ext cx="1431360" cy="2468520"/>
+            <p:cNvPr id="123" name="Freeform 18"/>
+            <p:cNvSpPr/>
+            <p:nvPr/>
+          </p:nvSpPr>
+          <p:spPr>
+            <a:xfrm>
+              <a:off x="3087000" y="1330200"/>
+              <a:ext cx="1317960" cy="1694160"/>
             </a:xfrm>
             <a:custGeom>
               <a:avLst/>
@@ -6715,44 +6598,44 @@
               <a:ahLst/>
               <a:rect l="0" t="0" r="r" b="b"/>
               <a:pathLst>
-                <a:path w="3976" h="6857">
+                <a:path w="3661" h="4706">
                   <a:moveTo>
-                    <a:pt x="234" y="0"/>
+                    <a:pt x="216" y="0"/>
                   </a:moveTo>
                   <a:cubicBezTo>
-                    <a:pt x="351" y="0"/>
-                    <a:pt x="3858" y="0"/>
-                    <a:pt x="3858" y="0"/>
+                    <a:pt x="324" y="0"/>
+                    <a:pt x="3552" y="0"/>
+                    <a:pt x="3552" y="0"/>
                   </a:cubicBezTo>
                   <a:lnTo>
-                    <a:pt x="3858" y="1511"/>
-                  </a:lnTo>
-                  <a:lnTo>
-                    <a:pt x="117" y="1511"/>
-                  </a:lnTo>
-                  <a:lnTo>
-                    <a:pt x="117" y="2789"/>
-                  </a:lnTo>
-                  <a:lnTo>
-                    <a:pt x="3858" y="2789"/>
-                  </a:lnTo>
-                  <a:lnTo>
-                    <a:pt x="3858" y="4183"/>
-                  </a:lnTo>
-                  <a:lnTo>
-                    <a:pt x="117" y="4300"/>
-                  </a:lnTo>
-                  <a:lnTo>
-                    <a:pt x="234" y="5462"/>
-                  </a:lnTo>
-                  <a:lnTo>
-                    <a:pt x="3975" y="5462"/>
-                  </a:lnTo>
-                  <a:lnTo>
-                    <a:pt x="3858" y="6740"/>
-                  </a:lnTo>
-                  <a:lnTo>
-                    <a:pt x="0" y="6856"/>
+                    <a:pt x="3552" y="1037"/>
+                  </a:lnTo>
+                  <a:lnTo>
+                    <a:pt x="108" y="1037"/>
+                  </a:lnTo>
+                  <a:lnTo>
+                    <a:pt x="108" y="1914"/>
+                  </a:lnTo>
+                  <a:lnTo>
+                    <a:pt x="3552" y="1914"/>
+                  </a:lnTo>
+                  <a:lnTo>
+                    <a:pt x="3552" y="2871"/>
+                  </a:lnTo>
+                  <a:lnTo>
+                    <a:pt x="108" y="2951"/>
+                  </a:lnTo>
+                  <a:lnTo>
+                    <a:pt x="216" y="3748"/>
+                  </a:lnTo>
+                  <a:lnTo>
+                    <a:pt x="3660" y="3748"/>
+                  </a:lnTo>
+                  <a:lnTo>
+                    <a:pt x="3552" y="4625"/>
+                  </a:lnTo>
+                  <a:lnTo>
+                    <a:pt x="0" y="4705"/>
                   </a:lnTo>
                 </a:path>
               </a:pathLst>
@@ -6768,403 +6651,15 @@
           </p:spPr>
         </p:sp>
       </p:grpSp>
-      <p:grpSp>
-        <p:nvGrpSpPr>
-          <p:cNvPr id="137" name="Group 17"/>
-          <p:cNvGrpSpPr/>
-          <p:nvPr/>
-        </p:nvGrpSpPr>
-        <p:grpSpPr>
-          <a:xfrm>
-            <a:off x="5076360" y="468000"/>
-            <a:ext cx="1547640" cy="2556000"/>
-            <a:chOff x="5076360" y="468000"/>
-            <a:chExt cx="1547640" cy="2556000"/>
-          </a:xfrm>
-        </p:grpSpPr>
-        <p:sp>
-          <p:nvSpPr>
-            <p:cNvPr id="138" name="CustomShape 18"/>
-            <p:cNvSpPr/>
-            <p:nvPr/>
-          </p:nvSpPr>
-          <p:spPr>
-            <a:xfrm>
-              <a:off x="5393880" y="787320"/>
-              <a:ext cx="855360" cy="178200"/>
-            </a:xfrm>
-            <a:prstGeom prst="rect">
-              <a:avLst/>
-            </a:prstGeom>
-            <a:solidFill>
-              <a:srgbClr val="000000"/>
-            </a:solidFill>
-            <a:ln>
-              <a:noFill/>
-            </a:ln>
-          </p:spPr>
-          <p:style>
-            <a:lnRef idx="0"/>
-            <a:fillRef idx="0"/>
-            <a:effectRef idx="0"/>
-            <a:fontRef idx="minor"/>
-          </p:style>
-        </p:sp>
-        <p:sp>
-          <p:nvSpPr>
-            <p:cNvPr id="139" name="CustomShape 19"/>
-            <p:cNvSpPr/>
-            <p:nvPr/>
-          </p:nvSpPr>
-          <p:spPr>
-            <a:xfrm>
-              <a:off x="5393880" y="1254240"/>
-              <a:ext cx="855360" cy="178560"/>
-            </a:xfrm>
-            <a:prstGeom prst="rect">
-              <a:avLst/>
-            </a:prstGeom>
-            <a:solidFill>
-              <a:srgbClr val="000000"/>
-            </a:solidFill>
-            <a:ln>
-              <a:noFill/>
-            </a:ln>
-          </p:spPr>
-          <p:style>
-            <a:lnRef idx="0"/>
-            <a:fillRef idx="0"/>
-            <a:effectRef idx="0"/>
-            <a:fontRef idx="minor"/>
-          </p:style>
-        </p:sp>
-        <p:sp>
-          <p:nvSpPr>
-            <p:cNvPr id="140" name="CustomShape 20"/>
-            <p:cNvSpPr/>
-            <p:nvPr/>
-          </p:nvSpPr>
-          <p:spPr>
-            <a:xfrm>
-              <a:off x="5393880" y="1721880"/>
-              <a:ext cx="855360" cy="178560"/>
-            </a:xfrm>
-            <a:prstGeom prst="rect">
-              <a:avLst/>
-            </a:prstGeom>
-            <a:solidFill>
-              <a:srgbClr val="000000"/>
-            </a:solidFill>
-            <a:ln>
-              <a:noFill/>
-            </a:ln>
-          </p:spPr>
-          <p:style>
-            <a:lnRef idx="0"/>
-            <a:fillRef idx="0"/>
-            <a:effectRef idx="0"/>
-            <a:fontRef idx="minor"/>
-          </p:style>
-        </p:sp>
-        <p:sp>
-          <p:nvSpPr>
-            <p:cNvPr id="141" name="CustomShape 21"/>
-            <p:cNvSpPr/>
-            <p:nvPr/>
-          </p:nvSpPr>
-          <p:spPr>
-            <a:xfrm>
-              <a:off x="5393880" y="1721880"/>
-              <a:ext cx="855360" cy="178560"/>
-            </a:xfrm>
-            <a:prstGeom prst="rect">
-              <a:avLst/>
-            </a:prstGeom>
-            <a:solidFill>
-              <a:srgbClr val="000000"/>
-            </a:solidFill>
-            <a:ln>
-              <a:noFill/>
-            </a:ln>
-          </p:spPr>
-          <p:style>
-            <a:lnRef idx="0"/>
-            <a:fillRef idx="0"/>
-            <a:effectRef idx="0"/>
-            <a:fontRef idx="minor"/>
-          </p:style>
-        </p:sp>
-        <p:sp>
-          <p:nvSpPr>
-            <p:cNvPr id="142" name="CustomShape 22"/>
-            <p:cNvSpPr/>
-            <p:nvPr/>
-          </p:nvSpPr>
-          <p:spPr>
-            <a:xfrm>
-              <a:off x="5393880" y="2189160"/>
-              <a:ext cx="855360" cy="178560"/>
-            </a:xfrm>
-            <a:prstGeom prst="rect">
-              <a:avLst/>
-            </a:prstGeom>
-            <a:solidFill>
-              <a:srgbClr val="000000"/>
-            </a:solidFill>
-            <a:ln>
-              <a:noFill/>
-            </a:ln>
-          </p:spPr>
-          <p:style>
-            <a:lnRef idx="0"/>
-            <a:fillRef idx="0"/>
-            <a:effectRef idx="0"/>
-            <a:fontRef idx="minor"/>
-          </p:style>
-        </p:sp>
-        <p:sp>
-          <p:nvSpPr>
-            <p:cNvPr id="143" name="CustomShape 23"/>
-            <p:cNvSpPr/>
-            <p:nvPr/>
-          </p:nvSpPr>
-          <p:spPr>
-            <a:xfrm>
-              <a:off x="5393880" y="2656440"/>
-              <a:ext cx="855360" cy="178920"/>
-            </a:xfrm>
-            <a:prstGeom prst="rect">
-              <a:avLst/>
-            </a:prstGeom>
-            <a:solidFill>
-              <a:srgbClr val="000000"/>
-            </a:solidFill>
-            <a:ln>
-              <a:noFill/>
-            </a:ln>
-          </p:spPr>
-          <p:style>
-            <a:lnRef idx="0"/>
-            <a:fillRef idx="0"/>
-            <a:effectRef idx="0"/>
-            <a:fontRef idx="minor"/>
-          </p:style>
-        </p:sp>
-        <p:sp>
-          <p:nvSpPr>
-            <p:cNvPr id="144" name="Freeform 24"/>
-            <p:cNvSpPr/>
-            <p:nvPr/>
-          </p:nvSpPr>
-          <p:spPr>
-            <a:xfrm>
-              <a:off x="5153760" y="1766160"/>
-              <a:ext cx="1315800" cy="1258200"/>
-            </a:xfrm>
-            <a:custGeom>
-              <a:avLst/>
-              <a:gdLst/>
-              <a:ahLst/>
-              <a:rect l="0" t="0" r="r" b="b"/>
-              <a:pathLst>
-                <a:path w="3655" h="3495">
-                  <a:moveTo>
-                    <a:pt x="3547" y="0"/>
-                  </a:moveTo>
-                  <a:lnTo>
-                    <a:pt x="3547" y="902"/>
-                  </a:lnTo>
-                  <a:lnTo>
-                    <a:pt x="107" y="1014"/>
-                  </a:lnTo>
-                  <a:lnTo>
-                    <a:pt x="215" y="2141"/>
-                  </a:lnTo>
-                  <a:lnTo>
-                    <a:pt x="3654" y="2141"/>
-                  </a:lnTo>
-                  <a:lnTo>
-                    <a:pt x="3547" y="3381"/>
-                  </a:lnTo>
-                  <a:lnTo>
-                    <a:pt x="0" y="3494"/>
-                  </a:lnTo>
-                </a:path>
-              </a:pathLst>
-            </a:custGeom>
-            <a:ln w="36000">
-              <a:solidFill>
-                <a:srgbClr val="ff0000"/>
-              </a:solidFill>
-              <a:prstDash val="sysDot"/>
-              <a:round/>
-              <a:tailEnd len="med" type="triangle" w="med"/>
-            </a:ln>
-          </p:spPr>
-        </p:sp>
-        <p:sp>
-          <p:nvSpPr>
-            <p:cNvPr id="145" name="Freeform 25"/>
-            <p:cNvSpPr/>
-            <p:nvPr/>
-          </p:nvSpPr>
-          <p:spPr>
-            <a:xfrm>
-              <a:off x="5076360" y="468000"/>
-              <a:ext cx="1548000" cy="1298880"/>
-            </a:xfrm>
-            <a:custGeom>
-              <a:avLst/>
-              <a:gdLst/>
-              <a:ahLst/>
-              <a:rect l="0" t="0" r="r" b="b"/>
-              <a:pathLst>
-                <a:path w="4300" h="3608">
-                  <a:moveTo>
-                    <a:pt x="0" y="3155"/>
-                  </a:moveTo>
-                  <a:cubicBezTo>
-                    <a:pt x="3869" y="2930"/>
-                    <a:pt x="3761" y="2705"/>
-                    <a:pt x="3761" y="2705"/>
-                  </a:cubicBezTo>
-                  <a:lnTo>
-                    <a:pt x="3762" y="338"/>
-                  </a:lnTo>
-                  <a:lnTo>
-                    <a:pt x="430" y="338"/>
-                  </a:lnTo>
-                  <a:lnTo>
-                    <a:pt x="323" y="1915"/>
-                  </a:lnTo>
-                  <a:lnTo>
-                    <a:pt x="4191" y="1804"/>
-                  </a:lnTo>
-                  <a:lnTo>
-                    <a:pt x="4299" y="0"/>
-                  </a:lnTo>
-                  <a:lnTo>
-                    <a:pt x="0" y="0"/>
-                  </a:lnTo>
-                  <a:lnTo>
-                    <a:pt x="0" y="2705"/>
-                  </a:lnTo>
-                  <a:lnTo>
-                    <a:pt x="3761" y="3043"/>
-                  </a:lnTo>
-                  <a:lnTo>
-                    <a:pt x="3761" y="3607"/>
-                  </a:lnTo>
-                </a:path>
-              </a:pathLst>
-            </a:custGeom>
-            <a:ln w="38160">
-              <a:solidFill>
-                <a:srgbClr val="069a2e"/>
-              </a:solidFill>
-              <a:prstDash val="sysDot"/>
-              <a:round/>
-              <a:tailEnd len="med" type="triangle" w="med"/>
-            </a:ln>
-          </p:spPr>
-        </p:sp>
-        <p:sp>
-          <p:nvSpPr>
-            <p:cNvPr id="146" name="Line 26"/>
-            <p:cNvSpPr/>
-            <p:nvPr/>
-          </p:nvSpPr>
-          <p:spPr>
-            <a:xfrm>
-              <a:off x="5656680" y="589680"/>
-              <a:ext cx="232200" cy="0"/>
-            </a:xfrm>
-            <a:prstGeom prst="line">
-              <a:avLst/>
-            </a:prstGeom>
-            <a:ln w="38160">
-              <a:solidFill>
-                <a:srgbClr val="069a2e"/>
-              </a:solidFill>
-              <a:round/>
-              <a:headEnd len="med" type="triangle" w="med"/>
-            </a:ln>
-          </p:spPr>
-          <p:style>
-            <a:lnRef idx="0"/>
-            <a:fillRef idx="0"/>
-            <a:effectRef idx="0"/>
-            <a:fontRef idx="minor"/>
-          </p:style>
-        </p:sp>
-        <p:sp>
-          <p:nvSpPr>
-            <p:cNvPr id="147" name="Line 27"/>
-            <p:cNvSpPr/>
-            <p:nvPr/>
-          </p:nvSpPr>
-          <p:spPr>
-            <a:xfrm>
-              <a:off x="5114880" y="1604160"/>
-              <a:ext cx="193320" cy="0"/>
-            </a:xfrm>
-            <a:prstGeom prst="line">
-              <a:avLst/>
-            </a:prstGeom>
-            <a:ln w="38160">
-              <a:solidFill>
-                <a:srgbClr val="069a2e"/>
-              </a:solidFill>
-              <a:round/>
-              <a:tailEnd len="med" type="triangle" w="med"/>
-            </a:ln>
-          </p:spPr>
-          <p:style>
-            <a:lnRef idx="0"/>
-            <a:fillRef idx="0"/>
-            <a:effectRef idx="0"/>
-            <a:fontRef idx="minor"/>
-          </p:style>
-        </p:sp>
-        <p:sp>
-          <p:nvSpPr>
-            <p:cNvPr id="148" name="Line 28"/>
-            <p:cNvSpPr/>
-            <p:nvPr/>
-          </p:nvSpPr>
-          <p:spPr>
-            <a:xfrm flipV="1">
-              <a:off x="6430680" y="1238760"/>
-              <a:ext cx="0" cy="162360"/>
-            </a:xfrm>
-            <a:prstGeom prst="line">
-              <a:avLst/>
-            </a:prstGeom>
-            <a:ln w="38160">
-              <a:solidFill>
-                <a:srgbClr val="069a2e"/>
-              </a:solidFill>
-              <a:round/>
-              <a:tailEnd len="med" type="triangle" w="med"/>
-            </a:ln>
-          </p:spPr>
-          <p:style>
-            <a:lnRef idx="0"/>
-            <a:fillRef idx="0"/>
-            <a:effectRef idx="0"/>
-            <a:fontRef idx="minor"/>
-          </p:style>
-        </p:sp>
-      </p:grpSp>
-      <p:sp>
-        <p:nvSpPr>
-          <p:cNvPr id="149" name="TextShape 29"/>
+      <p:sp>
+        <p:nvSpPr>
+          <p:cNvPr id="124" name="TextShape 19"/>
           <p:cNvSpPr txBox="1"/>
           <p:nvPr/>
         </p:nvSpPr>
         <p:spPr>
           <a:xfrm>
-            <a:off x="799200" y="3312000"/>
+            <a:off x="475200" y="3312000"/>
             <a:ext cx="1576800" cy="402840"/>
           </a:xfrm>
           <a:prstGeom prst="rect">
@@ -7184,7 +6679,67 @@
               <a:rPr b="1" lang="en-GB" sz="2200" spc="-1" strike="noStrike">
                 <a:latin typeface="Arial"/>
               </a:rPr>
-              <a:t>Interpreter</a:t>
+              <a:t>I</a:t>
+            </a:r>
+            <a:r>
+              <a:rPr b="1" lang="en-GB" sz="2200" spc="-1" strike="noStrike">
+                <a:latin typeface="Arial"/>
+              </a:rPr>
+              <a:t>n</a:t>
+            </a:r>
+            <a:r>
+              <a:rPr b="1" lang="en-GB" sz="2200" spc="-1" strike="noStrike">
+                <a:latin typeface="Arial"/>
+              </a:rPr>
+              <a:t>t</a:t>
+            </a:r>
+            <a:r>
+              <a:rPr b="1" lang="en-GB" sz="2200" spc="-1" strike="noStrike">
+                <a:latin typeface="Arial"/>
+              </a:rPr>
+              <a:t>e</a:t>
+            </a:r>
+            <a:r>
+              <a:rPr b="1" lang="en-GB" sz="2200" spc="-1" strike="noStrike">
+                <a:latin typeface="Arial"/>
+              </a:rPr>
+              <a:t>r</a:t>
+            </a:r>
+            <a:r>
+              <a:rPr b="1" lang="en-GB" sz="2200" spc="-1" strike="noStrike">
+                <a:latin typeface="Arial"/>
+              </a:rPr>
+              <a:t>p</a:t>
+            </a:r>
+            <a:r>
+              <a:rPr b="1" lang="en-GB" sz="2200" spc="-1" strike="noStrike">
+                <a:latin typeface="Arial"/>
+              </a:rPr>
+              <a:t>r</a:t>
+            </a:r>
+            <a:r>
+              <a:rPr b="1" lang="en-GB" sz="2200" spc="-1" strike="noStrike">
+                <a:latin typeface="Arial"/>
+              </a:rPr>
+              <a:t>e</a:t>
+            </a:r>
+            <a:r>
+              <a:rPr b="1" lang="en-GB" sz="2200" spc="-1" strike="noStrike">
+                <a:latin typeface="Arial"/>
+              </a:rPr>
+              <a:t>t</a:t>
+            </a:r>
+            <a:r>
+              <a:rPr b="1" lang="en-GB" sz="2200" spc="-1" strike="noStrike">
+                <a:latin typeface="Arial"/>
+              </a:rPr>
+              <a:t>e</a:t>
+            </a:r>
+            <a:r>
+              <a:rPr b="1" lang="en-GB" sz="2200" spc="-1" strike="noStrike">
+                <a:latin typeface="Arial"/>
+              </a:rPr>
+              <a:t>r</a:t>
             </a:r>
             <a:endParaRPr b="0" lang="en-GB" sz="2200" spc="-1" strike="noStrike">
               <a:latin typeface="Arial"/>
@@ -7194,13 +6749,13 @@
       </p:sp>
       <p:sp>
         <p:nvSpPr>
-          <p:cNvPr id="150" name="TextShape 30"/>
+          <p:cNvPr id="125" name="TextShape 20"/>
           <p:cNvSpPr txBox="1"/>
           <p:nvPr/>
         </p:nvSpPr>
         <p:spPr>
           <a:xfrm>
-            <a:off x="792000" y="3708000"/>
+            <a:off x="324000" y="3816000"/>
             <a:ext cx="1800000" cy="1506960"/>
           </a:xfrm>
           <a:prstGeom prst="rect">
@@ -7216,51 +6771,56 @@
             <a:spAutoFit/>
           </a:bodyPr>
           <a:p>
-            <a:r>
-              <a:rPr b="0" lang="en-GB" sz="2000" spc="-1" strike="noStrike">
+            <a:pPr algn="ctr"/>
+            <a:r>
+              <a:rPr b="1" lang="en-GB" sz="1600" spc="-1" strike="noStrike">
                 <a:latin typeface="Arial"/>
               </a:rPr>
               <a:t>Immediately </a:t>
             </a:r>
-            <a:endParaRPr b="0" lang="en-GB" sz="2000" spc="-1" strike="noStrike">
-              <a:latin typeface="Arial"/>
-            </a:endParaRPr>
-          </a:p>
-          <a:p>
-            <a:r>
-              <a:rPr b="0" lang="en-GB" sz="2000" spc="-1" strike="noStrike">
+            <a:endParaRPr b="1" lang="en-GB" sz="1600" spc="-1" strike="noStrike">
+              <a:latin typeface="Arial"/>
+            </a:endParaRPr>
+          </a:p>
+          <a:p>
+            <a:pPr algn="ctr"/>
+            <a:r>
+              <a:rPr b="1" lang="en-GB" sz="1600" spc="-1" strike="noStrike">
                 <a:latin typeface="Arial"/>
               </a:rPr>
               <a:t>runs</a:t>
             </a:r>
-            <a:endParaRPr b="0" lang="en-GB" sz="2000" spc="-1" strike="noStrike">
-              <a:latin typeface="Arial"/>
-            </a:endParaRPr>
-          </a:p>
-          <a:p>
-            <a:endParaRPr b="0" lang="en-GB" sz="2000" spc="-1" strike="noStrike">
-              <a:latin typeface="Arial"/>
-            </a:endParaRPr>
-          </a:p>
-          <a:p>
-            <a:r>
-              <a:rPr b="0" lang="en-GB" sz="2000" spc="-1" strike="noStrike">
-                <a:latin typeface="Arial"/>
-              </a:rPr>
-              <a:t>Not efficient; </a:t>
-            </a:r>
-            <a:endParaRPr b="0" lang="en-GB" sz="2000" spc="-1" strike="noStrike">
-              <a:latin typeface="Arial"/>
-            </a:endParaRPr>
-          </a:p>
-          <a:p>
-            <a:r>
-              <a:rPr b="0" lang="en-GB" sz="2000" spc="-1" strike="noStrike">
+            <a:endParaRPr b="1" lang="en-GB" sz="1600" spc="-1" strike="noStrike">
+              <a:latin typeface="Arial"/>
+            </a:endParaRPr>
+          </a:p>
+          <a:p>
+            <a:pPr algn="ctr"/>
+            <a:endParaRPr b="1" lang="en-GB" sz="1600" spc="-1" strike="noStrike">
+              <a:latin typeface="Arial"/>
+            </a:endParaRPr>
+          </a:p>
+          <a:p>
+            <a:pPr algn="ctr"/>
+            <a:r>
+              <a:rPr b="1" lang="en-GB" sz="1600" spc="-1" strike="noStrike">
+                <a:latin typeface="Arial"/>
+              </a:rPr>
+              <a:t>Not so efficient; </a:t>
+            </a:r>
+            <a:endParaRPr b="1" lang="en-GB" sz="1600" spc="-1" strike="noStrike">
+              <a:latin typeface="Arial"/>
+            </a:endParaRPr>
+          </a:p>
+          <a:p>
+            <a:pPr algn="ctr"/>
+            <a:r>
+              <a:rPr b="1" lang="en-GB" sz="1600" spc="-1" strike="noStrike">
                 <a:latin typeface="Arial"/>
               </a:rPr>
               <a:t>can run slow</a:t>
             </a:r>
-            <a:endParaRPr b="0" lang="en-GB" sz="2000" spc="-1" strike="noStrike">
+            <a:endParaRPr b="1" lang="en-GB" sz="1600" spc="-1" strike="noStrike">
               <a:latin typeface="Arial"/>
             </a:endParaRPr>
           </a:p>
@@ -7268,13 +6828,13 @@
       </p:sp>
       <p:sp>
         <p:nvSpPr>
-          <p:cNvPr id="151" name="TextShape 31"/>
+          <p:cNvPr id="126" name="TextShape 21"/>
           <p:cNvSpPr txBox="1"/>
           <p:nvPr/>
         </p:nvSpPr>
         <p:spPr>
           <a:xfrm>
-            <a:off x="2887200" y="3312000"/>
+            <a:off x="3067200" y="3312000"/>
             <a:ext cx="1576800" cy="402840"/>
           </a:xfrm>
           <a:prstGeom prst="rect">
@@ -7304,13 +6864,13 @@
       </p:sp>
       <p:sp>
         <p:nvSpPr>
-          <p:cNvPr id="152" name="TextShape 32"/>
+          <p:cNvPr id="127" name="TextShape 22"/>
           <p:cNvSpPr txBox="1"/>
           <p:nvPr/>
         </p:nvSpPr>
         <p:spPr>
           <a:xfrm>
-            <a:off x="2916000" y="3672000"/>
+            <a:off x="2772000" y="3744000"/>
             <a:ext cx="1944000" cy="1506960"/>
           </a:xfrm>
           <a:prstGeom prst="rect">
@@ -7326,29 +6886,32 @@
             <a:spAutoFit/>
           </a:bodyPr>
           <a:p>
-            <a:r>
-              <a:rPr b="0" lang="en-GB" sz="2000" spc="-1" strike="noStrike">
+            <a:pPr algn="ctr"/>
+            <a:r>
+              <a:rPr b="1" lang="en-GB" sz="1600" spc="-1" strike="noStrike">
                 <a:latin typeface="Arial"/>
               </a:rPr>
               <a:t>Delay before running</a:t>
             </a:r>
-            <a:endParaRPr b="0" lang="en-GB" sz="2000" spc="-1" strike="noStrike">
-              <a:latin typeface="Arial"/>
-            </a:endParaRPr>
-          </a:p>
-          <a:p>
-            <a:endParaRPr b="0" lang="en-GB" sz="2000" spc="-1" strike="noStrike">
-              <a:latin typeface="Arial"/>
-            </a:endParaRPr>
-          </a:p>
-          <a:p>
-            <a:r>
-              <a:rPr b="0" lang="en-GB" sz="2000" spc="-1" strike="noStrike">
+            <a:endParaRPr b="1" lang="en-GB" sz="1600" spc="-1" strike="noStrike">
+              <a:latin typeface="Arial"/>
+            </a:endParaRPr>
+          </a:p>
+          <a:p>
+            <a:pPr algn="ctr"/>
+            <a:endParaRPr b="1" lang="en-GB" sz="1600" spc="-1" strike="noStrike">
+              <a:latin typeface="Arial"/>
+            </a:endParaRPr>
+          </a:p>
+          <a:p>
+            <a:pPr algn="ctr"/>
+            <a:r>
+              <a:rPr b="1" lang="en-GB" sz="1600" spc="-1" strike="noStrike">
                 <a:latin typeface="Arial"/>
               </a:rPr>
               <a:t>Runs efficiently</a:t>
             </a:r>
-            <a:endParaRPr b="0" lang="en-GB" sz="2000" spc="-1" strike="noStrike">
+            <a:endParaRPr b="1" lang="en-GB" sz="1600" spc="-1" strike="noStrike">
               <a:latin typeface="Arial"/>
             </a:endParaRPr>
           </a:p>
@@ -7356,14 +6919,42 @@
       </p:sp>
       <p:sp>
         <p:nvSpPr>
-          <p:cNvPr id="153" name="TextShape 33"/>
+          <p:cNvPr id="128" name="CustomShape 23"/>
+          <p:cNvSpPr/>
+          <p:nvPr/>
+        </p:nvSpPr>
+        <p:spPr>
+          <a:xfrm>
+            <a:off x="0" y="0"/>
+            <a:ext cx="10080000" cy="792000"/>
+          </a:xfrm>
+          <a:prstGeom prst="rect">
+            <a:avLst/>
+          </a:prstGeom>
+          <a:solidFill>
+            <a:srgbClr val="684cf3"/>
+          </a:solidFill>
+          <a:ln>
+            <a:noFill/>
+          </a:ln>
+        </p:spPr>
+        <p:style>
+          <a:lnRef idx="0"/>
+          <a:fillRef idx="0"/>
+          <a:effectRef idx="0"/>
+          <a:fontRef idx="minor"/>
+        </p:style>
+      </p:sp>
+      <p:sp>
+        <p:nvSpPr>
+          <p:cNvPr id="129" name="TextShape 24"/>
           <p:cNvSpPr txBox="1"/>
           <p:nvPr/>
         </p:nvSpPr>
         <p:spPr>
           <a:xfrm>
-            <a:off x="5083200" y="3312000"/>
-            <a:ext cx="1540800" cy="402840"/>
+            <a:off x="0" y="108000"/>
+            <a:ext cx="10080000" cy="684000"/>
           </a:xfrm>
           <a:prstGeom prst="rect">
             <a:avLst/>
@@ -7378,92 +6969,62 @@
             <a:spAutoFit/>
           </a:bodyPr>
           <a:p>
-            <a:r>
-              <a:rPr b="1" lang="en-GB" sz="1800" spc="-1" strike="noStrike">
-                <a:latin typeface="Arial"/>
-              </a:rPr>
-              <a:t>Just-in-time</a:t>
-            </a:r>
-            <a:endParaRPr b="0" lang="en-GB" sz="1800" spc="-1" strike="noStrike">
-              <a:latin typeface="Arial"/>
-            </a:endParaRPr>
-          </a:p>
-        </p:txBody>
-      </p:sp>
-      <p:sp>
-        <p:nvSpPr>
-          <p:cNvPr id="154" name="TextShape 34"/>
-          <p:cNvSpPr txBox="1"/>
-          <p:nvPr/>
-        </p:nvSpPr>
-        <p:spPr>
-          <a:xfrm>
-            <a:off x="5112000" y="3672360"/>
-            <a:ext cx="1656000" cy="1790280"/>
-          </a:xfrm>
-          <a:prstGeom prst="rect">
-            <a:avLst/>
-          </a:prstGeom>
-          <a:noFill/>
-          <a:ln>
-            <a:noFill/>
-          </a:ln>
-        </p:spPr>
-        <p:txBody>
-          <a:bodyPr lIns="90000" rIns="90000" tIns="45000" bIns="45000">
-            <a:spAutoFit/>
-          </a:bodyPr>
-          <a:p>
-            <a:pPr>
-              <a:lnSpc>
-                <a:spcPct val="100000"/>
-              </a:lnSpc>
-            </a:pPr>
-            <a:r>
-              <a:rPr b="0" lang="en-GB" sz="2000" spc="-1" strike="noStrike">
-                <a:latin typeface="Arial"/>
-              </a:rPr>
-              <a:t>Immediately </a:t>
-            </a:r>
-            <a:endParaRPr b="0" lang="en-GB" sz="2000" spc="-1" strike="noStrike">
-              <a:latin typeface="Arial"/>
-            </a:endParaRPr>
-          </a:p>
-          <a:p>
-            <a:r>
-              <a:rPr b="0" lang="en-GB" sz="2000" spc="-1" strike="noStrike">
-                <a:latin typeface="Arial"/>
-              </a:rPr>
-              <a:t>runs</a:t>
-            </a:r>
-            <a:endParaRPr b="0" lang="en-GB" sz="2000" spc="-1" strike="noStrike">
-              <a:latin typeface="Arial"/>
-            </a:endParaRPr>
-          </a:p>
-          <a:p>
-            <a:endParaRPr b="0" lang="en-GB" sz="2000" spc="-1" strike="noStrike">
-              <a:latin typeface="Arial"/>
-            </a:endParaRPr>
-          </a:p>
-          <a:p>
-            <a:r>
-              <a:rPr b="0" lang="en-GB" sz="2000" spc="-1" strike="noStrike">
-                <a:latin typeface="Arial"/>
-              </a:rPr>
-              <a:t>Runs quite efficiently</a:t>
-            </a:r>
-            <a:endParaRPr b="0" lang="en-GB" sz="2000" spc="-1" strike="noStrike">
-              <a:latin typeface="Arial"/>
-            </a:endParaRPr>
-          </a:p>
-          <a:p>
-            <a:r>
-              <a:rPr b="0" lang="en-GB" sz="2000" spc="-1" strike="noStrike">
-                <a:latin typeface="Arial"/>
-              </a:rPr>
-              <a:t>(2008)</a:t>
-            </a:r>
-            <a:endParaRPr b="0" lang="en-GB" sz="2000" spc="-1" strike="noStrike">
+            <a:pPr algn="ctr"/>
+            <a:r>
+              <a:rPr b="1" lang="en-GB" sz="3600" spc="-1" strike="noStrike">
+                <a:solidFill>
+                  <a:srgbClr val="ffffff"/>
+                </a:solidFill>
+                <a:latin typeface="Arial"/>
+              </a:rPr>
+              <a:t>Ways to </a:t>
+            </a:r>
+            <a:r>
+              <a:rPr b="1" lang="en-GB" sz="3600" spc="-1" strike="noStrike">
+                <a:solidFill>
+                  <a:srgbClr val="ffffff"/>
+                </a:solidFill>
+                <a:latin typeface="Arial"/>
+              </a:rPr>
+              <a:t>put code </a:t>
+            </a:r>
+            <a:r>
+              <a:rPr b="1" lang="en-GB" sz="3600" spc="-1" strike="noStrike">
+                <a:solidFill>
+                  <a:srgbClr val="ffffff"/>
+                </a:solidFill>
+                <a:latin typeface="Arial"/>
+              </a:rPr>
+              <a:t>into </a:t>
+            </a:r>
+            <a:r>
+              <a:rPr b="1" lang="en-GB" sz="3600" spc="-1" strike="noStrike">
+                <a:solidFill>
+                  <a:srgbClr val="ffffff"/>
+                </a:solidFill>
+                <a:latin typeface="Arial"/>
+              </a:rPr>
+              <a:t>actions </a:t>
+            </a:r>
+            <a:r>
+              <a:rPr b="1" lang="en-GB" sz="3600" spc="-1" strike="noStrike">
+                <a:solidFill>
+                  <a:srgbClr val="ffffff"/>
+                </a:solidFill>
+                <a:latin typeface="Arial"/>
+              </a:rPr>
+              <a:t>(instructio</a:t>
+            </a:r>
+            <a:r>
+              <a:rPr b="1" lang="en-GB" sz="3600" spc="-1" strike="noStrike">
+                <a:solidFill>
+                  <a:srgbClr val="ffffff"/>
+                </a:solidFill>
+                <a:latin typeface="Arial"/>
+              </a:rPr>
+              <a:t>ns)</a:t>
+            </a:r>
+            <a:endParaRPr b="0" lang="en-GB" sz="3600" spc="-1" strike="noStrike">
               <a:latin typeface="Arial"/>
             </a:endParaRPr>
           </a:p>
@@ -7499,30 +7060,114 @@
           <a:chExt cx="0" cy="0"/>
         </a:xfrm>
       </p:grpSpPr>
+      <p:sp>
+        <p:nvSpPr>
+          <p:cNvPr id="130" name="CustomShape 1"/>
+          <p:cNvSpPr/>
+          <p:nvPr/>
+        </p:nvSpPr>
+        <p:spPr>
+          <a:xfrm>
+            <a:off x="0" y="792000"/>
+            <a:ext cx="2520000" cy="4878000"/>
+          </a:xfrm>
+          <a:prstGeom prst="rect">
+            <a:avLst/>
+          </a:prstGeom>
+          <a:solidFill>
+            <a:srgbClr val="f7f7fb"/>
+          </a:solidFill>
+          <a:ln>
+            <a:noFill/>
+          </a:ln>
+        </p:spPr>
+        <p:style>
+          <a:lnRef idx="0"/>
+          <a:fillRef idx="0"/>
+          <a:effectRef idx="0"/>
+          <a:fontRef idx="minor"/>
+        </p:style>
+      </p:sp>
+      <p:sp>
+        <p:nvSpPr>
+          <p:cNvPr id="131" name="CustomShape 2"/>
+          <p:cNvSpPr/>
+          <p:nvPr/>
+        </p:nvSpPr>
+        <p:spPr>
+          <a:xfrm>
+            <a:off x="2520000" y="792000"/>
+            <a:ext cx="2520000" cy="4878000"/>
+          </a:xfrm>
+          <a:prstGeom prst="rect">
+            <a:avLst/>
+          </a:prstGeom>
+          <a:solidFill>
+            <a:srgbClr val="f3f2fa"/>
+          </a:solidFill>
+          <a:ln>
+            <a:noFill/>
+          </a:ln>
+        </p:spPr>
+        <p:style>
+          <a:lnRef idx="0"/>
+          <a:fillRef idx="0"/>
+          <a:effectRef idx="0"/>
+          <a:fontRef idx="minor"/>
+        </p:style>
+      </p:sp>
+      <p:sp>
+        <p:nvSpPr>
+          <p:cNvPr id="132" name="CustomShape 3"/>
+          <p:cNvSpPr/>
+          <p:nvPr/>
+        </p:nvSpPr>
+        <p:spPr>
+          <a:xfrm>
+            <a:off x="5040000" y="792000"/>
+            <a:ext cx="2520000" cy="4878000"/>
+          </a:xfrm>
+          <a:prstGeom prst="rect">
+            <a:avLst/>
+          </a:prstGeom>
+          <a:solidFill>
+            <a:srgbClr val="efedf6"/>
+          </a:solidFill>
+          <a:ln>
+            <a:noFill/>
+          </a:ln>
+        </p:spPr>
+        <p:style>
+          <a:lnRef idx="0"/>
+          <a:fillRef idx="0"/>
+          <a:effectRef idx="0"/>
+          <a:fontRef idx="minor"/>
+        </p:style>
+      </p:sp>
       <p:grpSp>
         <p:nvGrpSpPr>
-          <p:cNvPr id="155" name="Group 1"/>
+          <p:cNvPr id="133" name="Group 4"/>
           <p:cNvGrpSpPr/>
           <p:nvPr/>
         </p:nvGrpSpPr>
         <p:grpSpPr>
           <a:xfrm>
-            <a:off x="432000" y="485280"/>
-            <a:ext cx="1872000" cy="2538720"/>
-            <a:chOff x="432000" y="485280"/>
-            <a:chExt cx="1872000" cy="2538720"/>
+            <a:off x="288000" y="1281960"/>
+            <a:ext cx="1723320" cy="1742040"/>
+            <a:chOff x="288000" y="1281960"/>
+            <a:chExt cx="1723320" cy="1742040"/>
           </a:xfrm>
         </p:grpSpPr>
         <p:sp>
           <p:nvSpPr>
-            <p:cNvPr id="156" name="CustomShape 2"/>
-            <p:cNvSpPr/>
-            <p:nvPr/>
-          </p:nvSpPr>
-          <p:spPr>
-            <a:xfrm>
-              <a:off x="1023120" y="725400"/>
-              <a:ext cx="919800" cy="180360"/>
+            <p:cNvPr id="134" name="CustomShape 5"/>
+            <p:cNvSpPr/>
+            <p:nvPr/>
+          </p:nvSpPr>
+          <p:spPr>
+            <a:xfrm>
+              <a:off x="832320" y="1446480"/>
+              <a:ext cx="846720" cy="123840"/>
             </a:xfrm>
             <a:prstGeom prst="rect">
               <a:avLst/>
@@ -7543,14 +7188,14 @@
         </p:sp>
         <p:sp>
           <p:nvSpPr>
-            <p:cNvPr id="157" name="CustomShape 3"/>
-            <p:cNvSpPr/>
-            <p:nvPr/>
-          </p:nvSpPr>
-          <p:spPr>
-            <a:xfrm>
-              <a:off x="1023120" y="1197000"/>
-              <a:ext cx="919800" cy="180360"/>
+            <p:cNvPr id="135" name="CustomShape 6"/>
+            <p:cNvSpPr/>
+            <p:nvPr/>
+          </p:nvSpPr>
+          <p:spPr>
+            <a:xfrm>
+              <a:off x="832320" y="1770120"/>
+              <a:ext cx="846720" cy="123840"/>
             </a:xfrm>
             <a:prstGeom prst="rect">
               <a:avLst/>
@@ -7571,14 +7216,14 @@
         </p:sp>
         <p:sp>
           <p:nvSpPr>
-            <p:cNvPr id="158" name="CustomShape 4"/>
-            <p:cNvSpPr/>
-            <p:nvPr/>
-          </p:nvSpPr>
-          <p:spPr>
-            <a:xfrm>
-              <a:off x="1023120" y="1668960"/>
-              <a:ext cx="919800" cy="180000"/>
+            <p:cNvPr id="136" name="CustomShape 7"/>
+            <p:cNvSpPr/>
+            <p:nvPr/>
+          </p:nvSpPr>
+          <p:spPr>
+            <a:xfrm>
+              <a:off x="832320" y="2094120"/>
+              <a:ext cx="846720" cy="123480"/>
             </a:xfrm>
             <a:prstGeom prst="rect">
               <a:avLst/>
@@ -7599,14 +7244,14 @@
         </p:sp>
         <p:sp>
           <p:nvSpPr>
-            <p:cNvPr id="159" name="CustomShape 5"/>
-            <p:cNvSpPr/>
-            <p:nvPr/>
-          </p:nvSpPr>
-          <p:spPr>
-            <a:xfrm>
-              <a:off x="1023120" y="1668960"/>
-              <a:ext cx="919800" cy="180000"/>
+            <p:cNvPr id="137" name="CustomShape 8"/>
+            <p:cNvSpPr/>
+            <p:nvPr/>
+          </p:nvSpPr>
+          <p:spPr>
+            <a:xfrm>
+              <a:off x="832320" y="2094120"/>
+              <a:ext cx="846720" cy="123480"/>
             </a:xfrm>
             <a:prstGeom prst="rect">
               <a:avLst/>
@@ -7627,14 +7272,14 @@
         </p:sp>
         <p:sp>
           <p:nvSpPr>
-            <p:cNvPr id="160" name="CustomShape 6"/>
-            <p:cNvSpPr/>
-            <p:nvPr/>
-          </p:nvSpPr>
-          <p:spPr>
-            <a:xfrm>
-              <a:off x="1023120" y="2140560"/>
-              <a:ext cx="919800" cy="180000"/>
+            <p:cNvPr id="138" name="CustomShape 9"/>
+            <p:cNvSpPr/>
+            <p:nvPr/>
+          </p:nvSpPr>
+          <p:spPr>
+            <a:xfrm>
+              <a:off x="832320" y="2417760"/>
+              <a:ext cx="846720" cy="123480"/>
             </a:xfrm>
             <a:prstGeom prst="rect">
               <a:avLst/>
@@ -7655,14 +7300,14 @@
         </p:sp>
         <p:sp>
           <p:nvSpPr>
-            <p:cNvPr id="161" name="CustomShape 7"/>
-            <p:cNvSpPr/>
-            <p:nvPr/>
-          </p:nvSpPr>
-          <p:spPr>
-            <a:xfrm>
-              <a:off x="1023120" y="2612520"/>
-              <a:ext cx="919800" cy="180000"/>
+            <p:cNvPr id="139" name="CustomShape 10"/>
+            <p:cNvSpPr/>
+            <p:nvPr/>
+          </p:nvSpPr>
+          <p:spPr>
+            <a:xfrm>
+              <a:off x="832320" y="2741760"/>
+              <a:ext cx="846720" cy="123480"/>
             </a:xfrm>
             <a:prstGeom prst="rect">
               <a:avLst/>
@@ -7683,14 +7328,14 @@
         </p:sp>
         <p:sp>
           <p:nvSpPr>
-            <p:cNvPr id="162" name="Freeform 8"/>
-            <p:cNvSpPr/>
-            <p:nvPr/>
-          </p:nvSpPr>
-          <p:spPr>
-            <a:xfrm>
-              <a:off x="432000" y="485280"/>
-              <a:ext cx="1872360" cy="2539080"/>
+            <p:cNvPr id="140" name="Freeform 11"/>
+            <p:cNvSpPr/>
+            <p:nvPr/>
+          </p:nvSpPr>
+          <p:spPr>
+            <a:xfrm>
+              <a:off x="288000" y="1281960"/>
+              <a:ext cx="1723680" cy="1742400"/>
             </a:xfrm>
             <a:custGeom>
               <a:avLst/>
@@ -7698,111 +7343,111 @@
               <a:ahLst/>
               <a:rect l="0" t="0" r="r" b="b"/>
               <a:pathLst>
-                <a:path w="5201" h="7053">
+                <a:path w="4788" h="4840">
                   <a:moveTo>
-                    <a:pt x="1004" y="381"/>
+                    <a:pt x="924" y="261"/>
                   </a:moveTo>
                   <a:cubicBezTo>
-                    <a:pt x="1004" y="286"/>
-                    <a:pt x="4653" y="286"/>
-                    <a:pt x="4653" y="286"/>
+                    <a:pt x="924" y="196"/>
+                    <a:pt x="4284" y="196"/>
+                    <a:pt x="4284" y="196"/>
                   </a:cubicBezTo>
                   <a:cubicBezTo>
-                    <a:pt x="4653" y="286"/>
-                    <a:pt x="4926" y="1620"/>
-                    <a:pt x="5018" y="1620"/>
+                    <a:pt x="4284" y="196"/>
+                    <a:pt x="4535" y="1111"/>
+                    <a:pt x="4620" y="1111"/>
                   </a:cubicBezTo>
                   <a:cubicBezTo>
-                    <a:pt x="5109" y="1620"/>
-                    <a:pt x="1825" y="1715"/>
-                    <a:pt x="2007" y="1715"/>
+                    <a:pt x="4704" y="1111"/>
+                    <a:pt x="1680" y="1176"/>
+                    <a:pt x="1848" y="1176"/>
                   </a:cubicBezTo>
                   <a:cubicBezTo>
-                    <a:pt x="2189" y="1715"/>
-                    <a:pt x="912" y="1715"/>
-                    <a:pt x="912" y="1715"/>
+                    <a:pt x="2015" y="1176"/>
+                    <a:pt x="840" y="1176"/>
+                    <a:pt x="840" y="1176"/>
                   </a:cubicBezTo>
                   <a:lnTo>
-                    <a:pt x="1095" y="2954"/>
-                  </a:lnTo>
-                  <a:lnTo>
-                    <a:pt x="4926" y="2954"/>
-                  </a:lnTo>
-                  <a:lnTo>
-                    <a:pt x="4561" y="0"/>
-                  </a:lnTo>
-                  <a:lnTo>
-                    <a:pt x="365" y="191"/>
-                  </a:lnTo>
-                  <a:lnTo>
-                    <a:pt x="730" y="6671"/>
-                  </a:lnTo>
-                  <a:lnTo>
-                    <a:pt x="4653" y="6671"/>
-                  </a:lnTo>
-                  <a:lnTo>
-                    <a:pt x="4744" y="4098"/>
-                  </a:lnTo>
-                  <a:lnTo>
-                    <a:pt x="1095" y="4193"/>
-                  </a:lnTo>
-                  <a:lnTo>
-                    <a:pt x="1186" y="5432"/>
-                  </a:lnTo>
-                  <a:lnTo>
-                    <a:pt x="5018" y="5337"/>
-                  </a:lnTo>
-                  <a:lnTo>
-                    <a:pt x="4926" y="95"/>
-                  </a:lnTo>
-                  <a:lnTo>
-                    <a:pt x="821" y="95"/>
+                    <a:pt x="1008" y="2027"/>
+                  </a:lnTo>
+                  <a:lnTo>
+                    <a:pt x="4535" y="2027"/>
+                  </a:lnTo>
+                  <a:lnTo>
+                    <a:pt x="4199" y="0"/>
+                  </a:lnTo>
+                  <a:lnTo>
+                    <a:pt x="336" y="131"/>
+                  </a:lnTo>
+                  <a:lnTo>
+                    <a:pt x="672" y="4578"/>
+                  </a:lnTo>
+                  <a:lnTo>
+                    <a:pt x="4284" y="4578"/>
+                  </a:lnTo>
+                  <a:lnTo>
+                    <a:pt x="4367" y="2812"/>
+                  </a:lnTo>
+                  <a:lnTo>
+                    <a:pt x="1008" y="2877"/>
+                  </a:lnTo>
+                  <a:lnTo>
+                    <a:pt x="1092" y="3727"/>
+                  </a:lnTo>
+                  <a:lnTo>
+                    <a:pt x="4620" y="3662"/>
+                  </a:lnTo>
+                  <a:lnTo>
+                    <a:pt x="4535" y="65"/>
+                  </a:lnTo>
+                  <a:lnTo>
+                    <a:pt x="756" y="65"/>
                   </a:lnTo>
                   <a:cubicBezTo>
-                    <a:pt x="821" y="95"/>
-                    <a:pt x="1004" y="7052"/>
-                    <a:pt x="1004" y="6957"/>
+                    <a:pt x="756" y="65"/>
+                    <a:pt x="924" y="4839"/>
+                    <a:pt x="924" y="4774"/>
                   </a:cubicBezTo>
                   <a:cubicBezTo>
-                    <a:pt x="1004" y="6861"/>
-                    <a:pt x="4744" y="7052"/>
-                    <a:pt x="4744" y="7052"/>
+                    <a:pt x="924" y="4708"/>
+                    <a:pt x="4367" y="4839"/>
+                    <a:pt x="4367" y="4839"/>
                   </a:cubicBezTo>
                   <a:lnTo>
-                    <a:pt x="4653" y="3145"/>
-                  </a:lnTo>
-                  <a:lnTo>
-                    <a:pt x="1095" y="3145"/>
-                  </a:lnTo>
-                  <a:lnTo>
-                    <a:pt x="1095" y="3907"/>
+                    <a:pt x="4284" y="2158"/>
+                  </a:lnTo>
+                  <a:lnTo>
+                    <a:pt x="1008" y="2158"/>
+                  </a:lnTo>
+                  <a:lnTo>
+                    <a:pt x="1008" y="2681"/>
                   </a:lnTo>
                   <a:cubicBezTo>
-                    <a:pt x="1095" y="3907"/>
-                    <a:pt x="5200" y="3717"/>
-                    <a:pt x="5200" y="3812"/>
+                    <a:pt x="1008" y="2681"/>
+                    <a:pt x="4787" y="2550"/>
+                    <a:pt x="4787" y="2616"/>
                   </a:cubicBezTo>
                   <a:cubicBezTo>
-                    <a:pt x="5200" y="3907"/>
-                    <a:pt x="5018" y="1906"/>
-                    <a:pt x="5109" y="1906"/>
+                    <a:pt x="4787" y="2681"/>
+                    <a:pt x="4620" y="1308"/>
+                    <a:pt x="4704" y="1308"/>
                   </a:cubicBezTo>
                   <a:cubicBezTo>
-                    <a:pt x="5200" y="1906"/>
-                    <a:pt x="1186" y="1525"/>
-                    <a:pt x="1186" y="1525"/>
+                    <a:pt x="4787" y="1308"/>
+                    <a:pt x="1092" y="1046"/>
+                    <a:pt x="1092" y="1046"/>
                   </a:cubicBezTo>
                   <a:lnTo>
-                    <a:pt x="1368" y="5908"/>
-                  </a:lnTo>
-                  <a:lnTo>
-                    <a:pt x="4470" y="5623"/>
-                  </a:lnTo>
-                  <a:lnTo>
-                    <a:pt x="4379" y="2668"/>
-                  </a:lnTo>
-                  <a:lnTo>
-                    <a:pt x="0" y="2764"/>
+                    <a:pt x="1259" y="4054"/>
+                  </a:lnTo>
+                  <a:lnTo>
+                    <a:pt x="4115" y="3858"/>
+                  </a:lnTo>
+                  <a:lnTo>
+                    <a:pt x="4031" y="1830"/>
+                  </a:lnTo>
+                  <a:lnTo>
+                    <a:pt x="0" y="1896"/>
                   </a:lnTo>
                 </a:path>
               </a:pathLst>
@@ -7820,28 +7465,28 @@
       </p:grpSp>
       <p:grpSp>
         <p:nvGrpSpPr>
-          <p:cNvPr id="163" name="Group 9"/>
+          <p:cNvPr id="141" name="Group 12"/>
           <p:cNvGrpSpPr/>
           <p:nvPr/>
         </p:nvGrpSpPr>
         <p:grpSpPr>
           <a:xfrm>
-            <a:off x="2925000" y="555840"/>
-            <a:ext cx="1431000" cy="2468160"/>
-            <a:chOff x="2925000" y="555840"/>
-            <a:chExt cx="1431000" cy="2468160"/>
+            <a:off x="3087000" y="1330200"/>
+            <a:ext cx="1317600" cy="1693800"/>
+            <a:chOff x="3087000" y="1330200"/>
+            <a:chExt cx="1317600" cy="1693800"/>
           </a:xfrm>
         </p:grpSpPr>
         <p:sp>
           <p:nvSpPr>
-            <p:cNvPr id="164" name="CustomShape 10"/>
-            <p:cNvSpPr/>
-            <p:nvPr/>
-          </p:nvSpPr>
-          <p:spPr>
-            <a:xfrm>
-              <a:off x="3186360" y="717840"/>
-              <a:ext cx="930240" cy="183960"/>
+            <p:cNvPr id="142" name="CustomShape 13"/>
+            <p:cNvSpPr/>
+            <p:nvPr/>
+          </p:nvSpPr>
+          <p:spPr>
+            <a:xfrm>
+              <a:off x="3327840" y="1441440"/>
+              <a:ext cx="856440" cy="126360"/>
             </a:xfrm>
             <a:prstGeom prst="rect">
               <a:avLst/>
@@ -7862,14 +7507,14 @@
         </p:sp>
         <p:sp>
           <p:nvSpPr>
-            <p:cNvPr id="165" name="CustomShape 11"/>
-            <p:cNvSpPr/>
-            <p:nvPr/>
-          </p:nvSpPr>
-          <p:spPr>
-            <a:xfrm>
-              <a:off x="3186360" y="1199520"/>
-              <a:ext cx="930240" cy="183960"/>
+            <p:cNvPr id="143" name="CustomShape 14"/>
+            <p:cNvSpPr/>
+            <p:nvPr/>
+          </p:nvSpPr>
+          <p:spPr>
+            <a:xfrm>
+              <a:off x="3327840" y="1771920"/>
+              <a:ext cx="856440" cy="126360"/>
             </a:xfrm>
             <a:prstGeom prst="rect">
               <a:avLst/>
@@ -7890,14 +7535,14 @@
         </p:sp>
         <p:sp>
           <p:nvSpPr>
-            <p:cNvPr id="166" name="CustomShape 12"/>
-            <p:cNvSpPr/>
-            <p:nvPr/>
-          </p:nvSpPr>
-          <p:spPr>
-            <a:xfrm>
-              <a:off x="3186360" y="1681560"/>
-              <a:ext cx="930240" cy="183960"/>
+            <p:cNvPr id="144" name="CustomShape 15"/>
+            <p:cNvSpPr/>
+            <p:nvPr/>
+          </p:nvSpPr>
+          <p:spPr>
+            <a:xfrm>
+              <a:off x="3327840" y="2102760"/>
+              <a:ext cx="856440" cy="126360"/>
             </a:xfrm>
             <a:prstGeom prst="rect">
               <a:avLst/>
@@ -7918,14 +7563,14 @@
         </p:sp>
         <p:sp>
           <p:nvSpPr>
-            <p:cNvPr id="167" name="CustomShape 13"/>
-            <p:cNvSpPr/>
-            <p:nvPr/>
-          </p:nvSpPr>
-          <p:spPr>
-            <a:xfrm>
-              <a:off x="3186360" y="1681560"/>
-              <a:ext cx="930240" cy="183960"/>
+            <p:cNvPr id="145" name="CustomShape 16"/>
+            <p:cNvSpPr/>
+            <p:nvPr/>
+          </p:nvSpPr>
+          <p:spPr>
+            <a:xfrm>
+              <a:off x="3327840" y="2102760"/>
+              <a:ext cx="856440" cy="126360"/>
             </a:xfrm>
             <a:prstGeom prst="rect">
               <a:avLst/>
@@ -7946,14 +7591,14 @@
         </p:sp>
         <p:sp>
           <p:nvSpPr>
-            <p:cNvPr id="168" name="CustomShape 14"/>
-            <p:cNvSpPr/>
-            <p:nvPr/>
-          </p:nvSpPr>
-          <p:spPr>
-            <a:xfrm>
-              <a:off x="3186360" y="2163240"/>
-              <a:ext cx="930240" cy="184320"/>
+            <p:cNvPr id="146" name="CustomShape 17"/>
+            <p:cNvSpPr/>
+            <p:nvPr/>
+          </p:nvSpPr>
+          <p:spPr>
+            <a:xfrm>
+              <a:off x="3327840" y="2433240"/>
+              <a:ext cx="856440" cy="126720"/>
             </a:xfrm>
             <a:prstGeom prst="rect">
               <a:avLst/>
@@ -7974,14 +7619,14 @@
         </p:sp>
         <p:sp>
           <p:nvSpPr>
-            <p:cNvPr id="169" name="CustomShape 15"/>
-            <p:cNvSpPr/>
-            <p:nvPr/>
-          </p:nvSpPr>
-          <p:spPr>
-            <a:xfrm>
-              <a:off x="3186360" y="2645280"/>
-              <a:ext cx="930240" cy="184320"/>
+            <p:cNvPr id="147" name="CustomShape 18"/>
+            <p:cNvSpPr/>
+            <p:nvPr/>
+          </p:nvSpPr>
+          <p:spPr>
+            <a:xfrm>
+              <a:off x="3327840" y="2764080"/>
+              <a:ext cx="856440" cy="126360"/>
             </a:xfrm>
             <a:prstGeom prst="rect">
               <a:avLst/>
@@ -8002,14 +7647,14 @@
         </p:sp>
         <p:sp>
           <p:nvSpPr>
-            <p:cNvPr id="170" name="Freeform 16"/>
-            <p:cNvSpPr/>
-            <p:nvPr/>
-          </p:nvSpPr>
-          <p:spPr>
-            <a:xfrm>
-              <a:off x="2925000" y="555840"/>
-              <a:ext cx="1431360" cy="2468520"/>
+            <p:cNvPr id="148" name="Freeform 19"/>
+            <p:cNvSpPr/>
+            <p:nvPr/>
+          </p:nvSpPr>
+          <p:spPr>
+            <a:xfrm>
+              <a:off x="3087000" y="1330200"/>
+              <a:ext cx="1317960" cy="1694160"/>
             </a:xfrm>
             <a:custGeom>
               <a:avLst/>
@@ -8017,44 +7662,44 @@
               <a:ahLst/>
               <a:rect l="0" t="0" r="r" b="b"/>
               <a:pathLst>
-                <a:path w="3976" h="6857">
+                <a:path w="3661" h="4706">
                   <a:moveTo>
-                    <a:pt x="234" y="0"/>
+                    <a:pt x="216" y="0"/>
                   </a:moveTo>
                   <a:cubicBezTo>
-                    <a:pt x="351" y="0"/>
-                    <a:pt x="3858" y="0"/>
-                    <a:pt x="3858" y="0"/>
+                    <a:pt x="324" y="0"/>
+                    <a:pt x="3552" y="0"/>
+                    <a:pt x="3552" y="0"/>
                   </a:cubicBezTo>
                   <a:lnTo>
-                    <a:pt x="3858" y="1511"/>
-                  </a:lnTo>
-                  <a:lnTo>
-                    <a:pt x="117" y="1511"/>
-                  </a:lnTo>
-                  <a:lnTo>
-                    <a:pt x="117" y="2789"/>
-                  </a:lnTo>
-                  <a:lnTo>
-                    <a:pt x="3858" y="2789"/>
-                  </a:lnTo>
-                  <a:lnTo>
-                    <a:pt x="3858" y="4183"/>
-                  </a:lnTo>
-                  <a:lnTo>
-                    <a:pt x="117" y="4300"/>
-                  </a:lnTo>
-                  <a:lnTo>
-                    <a:pt x="234" y="5462"/>
-                  </a:lnTo>
-                  <a:lnTo>
-                    <a:pt x="3975" y="5462"/>
-                  </a:lnTo>
-                  <a:lnTo>
-                    <a:pt x="3858" y="6740"/>
-                  </a:lnTo>
-                  <a:lnTo>
-                    <a:pt x="0" y="6856"/>
+                    <a:pt x="3552" y="1037"/>
+                  </a:lnTo>
+                  <a:lnTo>
+                    <a:pt x="108" y="1037"/>
+                  </a:lnTo>
+                  <a:lnTo>
+                    <a:pt x="108" y="1914"/>
+                  </a:lnTo>
+                  <a:lnTo>
+                    <a:pt x="3552" y="1914"/>
+                  </a:lnTo>
+                  <a:lnTo>
+                    <a:pt x="3552" y="2871"/>
+                  </a:lnTo>
+                  <a:lnTo>
+                    <a:pt x="108" y="2951"/>
+                  </a:lnTo>
+                  <a:lnTo>
+                    <a:pt x="216" y="3748"/>
+                  </a:lnTo>
+                  <a:lnTo>
+                    <a:pt x="3660" y="3748"/>
+                  </a:lnTo>
+                  <a:lnTo>
+                    <a:pt x="3552" y="4625"/>
+                  </a:lnTo>
+                  <a:lnTo>
+                    <a:pt x="0" y="4705"/>
                   </a:lnTo>
                 </a:path>
               </a:pathLst>
@@ -8072,28 +7717,28 @@
       </p:grpSp>
       <p:grpSp>
         <p:nvGrpSpPr>
-          <p:cNvPr id="171" name="Group 17"/>
+          <p:cNvPr id="149" name="Group 20"/>
           <p:cNvGrpSpPr/>
           <p:nvPr/>
         </p:nvGrpSpPr>
         <p:grpSpPr>
           <a:xfrm>
-            <a:off x="5076360" y="468000"/>
-            <a:ext cx="1547640" cy="2556000"/>
-            <a:chOff x="5076360" y="468000"/>
-            <a:chExt cx="1547640" cy="2556000"/>
+            <a:off x="5499720" y="1270080"/>
+            <a:ext cx="1424880" cy="1753920"/>
+            <a:chOff x="5499720" y="1270080"/>
+            <a:chExt cx="1424880" cy="1753920"/>
           </a:xfrm>
         </p:grpSpPr>
         <p:sp>
           <p:nvSpPr>
-            <p:cNvPr id="172" name="CustomShape 18"/>
-            <p:cNvSpPr/>
-            <p:nvPr/>
-          </p:nvSpPr>
-          <p:spPr>
-            <a:xfrm>
-              <a:off x="5393880" y="787320"/>
-              <a:ext cx="855360" cy="178200"/>
+            <p:cNvPr id="150" name="CustomShape 21"/>
+            <p:cNvSpPr/>
+            <p:nvPr/>
+          </p:nvSpPr>
+          <p:spPr>
+            <a:xfrm>
+              <a:off x="5792040" y="1488960"/>
+              <a:ext cx="787680" cy="122400"/>
             </a:xfrm>
             <a:prstGeom prst="rect">
               <a:avLst/>
@@ -8114,14 +7759,14 @@
         </p:sp>
         <p:sp>
           <p:nvSpPr>
-            <p:cNvPr id="173" name="CustomShape 19"/>
-            <p:cNvSpPr/>
-            <p:nvPr/>
-          </p:nvSpPr>
-          <p:spPr>
-            <a:xfrm>
-              <a:off x="5393880" y="1254240"/>
-              <a:ext cx="855360" cy="178560"/>
+            <p:cNvPr id="151" name="CustomShape 22"/>
+            <p:cNvSpPr/>
+            <p:nvPr/>
+          </p:nvSpPr>
+          <p:spPr>
+            <a:xfrm>
+              <a:off x="5792040" y="1809360"/>
+              <a:ext cx="787680" cy="122760"/>
             </a:xfrm>
             <a:prstGeom prst="rect">
               <a:avLst/>
@@ -8142,14 +7787,14 @@
         </p:sp>
         <p:sp>
           <p:nvSpPr>
-            <p:cNvPr id="174" name="CustomShape 20"/>
-            <p:cNvSpPr/>
-            <p:nvPr/>
-          </p:nvSpPr>
-          <p:spPr>
-            <a:xfrm>
-              <a:off x="5393880" y="1721880"/>
-              <a:ext cx="855360" cy="178560"/>
+            <p:cNvPr id="152" name="CustomShape 23"/>
+            <p:cNvSpPr/>
+            <p:nvPr/>
+          </p:nvSpPr>
+          <p:spPr>
+            <a:xfrm>
+              <a:off x="5792040" y="2130480"/>
+              <a:ext cx="787680" cy="122400"/>
             </a:xfrm>
             <a:prstGeom prst="rect">
               <a:avLst/>
@@ -8170,14 +7815,14 @@
         </p:sp>
         <p:sp>
           <p:nvSpPr>
-            <p:cNvPr id="175" name="CustomShape 21"/>
-            <p:cNvSpPr/>
-            <p:nvPr/>
-          </p:nvSpPr>
-          <p:spPr>
-            <a:xfrm>
-              <a:off x="5393880" y="1721880"/>
-              <a:ext cx="855360" cy="178560"/>
+            <p:cNvPr id="153" name="CustomShape 24"/>
+            <p:cNvSpPr/>
+            <p:nvPr/>
+          </p:nvSpPr>
+          <p:spPr>
+            <a:xfrm>
+              <a:off x="5792040" y="2130480"/>
+              <a:ext cx="787680" cy="122400"/>
             </a:xfrm>
             <a:prstGeom prst="rect">
               <a:avLst/>
@@ -8198,14 +7843,14 @@
         </p:sp>
         <p:sp>
           <p:nvSpPr>
-            <p:cNvPr id="176" name="CustomShape 22"/>
-            <p:cNvSpPr/>
-            <p:nvPr/>
-          </p:nvSpPr>
-          <p:spPr>
-            <a:xfrm>
-              <a:off x="5393880" y="2189160"/>
-              <a:ext cx="855360" cy="178560"/>
+            <p:cNvPr id="154" name="CustomShape 25"/>
+            <p:cNvSpPr/>
+            <p:nvPr/>
+          </p:nvSpPr>
+          <p:spPr>
+            <a:xfrm>
+              <a:off x="5792040" y="2451240"/>
+              <a:ext cx="787680" cy="122400"/>
             </a:xfrm>
             <a:prstGeom prst="rect">
               <a:avLst/>
@@ -8226,14 +7871,14 @@
         </p:sp>
         <p:sp>
           <p:nvSpPr>
-            <p:cNvPr id="177" name="CustomShape 23"/>
-            <p:cNvSpPr/>
-            <p:nvPr/>
-          </p:nvSpPr>
-          <p:spPr>
-            <a:xfrm>
-              <a:off x="5393880" y="2656440"/>
-              <a:ext cx="855360" cy="178920"/>
+            <p:cNvPr id="155" name="CustomShape 26"/>
+            <p:cNvSpPr/>
+            <p:nvPr/>
+          </p:nvSpPr>
+          <p:spPr>
+            <a:xfrm>
+              <a:off x="5792040" y="2771640"/>
+              <a:ext cx="787680" cy="122760"/>
             </a:xfrm>
             <a:prstGeom prst="rect">
               <a:avLst/>
@@ -8254,14 +7899,14 @@
         </p:sp>
         <p:sp>
           <p:nvSpPr>
-            <p:cNvPr id="178" name="Freeform 24"/>
-            <p:cNvSpPr/>
-            <p:nvPr/>
-          </p:nvSpPr>
-          <p:spPr>
-            <a:xfrm>
-              <a:off x="5153760" y="1766160"/>
-              <a:ext cx="1315800" cy="1258200"/>
+            <p:cNvPr id="156" name="Freeform 27"/>
+            <p:cNvSpPr/>
+            <p:nvPr/>
+          </p:nvSpPr>
+          <p:spPr>
+            <a:xfrm>
+              <a:off x="5571000" y="2160720"/>
+              <a:ext cx="1211400" cy="863640"/>
             </a:xfrm>
             <a:custGeom>
               <a:avLst/>
@@ -8269,27 +7914,27 @@
               <a:ahLst/>
               <a:rect l="0" t="0" r="r" b="b"/>
               <a:pathLst>
-                <a:path w="3655" h="3495">
+                <a:path w="3365" h="2399">
                   <a:moveTo>
-                    <a:pt x="3547" y="0"/>
+                    <a:pt x="3266" y="0"/>
                   </a:moveTo>
                   <a:lnTo>
-                    <a:pt x="3547" y="902"/>
-                  </a:lnTo>
-                  <a:lnTo>
-                    <a:pt x="107" y="1014"/>
-                  </a:lnTo>
-                  <a:lnTo>
-                    <a:pt x="215" y="2141"/>
-                  </a:lnTo>
-                  <a:lnTo>
-                    <a:pt x="3654" y="2141"/>
-                  </a:lnTo>
-                  <a:lnTo>
-                    <a:pt x="3547" y="3381"/>
-                  </a:lnTo>
-                  <a:lnTo>
-                    <a:pt x="0" y="3494"/>
+                    <a:pt x="3266" y="619"/>
+                  </a:lnTo>
+                  <a:lnTo>
+                    <a:pt x="99" y="696"/>
+                  </a:lnTo>
+                  <a:lnTo>
+                    <a:pt x="198" y="1470"/>
+                  </a:lnTo>
+                  <a:lnTo>
+                    <a:pt x="3364" y="1470"/>
+                  </a:lnTo>
+                  <a:lnTo>
+                    <a:pt x="3266" y="2320"/>
+                  </a:lnTo>
+                  <a:lnTo>
+                    <a:pt x="0" y="2398"/>
                   </a:lnTo>
                 </a:path>
               </a:pathLst>
@@ -8306,14 +7951,14 @@
         </p:sp>
         <p:sp>
           <p:nvSpPr>
-            <p:cNvPr id="179" name="Freeform 25"/>
-            <p:cNvSpPr/>
-            <p:nvPr/>
-          </p:nvSpPr>
-          <p:spPr>
-            <a:xfrm>
-              <a:off x="5076360" y="468000"/>
-              <a:ext cx="1548000" cy="1298880"/>
+            <p:cNvPr id="157" name="Freeform 28"/>
+            <p:cNvSpPr/>
+            <p:nvPr/>
+          </p:nvSpPr>
+          <p:spPr>
+            <a:xfrm>
+              <a:off x="5499720" y="1270080"/>
+              <a:ext cx="1425240" cy="891360"/>
             </a:xfrm>
             <a:custGeom>
               <a:avLst/>
@@ -8321,41 +7966,41 @@
               <a:ahLst/>
               <a:rect l="0" t="0" r="r" b="b"/>
               <a:pathLst>
-                <a:path w="4300" h="3608">
+                <a:path w="3959" h="2476">
                   <a:moveTo>
-                    <a:pt x="0" y="3155"/>
+                    <a:pt x="0" y="2165"/>
                   </a:moveTo>
                   <a:cubicBezTo>
-                    <a:pt x="3869" y="2930"/>
-                    <a:pt x="3761" y="2705"/>
-                    <a:pt x="3761" y="2705"/>
+                    <a:pt x="3562" y="2010"/>
+                    <a:pt x="3463" y="1856"/>
+                    <a:pt x="3463" y="1856"/>
                   </a:cubicBezTo>
                   <a:lnTo>
-                    <a:pt x="3762" y="338"/>
-                  </a:lnTo>
-                  <a:lnTo>
-                    <a:pt x="430" y="338"/>
-                  </a:lnTo>
-                  <a:lnTo>
-                    <a:pt x="323" y="1915"/>
-                  </a:lnTo>
-                  <a:lnTo>
-                    <a:pt x="4191" y="1804"/>
-                  </a:lnTo>
-                  <a:lnTo>
-                    <a:pt x="4299" y="0"/>
+                    <a:pt x="3463" y="232"/>
+                  </a:lnTo>
+                  <a:lnTo>
+                    <a:pt x="396" y="231"/>
+                  </a:lnTo>
+                  <a:lnTo>
+                    <a:pt x="297" y="1314"/>
+                  </a:lnTo>
+                  <a:lnTo>
+                    <a:pt x="3859" y="1237"/>
+                  </a:lnTo>
+                  <a:lnTo>
+                    <a:pt x="3958" y="0"/>
                   </a:lnTo>
                   <a:lnTo>
                     <a:pt x="0" y="0"/>
                   </a:lnTo>
                   <a:lnTo>
-                    <a:pt x="0" y="2705"/>
-                  </a:lnTo>
-                  <a:lnTo>
-                    <a:pt x="3761" y="3043"/>
-                  </a:lnTo>
-                  <a:lnTo>
-                    <a:pt x="3761" y="3607"/>
+                    <a:pt x="0" y="1856"/>
+                  </a:lnTo>
+                  <a:lnTo>
+                    <a:pt x="3463" y="2088"/>
+                  </a:lnTo>
+                  <a:lnTo>
+                    <a:pt x="3463" y="2475"/>
                   </a:lnTo>
                 </a:path>
               </a:pathLst>
@@ -8372,14 +8017,14 @@
         </p:sp>
         <p:sp>
           <p:nvSpPr>
-            <p:cNvPr id="180" name="Line 26"/>
-            <p:cNvSpPr/>
-            <p:nvPr/>
-          </p:nvSpPr>
-          <p:spPr>
-            <a:xfrm>
-              <a:off x="5656680" y="589680"/>
-              <a:ext cx="232200" cy="0"/>
+            <p:cNvPr id="158" name="Line 29"/>
+            <p:cNvSpPr/>
+            <p:nvPr/>
+          </p:nvSpPr>
+          <p:spPr>
+            <a:xfrm>
+              <a:off x="6033960" y="1353600"/>
+              <a:ext cx="213840" cy="0"/>
             </a:xfrm>
             <a:prstGeom prst="line">
               <a:avLst/>
@@ -8401,14 +8046,14 @@
         </p:sp>
         <p:sp>
           <p:nvSpPr>
-            <p:cNvPr id="181" name="Line 27"/>
-            <p:cNvSpPr/>
-            <p:nvPr/>
-          </p:nvSpPr>
-          <p:spPr>
-            <a:xfrm>
-              <a:off x="5114880" y="1604160"/>
-              <a:ext cx="193320" cy="0"/>
+            <p:cNvPr id="159" name="Line 30"/>
+            <p:cNvSpPr/>
+            <p:nvPr/>
+          </p:nvSpPr>
+          <p:spPr>
+            <a:xfrm>
+              <a:off x="5535360" y="2049480"/>
+              <a:ext cx="177840" cy="0"/>
             </a:xfrm>
             <a:prstGeom prst="line">
               <a:avLst/>
@@ -8430,14 +8075,14 @@
         </p:sp>
         <p:sp>
           <p:nvSpPr>
-            <p:cNvPr id="182" name="Line 28"/>
+            <p:cNvPr id="160" name="Line 31"/>
             <p:cNvSpPr/>
             <p:nvPr/>
           </p:nvSpPr>
           <p:spPr>
             <a:xfrm flipV="1">
-              <a:off x="6430680" y="1238760"/>
-              <a:ext cx="0" cy="162360"/>
+              <a:off x="6746760" y="1798920"/>
+              <a:ext cx="0" cy="111240"/>
             </a:xfrm>
             <a:prstGeom prst="line">
               <a:avLst/>
@@ -8458,349 +8103,16 @@
           </p:style>
         </p:sp>
       </p:grpSp>
-      <p:grpSp>
-        <p:nvGrpSpPr>
-          <p:cNvPr id="183" name="Group 29"/>
-          <p:cNvGrpSpPr/>
-          <p:nvPr/>
-        </p:nvGrpSpPr>
-        <p:grpSpPr>
-          <a:xfrm>
-            <a:off x="7897320" y="432000"/>
-            <a:ext cx="1606680" cy="2448000"/>
-            <a:chOff x="7897320" y="432000"/>
-            <a:chExt cx="1606680" cy="2448000"/>
-          </a:xfrm>
-        </p:grpSpPr>
-        <p:sp>
-          <p:nvSpPr>
-            <p:cNvPr id="184" name="CustomShape 30"/>
-            <p:cNvSpPr/>
-            <p:nvPr/>
-          </p:nvSpPr>
-          <p:spPr>
-            <a:xfrm>
-              <a:off x="8227080" y="761760"/>
-              <a:ext cx="887760" cy="184680"/>
-            </a:xfrm>
-            <a:prstGeom prst="rect">
-              <a:avLst/>
-            </a:prstGeom>
-            <a:solidFill>
-              <a:srgbClr val="000000"/>
-            </a:solidFill>
-            <a:ln>
-              <a:noFill/>
-            </a:ln>
-          </p:spPr>
-          <p:style>
-            <a:lnRef idx="0"/>
-            <a:fillRef idx="0"/>
-            <a:effectRef idx="0"/>
-            <a:fontRef idx="minor"/>
-          </p:style>
-        </p:sp>
-        <p:sp>
-          <p:nvSpPr>
-            <p:cNvPr id="185" name="CustomShape 31"/>
-            <p:cNvSpPr/>
-            <p:nvPr/>
-          </p:nvSpPr>
-          <p:spPr>
-            <a:xfrm>
-              <a:off x="8227080" y="1245240"/>
-              <a:ext cx="887760" cy="184680"/>
-            </a:xfrm>
-            <a:prstGeom prst="rect">
-              <a:avLst/>
-            </a:prstGeom>
-            <a:solidFill>
-              <a:srgbClr val="000000"/>
-            </a:solidFill>
-            <a:ln>
-              <a:noFill/>
-            </a:ln>
-          </p:spPr>
-          <p:style>
-            <a:lnRef idx="0"/>
-            <a:fillRef idx="0"/>
-            <a:effectRef idx="0"/>
-            <a:fontRef idx="minor"/>
-          </p:style>
-        </p:sp>
-        <p:sp>
-          <p:nvSpPr>
-            <p:cNvPr id="186" name="CustomShape 32"/>
-            <p:cNvSpPr/>
-            <p:nvPr/>
-          </p:nvSpPr>
-          <p:spPr>
-            <a:xfrm>
-              <a:off x="8227080" y="1728720"/>
-              <a:ext cx="887760" cy="184680"/>
-            </a:xfrm>
-            <a:prstGeom prst="rect">
-              <a:avLst/>
-            </a:prstGeom>
-            <a:solidFill>
-              <a:srgbClr val="000000"/>
-            </a:solidFill>
-            <a:ln>
-              <a:noFill/>
-            </a:ln>
-          </p:spPr>
-          <p:style>
-            <a:lnRef idx="0"/>
-            <a:fillRef idx="0"/>
-            <a:effectRef idx="0"/>
-            <a:fontRef idx="minor"/>
-          </p:style>
-        </p:sp>
-        <p:sp>
-          <p:nvSpPr>
-            <p:cNvPr id="187" name="CustomShape 33"/>
-            <p:cNvSpPr/>
-            <p:nvPr/>
-          </p:nvSpPr>
-          <p:spPr>
-            <a:xfrm>
-              <a:off x="8227080" y="1728720"/>
-              <a:ext cx="887760" cy="184680"/>
-            </a:xfrm>
-            <a:prstGeom prst="rect">
-              <a:avLst/>
-            </a:prstGeom>
-            <a:solidFill>
-              <a:srgbClr val="000000"/>
-            </a:solidFill>
-            <a:ln>
-              <a:noFill/>
-            </a:ln>
-          </p:spPr>
-          <p:style>
-            <a:lnRef idx="0"/>
-            <a:fillRef idx="0"/>
-            <a:effectRef idx="0"/>
-            <a:fontRef idx="minor"/>
-          </p:style>
-        </p:sp>
-        <p:sp>
-          <p:nvSpPr>
-            <p:cNvPr id="188" name="CustomShape 34"/>
-            <p:cNvSpPr/>
-            <p:nvPr/>
-          </p:nvSpPr>
-          <p:spPr>
-            <a:xfrm>
-              <a:off x="8227080" y="2211840"/>
-              <a:ext cx="887760" cy="184320"/>
-            </a:xfrm>
-            <a:prstGeom prst="rect">
-              <a:avLst/>
-            </a:prstGeom>
-            <a:solidFill>
-              <a:srgbClr val="000000"/>
-            </a:solidFill>
-            <a:ln>
-              <a:noFill/>
-            </a:ln>
-          </p:spPr>
-          <p:style>
-            <a:lnRef idx="0"/>
-            <a:fillRef idx="0"/>
-            <a:effectRef idx="0"/>
-            <a:fontRef idx="minor"/>
-          </p:style>
-        </p:sp>
-        <p:sp>
-          <p:nvSpPr>
-            <p:cNvPr id="189" name="CustomShape 35"/>
-            <p:cNvSpPr/>
-            <p:nvPr/>
-          </p:nvSpPr>
-          <p:spPr>
-            <a:xfrm>
-              <a:off x="8227080" y="2695320"/>
-              <a:ext cx="887760" cy="184680"/>
-            </a:xfrm>
-            <a:prstGeom prst="rect">
-              <a:avLst/>
-            </a:prstGeom>
-            <a:solidFill>
-              <a:srgbClr val="000000"/>
-            </a:solidFill>
-            <a:ln>
-              <a:noFill/>
-            </a:ln>
-          </p:spPr>
-          <p:style>
-            <a:lnRef idx="0"/>
-            <a:fillRef idx="0"/>
-            <a:effectRef idx="0"/>
-            <a:fontRef idx="minor"/>
-          </p:style>
-        </p:sp>
-        <p:sp>
-          <p:nvSpPr>
-            <p:cNvPr id="190" name="Freeform 36"/>
-            <p:cNvSpPr/>
-            <p:nvPr/>
-          </p:nvSpPr>
-          <p:spPr>
-            <a:xfrm>
-              <a:off x="7897320" y="432000"/>
-              <a:ext cx="1607040" cy="1175400"/>
-            </a:xfrm>
-            <a:custGeom>
-              <a:avLst/>
-              <a:gdLst/>
-              <a:ahLst/>
-              <a:rect l="0" t="0" r="r" b="b"/>
-              <a:pathLst>
-                <a:path w="4464" h="3265">
-                  <a:moveTo>
-                    <a:pt x="0" y="3264"/>
-                  </a:moveTo>
-                  <a:cubicBezTo>
-                    <a:pt x="4016" y="3030"/>
-                    <a:pt x="3905" y="2797"/>
-                    <a:pt x="3905" y="2797"/>
-                  </a:cubicBezTo>
-                  <a:lnTo>
-                    <a:pt x="3905" y="350"/>
-                  </a:lnTo>
-                  <a:lnTo>
-                    <a:pt x="446" y="350"/>
-                  </a:lnTo>
-                  <a:lnTo>
-                    <a:pt x="335" y="1981"/>
-                  </a:lnTo>
-                  <a:lnTo>
-                    <a:pt x="4351" y="1865"/>
-                  </a:lnTo>
-                  <a:lnTo>
-                    <a:pt x="4463" y="0"/>
-                  </a:lnTo>
-                  <a:lnTo>
-                    <a:pt x="0" y="0"/>
-                  </a:lnTo>
-                  <a:lnTo>
-                    <a:pt x="0" y="2797"/>
-                  </a:lnTo>
-                  <a:lnTo>
-                    <a:pt x="0" y="2681"/>
-                  </a:lnTo>
-                </a:path>
-              </a:pathLst>
-            </a:custGeom>
-            <a:ln w="38160">
-              <a:solidFill>
-                <a:srgbClr val="ff3838"/>
-              </a:solidFill>
-              <a:prstDash val="sysDot"/>
-              <a:round/>
-              <a:tailEnd len="med" type="triangle" w="med"/>
-            </a:ln>
-          </p:spPr>
-        </p:sp>
-        <p:sp>
-          <p:nvSpPr>
-            <p:cNvPr id="191" name="Line 37"/>
-            <p:cNvSpPr/>
-            <p:nvPr/>
-          </p:nvSpPr>
-          <p:spPr>
-            <a:xfrm>
-              <a:off x="8499960" y="558000"/>
-              <a:ext cx="240840" cy="0"/>
-            </a:xfrm>
-            <a:prstGeom prst="line">
-              <a:avLst/>
-            </a:prstGeom>
-            <a:ln w="38160">
-              <a:solidFill>
-                <a:srgbClr val="ff3838"/>
-              </a:solidFill>
-              <a:round/>
-              <a:headEnd len="med" type="triangle" w="med"/>
-            </a:ln>
-          </p:spPr>
-          <p:style>
-            <a:lnRef idx="0"/>
-            <a:fillRef idx="0"/>
-            <a:effectRef idx="0"/>
-            <a:fontRef idx="minor"/>
-          </p:style>
-        </p:sp>
-        <p:sp>
-          <p:nvSpPr>
-            <p:cNvPr id="192" name="Line 38"/>
-            <p:cNvSpPr/>
-            <p:nvPr/>
-          </p:nvSpPr>
-          <p:spPr>
-            <a:xfrm>
-              <a:off x="7937640" y="1606680"/>
-              <a:ext cx="200880" cy="0"/>
-            </a:xfrm>
-            <a:prstGeom prst="line">
-              <a:avLst/>
-            </a:prstGeom>
-            <a:ln w="38160">
-              <a:solidFill>
-                <a:srgbClr val="ff3838"/>
-              </a:solidFill>
-              <a:round/>
-              <a:tailEnd len="med" type="triangle" w="med"/>
-            </a:ln>
-          </p:spPr>
-          <p:style>
-            <a:lnRef idx="0"/>
-            <a:fillRef idx="0"/>
-            <a:effectRef idx="0"/>
-            <a:fontRef idx="minor"/>
-          </p:style>
-        </p:sp>
-        <p:sp>
-          <p:nvSpPr>
-            <p:cNvPr id="193" name="Line 39"/>
-            <p:cNvSpPr/>
-            <p:nvPr/>
-          </p:nvSpPr>
-          <p:spPr>
-            <a:xfrm flipV="1">
-              <a:off x="9303120" y="1229040"/>
-              <a:ext cx="0" cy="167760"/>
-            </a:xfrm>
-            <a:prstGeom prst="line">
-              <a:avLst/>
-            </a:prstGeom>
-            <a:ln w="38160">
-              <a:solidFill>
-                <a:srgbClr val="ff3838"/>
-              </a:solidFill>
-              <a:round/>
-              <a:tailEnd len="med" type="triangle" w="med"/>
-            </a:ln>
-          </p:spPr>
-          <p:style>
-            <a:lnRef idx="0"/>
-            <a:fillRef idx="0"/>
-            <a:effectRef idx="0"/>
-            <a:fontRef idx="minor"/>
-          </p:style>
-        </p:sp>
-      </p:grpSp>
-      <p:sp>
-        <p:nvSpPr>
-          <p:cNvPr id="194" name="TextShape 40"/>
+      <p:sp>
+        <p:nvSpPr>
+          <p:cNvPr id="161" name="TextShape 32"/>
           <p:cNvSpPr txBox="1"/>
           <p:nvPr/>
         </p:nvSpPr>
         <p:spPr>
           <a:xfrm>
-            <a:off x="7560000" y="4248000"/>
-            <a:ext cx="2256480" cy="430560"/>
+            <a:off x="475200" y="3312000"/>
+            <a:ext cx="1576800" cy="402840"/>
           </a:xfrm>
           <a:prstGeom prst="rect">
             <a:avLst/>
@@ -8816,90 +8128,322 @@
           </a:bodyPr>
           <a:p>
             <a:r>
-              <a:rPr b="1" lang="en-GB" sz="2400" spc="-1" strike="noStrike">
-                <a:solidFill>
-                  <a:srgbClr val="5b36ed"/>
-                </a:solidFill>
-                <a:latin typeface="Arial"/>
-              </a:rPr>
-              <a:t>WebAssembly</a:t>
-            </a:r>
-            <a:endParaRPr b="0" lang="en-GB" sz="2400" spc="-1" strike="noStrike">
+              <a:rPr b="1" lang="en-GB" sz="2200" spc="-1" strike="noStrike">
+                <a:latin typeface="Arial"/>
+              </a:rPr>
+              <a:t>Interpreter</a:t>
+            </a:r>
+            <a:endParaRPr b="0" lang="en-GB" sz="2200" spc="-1" strike="noStrike">
               <a:latin typeface="Arial"/>
             </a:endParaRPr>
           </a:p>
         </p:txBody>
       </p:sp>
-      <p:pic>
-        <p:nvPicPr>
-          <p:cNvPr id="195" name="" descr=""/>
-          <p:cNvPicPr/>
+      <p:sp>
+        <p:nvSpPr>
+          <p:cNvPr id="162" name="TextShape 33"/>
+          <p:cNvSpPr txBox="1"/>
           <p:nvPr/>
-        </p:nvPicPr>
-        <p:blipFill>
-          <a:blip r:embed="rId1"/>
-          <a:stretch/>
-        </p:blipFill>
-        <p:spPr>
-          <a:xfrm>
-            <a:off x="8784000" y="3456000"/>
-            <a:ext cx="648000" cy="648000"/>
-          </a:xfrm>
-          <a:prstGeom prst="rect">
-            <a:avLst/>
-          </a:prstGeom>
+        </p:nvSpPr>
+        <p:spPr>
+          <a:xfrm>
+            <a:off x="324000" y="3816000"/>
+            <a:ext cx="1800000" cy="1506960"/>
+          </a:xfrm>
+          <a:prstGeom prst="rect">
+            <a:avLst/>
+          </a:prstGeom>
+          <a:noFill/>
           <a:ln>
             <a:noFill/>
           </a:ln>
         </p:spPr>
-      </p:pic>
-      <p:sp>
-        <p:nvSpPr>
-          <p:cNvPr id="196" name="CustomShape 41"/>
+        <p:txBody>
+          <a:bodyPr lIns="90000" rIns="90000" tIns="45000" bIns="45000">
+            <a:spAutoFit/>
+          </a:bodyPr>
+          <a:p>
+            <a:pPr algn="ctr"/>
+            <a:r>
+              <a:rPr b="1" lang="en-GB" sz="1600" spc="-1" strike="noStrike">
+                <a:latin typeface="Arial"/>
+              </a:rPr>
+              <a:t>Immediately </a:t>
+            </a:r>
+            <a:endParaRPr b="1" lang="en-GB" sz="1600" spc="-1" strike="noStrike">
+              <a:latin typeface="Arial"/>
+            </a:endParaRPr>
+          </a:p>
+          <a:p>
+            <a:pPr algn="ctr"/>
+            <a:r>
+              <a:rPr b="1" lang="en-GB" sz="1600" spc="-1" strike="noStrike">
+                <a:latin typeface="Arial"/>
+              </a:rPr>
+              <a:t>runs</a:t>
+            </a:r>
+            <a:endParaRPr b="1" lang="en-GB" sz="1600" spc="-1" strike="noStrike">
+              <a:latin typeface="Arial"/>
+            </a:endParaRPr>
+          </a:p>
+          <a:p>
+            <a:pPr algn="ctr"/>
+            <a:endParaRPr b="1" lang="en-GB" sz="1600" spc="-1" strike="noStrike">
+              <a:latin typeface="Arial"/>
+            </a:endParaRPr>
+          </a:p>
+          <a:p>
+            <a:pPr algn="ctr"/>
+            <a:r>
+              <a:rPr b="1" lang="en-GB" sz="1600" spc="-1" strike="noStrike">
+                <a:latin typeface="Arial"/>
+              </a:rPr>
+              <a:t>Not so efficient; </a:t>
+            </a:r>
+            <a:endParaRPr b="1" lang="en-GB" sz="1600" spc="-1" strike="noStrike">
+              <a:latin typeface="Arial"/>
+            </a:endParaRPr>
+          </a:p>
+          <a:p>
+            <a:pPr algn="ctr"/>
+            <a:r>
+              <a:rPr b="1" lang="en-GB" sz="1600" spc="-1" strike="noStrike">
+                <a:latin typeface="Arial"/>
+              </a:rPr>
+              <a:t>can run slow</a:t>
+            </a:r>
+            <a:endParaRPr b="1" lang="en-GB" sz="1600" spc="-1" strike="noStrike">
+              <a:latin typeface="Arial"/>
+            </a:endParaRPr>
+          </a:p>
+        </p:txBody>
+      </p:sp>
+      <p:sp>
+        <p:nvSpPr>
+          <p:cNvPr id="163" name="TextShape 34"/>
+          <p:cNvSpPr txBox="1"/>
+          <p:nvPr/>
+        </p:nvSpPr>
+        <p:spPr>
+          <a:xfrm>
+            <a:off x="3067200" y="3312000"/>
+            <a:ext cx="1576800" cy="402840"/>
+          </a:xfrm>
+          <a:prstGeom prst="rect">
+            <a:avLst/>
+          </a:prstGeom>
+          <a:noFill/>
+          <a:ln>
+            <a:noFill/>
+          </a:ln>
+        </p:spPr>
+        <p:txBody>
+          <a:bodyPr lIns="90000" rIns="90000" tIns="45000" bIns="45000">
+            <a:spAutoFit/>
+          </a:bodyPr>
+          <a:p>
+            <a:r>
+              <a:rPr b="1" lang="en-GB" sz="2200" spc="-1" strike="noStrike">
+                <a:latin typeface="Arial"/>
+              </a:rPr>
+              <a:t>Compiler</a:t>
+            </a:r>
+            <a:endParaRPr b="0" lang="en-GB" sz="2200" spc="-1" strike="noStrike">
+              <a:latin typeface="Arial"/>
+            </a:endParaRPr>
+          </a:p>
+        </p:txBody>
+      </p:sp>
+      <p:sp>
+        <p:nvSpPr>
+          <p:cNvPr id="164" name="TextShape 35"/>
+          <p:cNvSpPr txBox="1"/>
+          <p:nvPr/>
+        </p:nvSpPr>
+        <p:spPr>
+          <a:xfrm>
+            <a:off x="2772000" y="3744000"/>
+            <a:ext cx="1944000" cy="1506960"/>
+          </a:xfrm>
+          <a:prstGeom prst="rect">
+            <a:avLst/>
+          </a:prstGeom>
+          <a:noFill/>
+          <a:ln>
+            <a:noFill/>
+          </a:ln>
+        </p:spPr>
+        <p:txBody>
+          <a:bodyPr lIns="90000" rIns="90000" tIns="45000" bIns="45000">
+            <a:spAutoFit/>
+          </a:bodyPr>
+          <a:p>
+            <a:pPr algn="ctr"/>
+            <a:r>
+              <a:rPr b="1" lang="en-GB" sz="1600" spc="-1" strike="noStrike">
+                <a:latin typeface="Arial"/>
+              </a:rPr>
+              <a:t>Delay before running</a:t>
+            </a:r>
+            <a:endParaRPr b="1" lang="en-GB" sz="1600" spc="-1" strike="noStrike">
+              <a:latin typeface="Arial"/>
+            </a:endParaRPr>
+          </a:p>
+          <a:p>
+            <a:pPr algn="ctr"/>
+            <a:endParaRPr b="1" lang="en-GB" sz="1600" spc="-1" strike="noStrike">
+              <a:latin typeface="Arial"/>
+            </a:endParaRPr>
+          </a:p>
+          <a:p>
+            <a:pPr algn="ctr"/>
+            <a:r>
+              <a:rPr b="1" lang="en-GB" sz="1600" spc="-1" strike="noStrike">
+                <a:latin typeface="Arial"/>
+              </a:rPr>
+              <a:t>Runs efficiently</a:t>
+            </a:r>
+            <a:endParaRPr b="1" lang="en-GB" sz="1600" spc="-1" strike="noStrike">
+              <a:latin typeface="Arial"/>
+            </a:endParaRPr>
+          </a:p>
+        </p:txBody>
+      </p:sp>
+      <p:sp>
+        <p:nvSpPr>
+          <p:cNvPr id="165" name="TextShape 36"/>
+          <p:cNvSpPr txBox="1"/>
+          <p:nvPr/>
+        </p:nvSpPr>
+        <p:spPr>
+          <a:xfrm>
+            <a:off x="5443200" y="3312000"/>
+            <a:ext cx="1792800" cy="402840"/>
+          </a:xfrm>
+          <a:prstGeom prst="rect">
+            <a:avLst/>
+          </a:prstGeom>
+          <a:noFill/>
+          <a:ln>
+            <a:noFill/>
+          </a:ln>
+        </p:spPr>
+        <p:txBody>
+          <a:bodyPr lIns="90000" rIns="90000" tIns="45000" bIns="45000">
+            <a:spAutoFit/>
+          </a:bodyPr>
+          <a:p>
+            <a:r>
+              <a:rPr b="1" lang="en-GB" sz="2200" spc="-1" strike="noStrike">
+                <a:latin typeface="Arial"/>
+              </a:rPr>
+              <a:t>Just-in-time</a:t>
+            </a:r>
+            <a:endParaRPr b="0" lang="en-GB" sz="2200" spc="-1" strike="noStrike">
+              <a:latin typeface="Arial"/>
+            </a:endParaRPr>
+          </a:p>
+        </p:txBody>
+      </p:sp>
+      <p:sp>
+        <p:nvSpPr>
+          <p:cNvPr id="166" name="TextShape 37"/>
+          <p:cNvSpPr txBox="1"/>
+          <p:nvPr/>
+        </p:nvSpPr>
+        <p:spPr>
+          <a:xfrm>
+            <a:off x="5040000" y="3672000"/>
+            <a:ext cx="2520000" cy="1790280"/>
+          </a:xfrm>
+          <a:prstGeom prst="rect">
+            <a:avLst/>
+          </a:prstGeom>
+          <a:noFill/>
+          <a:ln>
+            <a:noFill/>
+          </a:ln>
+        </p:spPr>
+        <p:txBody>
+          <a:bodyPr lIns="90000" rIns="90000" tIns="45000" bIns="45000">
+            <a:spAutoFit/>
+          </a:bodyPr>
+          <a:p>
+            <a:pPr algn="ctr">
+              <a:lnSpc>
+                <a:spcPct val="100000"/>
+              </a:lnSpc>
+            </a:pPr>
+            <a:r>
+              <a:rPr b="1" lang="en-GB" sz="1600" spc="-1" strike="noStrike">
+                <a:latin typeface="Arial"/>
+              </a:rPr>
+              <a:t>Immediately </a:t>
+            </a:r>
+            <a:endParaRPr b="1" lang="en-GB" sz="1600" spc="-1" strike="noStrike">
+              <a:latin typeface="Arial"/>
+            </a:endParaRPr>
+          </a:p>
+          <a:p>
+            <a:pPr algn="ctr"/>
+            <a:r>
+              <a:rPr b="1" lang="en-GB" sz="1600" spc="-1" strike="noStrike">
+                <a:latin typeface="Arial"/>
+              </a:rPr>
+              <a:t>runs</a:t>
+            </a:r>
+            <a:endParaRPr b="1" lang="en-GB" sz="1600" spc="-1" strike="noStrike">
+              <a:latin typeface="Arial"/>
+            </a:endParaRPr>
+          </a:p>
+          <a:p>
+            <a:pPr algn="ctr"/>
+            <a:endParaRPr b="1" lang="en-GB" sz="1600" spc="-1" strike="noStrike">
+              <a:latin typeface="Arial"/>
+            </a:endParaRPr>
+          </a:p>
+          <a:p>
+            <a:pPr algn="ctr"/>
+            <a:r>
+              <a:rPr b="1" lang="en-GB" sz="1600" spc="-1" strike="noStrike">
+                <a:latin typeface="Arial"/>
+              </a:rPr>
+              <a:t>Runs very efficiently</a:t>
+            </a:r>
+            <a:endParaRPr b="1" lang="en-GB" sz="1600" spc="-1" strike="noStrike">
+              <a:latin typeface="Arial"/>
+            </a:endParaRPr>
+          </a:p>
+          <a:p>
+            <a:pPr algn="ctr"/>
+            <a:r>
+              <a:rPr b="1" lang="en-GB" sz="1600" spc="-1" strike="noStrike">
+                <a:latin typeface="Arial"/>
+              </a:rPr>
+              <a:t>( all browsers 2008)</a:t>
+            </a:r>
+            <a:endParaRPr b="1" lang="en-GB" sz="1600" spc="-1" strike="noStrike">
+              <a:latin typeface="Arial"/>
+            </a:endParaRPr>
+          </a:p>
+        </p:txBody>
+      </p:sp>
+      <p:sp>
+        <p:nvSpPr>
+          <p:cNvPr id="167" name="CustomShape 38"/>
           <p:cNvSpPr/>
           <p:nvPr/>
         </p:nvSpPr>
         <p:spPr>
-          <a:xfrm rot="16202400">
-            <a:off x="8422560" y="2986560"/>
-            <a:ext cx="505080" cy="361080"/>
-          </a:xfrm>
-          <a:custGeom>
-            <a:avLst/>
-            <a:gdLst/>
-            <a:ahLst/>
-            <a:rect l="0" t="0" r="r" b="b"/>
-            <a:pathLst>
-              <a:path w="1405" h="1005">
-                <a:moveTo>
-                  <a:pt x="1404" y="323"/>
-                </a:moveTo>
-                <a:lnTo>
-                  <a:pt x="702" y="324"/>
-                </a:lnTo>
-                <a:lnTo>
-                  <a:pt x="701" y="0"/>
-                </a:lnTo>
-                <a:lnTo>
-                  <a:pt x="0" y="504"/>
-                </a:lnTo>
-                <a:lnTo>
-                  <a:pt x="703" y="1004"/>
-                </a:lnTo>
-                <a:lnTo>
-                  <a:pt x="702" y="679"/>
-                </a:lnTo>
-                <a:lnTo>
-                  <a:pt x="1404" y="678"/>
-                </a:lnTo>
-                <a:lnTo>
-                  <a:pt x="1404" y="323"/>
-                </a:lnTo>
-              </a:path>
-            </a:pathLst>
-          </a:custGeom>
+          <a:xfrm>
+            <a:off x="0" y="0"/>
+            <a:ext cx="10080000" cy="792000"/>
+          </a:xfrm>
+          <a:prstGeom prst="rect">
+            <a:avLst/>
+          </a:prstGeom>
           <a:solidFill>
-            <a:srgbClr val="069a2e"/>
+            <a:srgbClr val="684cf3"/>
           </a:solidFill>
           <a:ln>
             <a:noFill/>
@@ -8912,101 +8456,16 @@
           <a:fontRef idx="minor"/>
         </p:style>
       </p:sp>
-      <p:grpSp>
-        <p:nvGrpSpPr>
-          <p:cNvPr id="197" name="Group 42"/>
-          <p:cNvGrpSpPr/>
-          <p:nvPr/>
-        </p:nvGrpSpPr>
-        <p:grpSpPr>
-          <a:xfrm>
-            <a:off x="7668000" y="3384000"/>
-            <a:ext cx="1080000" cy="736560"/>
-            <a:chOff x="7668000" y="3384000"/>
-            <a:chExt cx="1080000" cy="736560"/>
-          </a:xfrm>
-        </p:grpSpPr>
-        <p:pic>
-          <p:nvPicPr>
-            <p:cNvPr id="198" name="" descr=""/>
-            <p:cNvPicPr/>
-            <p:nvPr/>
-          </p:nvPicPr>
-          <p:blipFill>
-            <a:blip r:embed="rId2">
-              <a:lum bright="7000"/>
-            </a:blip>
-            <a:stretch/>
-          </p:blipFill>
-          <p:spPr>
-            <a:xfrm>
-              <a:off x="7668000" y="3384000"/>
-              <a:ext cx="1080000" cy="736560"/>
-            </a:xfrm>
-            <a:prstGeom prst="rect">
-              <a:avLst/>
-            </a:prstGeom>
-            <a:ln>
-              <a:noFill/>
-            </a:ln>
-          </p:spPr>
-        </p:pic>
-        <p:sp>
-          <p:nvSpPr>
-            <p:cNvPr id="199" name="Freeform 43"/>
-            <p:cNvSpPr/>
-            <p:nvPr/>
-          </p:nvSpPr>
-          <p:spPr>
-            <a:xfrm>
-              <a:off x="8388000" y="3456000"/>
-              <a:ext cx="288360" cy="432360"/>
-            </a:xfrm>
-            <a:custGeom>
-              <a:avLst/>
-              <a:gdLst/>
-              <a:ahLst/>
-              <a:rect l="0" t="0" r="r" b="b"/>
-              <a:pathLst>
-                <a:path w="801" h="1201">
-                  <a:moveTo>
-                    <a:pt x="0" y="0"/>
-                  </a:moveTo>
-                  <a:lnTo>
-                    <a:pt x="800" y="200"/>
-                  </a:lnTo>
-                  <a:lnTo>
-                    <a:pt x="800" y="1200"/>
-                  </a:lnTo>
-                  <a:lnTo>
-                    <a:pt x="0" y="1200"/>
-                  </a:lnTo>
-                  <a:lnTo>
-                    <a:pt x="0" y="0"/>
-                  </a:lnTo>
-                  <a:close/>
-                </a:path>
-              </a:pathLst>
-            </a:custGeom>
-            <a:solidFill>
-              <a:srgbClr val="5b36ed"/>
-            </a:solidFill>
-            <a:ln>
-              <a:noFill/>
-            </a:ln>
-          </p:spPr>
-        </p:sp>
-      </p:grpSp>
-      <p:sp>
-        <p:nvSpPr>
-          <p:cNvPr id="200" name="TextShape 44"/>
+      <p:sp>
+        <p:nvSpPr>
+          <p:cNvPr id="168" name="TextShape 39"/>
           <p:cNvSpPr txBox="1"/>
           <p:nvPr/>
         </p:nvSpPr>
         <p:spPr>
           <a:xfrm>
-            <a:off x="799200" y="3312000"/>
-            <a:ext cx="1576800" cy="402840"/>
+            <a:off x="0" y="108000"/>
+            <a:ext cx="10080000" cy="684000"/>
           </a:xfrm>
           <a:prstGeom prst="rect">
             <a:avLst/>
@@ -9021,351 +8480,17 @@
             <a:spAutoFit/>
           </a:bodyPr>
           <a:p>
-            <a:r>
-              <a:rPr b="1" lang="en-GB" sz="2200" spc="-1" strike="noStrike">
-                <a:latin typeface="Arial"/>
-              </a:rPr>
-              <a:t>Interpreter</a:t>
-            </a:r>
-            <a:endParaRPr b="0" lang="en-GB" sz="2200" spc="-1" strike="noStrike">
-              <a:latin typeface="Arial"/>
-            </a:endParaRPr>
-          </a:p>
-        </p:txBody>
-      </p:sp>
-      <p:sp>
-        <p:nvSpPr>
-          <p:cNvPr id="201" name="TextShape 45"/>
-          <p:cNvSpPr txBox="1"/>
-          <p:nvPr/>
-        </p:nvSpPr>
-        <p:spPr>
-          <a:xfrm>
-            <a:off x="792000" y="3708000"/>
-            <a:ext cx="1800000" cy="1506960"/>
-          </a:xfrm>
-          <a:prstGeom prst="rect">
-            <a:avLst/>
-          </a:prstGeom>
-          <a:noFill/>
-          <a:ln>
-            <a:noFill/>
-          </a:ln>
-        </p:spPr>
-        <p:txBody>
-          <a:bodyPr lIns="90000" rIns="90000" tIns="45000" bIns="45000">
-            <a:spAutoFit/>
-          </a:bodyPr>
-          <a:p>
-            <a:r>
-              <a:rPr b="0" lang="en-GB" sz="2000" spc="-1" strike="noStrike">
-                <a:latin typeface="Arial"/>
-              </a:rPr>
-              <a:t>Immediately </a:t>
-            </a:r>
-            <a:endParaRPr b="0" lang="en-GB" sz="2000" spc="-1" strike="noStrike">
-              <a:latin typeface="Arial"/>
-            </a:endParaRPr>
-          </a:p>
-          <a:p>
-            <a:r>
-              <a:rPr b="0" lang="en-GB" sz="2000" spc="-1" strike="noStrike">
-                <a:latin typeface="Arial"/>
-              </a:rPr>
-              <a:t>runs</a:t>
-            </a:r>
-            <a:endParaRPr b="0" lang="en-GB" sz="2000" spc="-1" strike="noStrike">
-              <a:latin typeface="Arial"/>
-            </a:endParaRPr>
-          </a:p>
-          <a:p>
-            <a:endParaRPr b="0" lang="en-GB" sz="2000" spc="-1" strike="noStrike">
-              <a:latin typeface="Arial"/>
-            </a:endParaRPr>
-          </a:p>
-          <a:p>
-            <a:r>
-              <a:rPr b="0" lang="en-GB" sz="2000" spc="-1" strike="noStrike">
-                <a:latin typeface="Arial"/>
-              </a:rPr>
-              <a:t>Not efficient; </a:t>
-            </a:r>
-            <a:endParaRPr b="0" lang="en-GB" sz="2000" spc="-1" strike="noStrike">
-              <a:latin typeface="Arial"/>
-            </a:endParaRPr>
-          </a:p>
-          <a:p>
-            <a:r>
-              <a:rPr b="0" lang="en-GB" sz="2000" spc="-1" strike="noStrike">
-                <a:latin typeface="Arial"/>
-              </a:rPr>
-              <a:t>can run slow</a:t>
-            </a:r>
-            <a:endParaRPr b="0" lang="en-GB" sz="2000" spc="-1" strike="noStrike">
-              <a:latin typeface="Arial"/>
-            </a:endParaRPr>
-          </a:p>
-        </p:txBody>
-      </p:sp>
-      <p:sp>
-        <p:nvSpPr>
-          <p:cNvPr id="202" name="TextShape 46"/>
-          <p:cNvSpPr txBox="1"/>
-          <p:nvPr/>
-        </p:nvSpPr>
-        <p:spPr>
-          <a:xfrm>
-            <a:off x="2887200" y="3312000"/>
-            <a:ext cx="1576800" cy="402840"/>
-          </a:xfrm>
-          <a:prstGeom prst="rect">
-            <a:avLst/>
-          </a:prstGeom>
-          <a:noFill/>
-          <a:ln>
-            <a:noFill/>
-          </a:ln>
-        </p:spPr>
-        <p:txBody>
-          <a:bodyPr lIns="90000" rIns="90000" tIns="45000" bIns="45000">
-            <a:spAutoFit/>
-          </a:bodyPr>
-          <a:p>
-            <a:r>
-              <a:rPr b="1" lang="en-GB" sz="2200" spc="-1" strike="noStrike">
-                <a:latin typeface="Arial"/>
-              </a:rPr>
-              <a:t>Compiler</a:t>
-            </a:r>
-            <a:endParaRPr b="0" lang="en-GB" sz="2200" spc="-1" strike="noStrike">
-              <a:latin typeface="Arial"/>
-            </a:endParaRPr>
-          </a:p>
-        </p:txBody>
-      </p:sp>
-      <p:sp>
-        <p:nvSpPr>
-          <p:cNvPr id="203" name="TextShape 47"/>
-          <p:cNvSpPr txBox="1"/>
-          <p:nvPr/>
-        </p:nvSpPr>
-        <p:spPr>
-          <a:xfrm>
-            <a:off x="2916000" y="3672000"/>
-            <a:ext cx="1944000" cy="1506960"/>
-          </a:xfrm>
-          <a:prstGeom prst="rect">
-            <a:avLst/>
-          </a:prstGeom>
-          <a:noFill/>
-          <a:ln>
-            <a:noFill/>
-          </a:ln>
-        </p:spPr>
-        <p:txBody>
-          <a:bodyPr lIns="90000" rIns="90000" tIns="45000" bIns="45000">
-            <a:spAutoFit/>
-          </a:bodyPr>
-          <a:p>
-            <a:r>
-              <a:rPr b="0" lang="en-GB" sz="2000" spc="-1" strike="noStrike">
-                <a:latin typeface="Arial"/>
-              </a:rPr>
-              <a:t>Delay before running</a:t>
-            </a:r>
-            <a:endParaRPr b="0" lang="en-GB" sz="2000" spc="-1" strike="noStrike">
-              <a:latin typeface="Arial"/>
-            </a:endParaRPr>
-          </a:p>
-          <a:p>
-            <a:endParaRPr b="0" lang="en-GB" sz="2000" spc="-1" strike="noStrike">
-              <a:latin typeface="Arial"/>
-            </a:endParaRPr>
-          </a:p>
-          <a:p>
-            <a:r>
-              <a:rPr b="0" lang="en-GB" sz="2000" spc="-1" strike="noStrike">
-                <a:latin typeface="Arial"/>
-              </a:rPr>
-              <a:t>Runs efficiently</a:t>
-            </a:r>
-            <a:endParaRPr b="0" lang="en-GB" sz="2000" spc="-1" strike="noStrike">
-              <a:latin typeface="Arial"/>
-            </a:endParaRPr>
-          </a:p>
-        </p:txBody>
-      </p:sp>
-      <p:sp>
-        <p:nvSpPr>
-          <p:cNvPr id="204" name="TextShape 48"/>
-          <p:cNvSpPr txBox="1"/>
-          <p:nvPr/>
-        </p:nvSpPr>
-        <p:spPr>
-          <a:xfrm>
-            <a:off x="5083200" y="3312000"/>
-            <a:ext cx="1540800" cy="402840"/>
-          </a:xfrm>
-          <a:prstGeom prst="rect">
-            <a:avLst/>
-          </a:prstGeom>
-          <a:noFill/>
-          <a:ln>
-            <a:noFill/>
-          </a:ln>
-        </p:spPr>
-        <p:txBody>
-          <a:bodyPr lIns="90000" rIns="90000" tIns="45000" bIns="45000">
-            <a:spAutoFit/>
-          </a:bodyPr>
-          <a:p>
-            <a:r>
-              <a:rPr b="1" lang="en-GB" sz="1800" spc="-1" strike="noStrike">
-                <a:latin typeface="Arial"/>
-              </a:rPr>
-              <a:t>Just-in-time</a:t>
-            </a:r>
-            <a:endParaRPr b="0" lang="en-GB" sz="1800" spc="-1" strike="noStrike">
-              <a:latin typeface="Arial"/>
-            </a:endParaRPr>
-          </a:p>
-        </p:txBody>
-      </p:sp>
-      <p:sp>
-        <p:nvSpPr>
-          <p:cNvPr id="205" name="TextShape 49"/>
-          <p:cNvSpPr txBox="1"/>
-          <p:nvPr/>
-        </p:nvSpPr>
-        <p:spPr>
-          <a:xfrm>
-            <a:off x="5112000" y="3672000"/>
-            <a:ext cx="1656000" cy="1790280"/>
-          </a:xfrm>
-          <a:prstGeom prst="rect">
-            <a:avLst/>
-          </a:prstGeom>
-          <a:noFill/>
-          <a:ln>
-            <a:noFill/>
-          </a:ln>
-        </p:spPr>
-        <p:txBody>
-          <a:bodyPr lIns="90000" rIns="90000" tIns="45000" bIns="45000">
-            <a:spAutoFit/>
-          </a:bodyPr>
-          <a:p>
-            <a:pPr>
-              <a:lnSpc>
-                <a:spcPct val="100000"/>
-              </a:lnSpc>
-            </a:pPr>
-            <a:r>
-              <a:rPr b="0" lang="en-GB" sz="2000" spc="-1" strike="noStrike">
-                <a:latin typeface="Arial"/>
-              </a:rPr>
-              <a:t>Immediately </a:t>
-            </a:r>
-            <a:endParaRPr b="0" lang="en-GB" sz="2000" spc="-1" strike="noStrike">
-              <a:latin typeface="Arial"/>
-            </a:endParaRPr>
-          </a:p>
-          <a:p>
-            <a:r>
-              <a:rPr b="0" lang="en-GB" sz="2000" spc="-1" strike="noStrike">
-                <a:latin typeface="Arial"/>
-              </a:rPr>
-              <a:t>runs</a:t>
-            </a:r>
-            <a:endParaRPr b="0" lang="en-GB" sz="2000" spc="-1" strike="noStrike">
-              <a:latin typeface="Arial"/>
-            </a:endParaRPr>
-          </a:p>
-          <a:p>
-            <a:endParaRPr b="0" lang="en-GB" sz="2000" spc="-1" strike="noStrike">
-              <a:latin typeface="Arial"/>
-            </a:endParaRPr>
-          </a:p>
-          <a:p>
-            <a:r>
-              <a:rPr b="0" lang="en-GB" sz="2000" spc="-1" strike="noStrike">
-                <a:latin typeface="Arial"/>
-              </a:rPr>
-              <a:t>Runs quite efficiently</a:t>
-            </a:r>
-            <a:endParaRPr b="0" lang="en-GB" sz="2000" spc="-1" strike="noStrike">
-              <a:latin typeface="Arial"/>
-            </a:endParaRPr>
-          </a:p>
-          <a:p>
-            <a:r>
-              <a:rPr b="0" lang="en-GB" sz="2000" spc="-1" strike="noStrike">
-                <a:latin typeface="Arial"/>
-              </a:rPr>
-              <a:t>(2008)</a:t>
-            </a:r>
-            <a:endParaRPr b="0" lang="en-GB" sz="2000" spc="-1" strike="noStrike">
-              <a:latin typeface="Arial"/>
-            </a:endParaRPr>
-          </a:p>
-        </p:txBody>
-      </p:sp>
-      <p:sp>
-        <p:nvSpPr>
-          <p:cNvPr id="206" name="TextShape 50"/>
-          <p:cNvSpPr txBox="1"/>
-          <p:nvPr/>
-        </p:nvSpPr>
-        <p:spPr>
-          <a:xfrm>
-            <a:off x="7482600" y="4645440"/>
-            <a:ext cx="2381400" cy="858240"/>
-          </a:xfrm>
-          <a:prstGeom prst="rect">
-            <a:avLst/>
-          </a:prstGeom>
-          <a:noFill/>
-          <a:ln>
-            <a:noFill/>
-          </a:ln>
-        </p:spPr>
-        <p:txBody>
-          <a:bodyPr lIns="90000" rIns="90000" tIns="45000" bIns="45000">
-            <a:spAutoFit/>
-          </a:bodyPr>
-          <a:p>
             <a:pPr algn="ctr"/>
             <a:r>
-              <a:rPr b="0" lang="en-GB" sz="1800" spc="-1" strike="noStrike">
-                <a:latin typeface="Arial"/>
-              </a:rPr>
-              <a:t>Immediately </a:t>
-            </a:r>
-            <a:endParaRPr b="0" lang="en-GB" sz="1800" spc="-1" strike="noStrike">
-              <a:latin typeface="Arial"/>
-            </a:endParaRPr>
-          </a:p>
-          <a:p>
-            <a:pPr algn="ctr"/>
-            <a:r>
-              <a:rPr b="0" lang="en-GB" sz="1800" spc="-1" strike="noStrike">
-                <a:latin typeface="Arial"/>
-              </a:rPr>
-              <a:t>runs highly efficiently</a:t>
-            </a:r>
-            <a:endParaRPr b="0" lang="en-GB" sz="1800" spc="-1" strike="noStrike">
-              <a:latin typeface="Arial"/>
-            </a:endParaRPr>
-          </a:p>
-          <a:p>
-            <a:pPr algn="ctr"/>
-            <a:r>
-              <a:rPr b="0" lang="en-GB" sz="1800" spc="-1" strike="noStrike">
-                <a:latin typeface="Arial"/>
-              </a:rPr>
-              <a:t>(MVP 2017)</a:t>
-            </a:r>
-            <a:endParaRPr b="0" lang="en-GB" sz="1800" spc="-1" strike="noStrike">
+              <a:rPr b="1" lang="en-GB" sz="3600" spc="-1" strike="noStrike">
+                <a:solidFill>
+                  <a:srgbClr val="ffffff"/>
+                </a:solidFill>
+                <a:latin typeface="Arial"/>
+              </a:rPr>
+              <a:t>Ways to put code into actions (instructions)</a:t>
+            </a:r>
+            <a:endParaRPr b="0" lang="en-GB" sz="3600" spc="-1" strike="noStrike">
               <a:latin typeface="Arial"/>
             </a:endParaRPr>
           </a:p>
@@ -9401,137 +8526,22 @@
           <a:chExt cx="0" cy="0"/>
         </a:xfrm>
       </p:grpSpPr>
-      <p:pic>
-        <p:nvPicPr>
-          <p:cNvPr id="207" name="" descr=""/>
-          <p:cNvPicPr/>
-          <p:nvPr/>
-        </p:nvPicPr>
-        <p:blipFill>
-          <a:blip r:embed="rId1"/>
-          <a:srcRect l="0" t="6277" r="0" b="12788"/>
-          <a:stretch/>
-        </p:blipFill>
-        <p:spPr>
-          <a:xfrm>
-            <a:off x="0" y="768960"/>
-            <a:ext cx="10079640" cy="4469040"/>
-          </a:xfrm>
-          <a:prstGeom prst="rect">
-            <a:avLst/>
-          </a:prstGeom>
-          <a:ln>
-            <a:noFill/>
-          </a:ln>
-        </p:spPr>
-      </p:pic>
-      <p:sp>
-        <p:nvSpPr>
-          <p:cNvPr id="208" name="TextShape 1"/>
-          <p:cNvSpPr txBox="1"/>
-          <p:nvPr/>
-        </p:nvSpPr>
-        <p:spPr>
-          <a:xfrm>
-            <a:off x="7344000" y="4680000"/>
-            <a:ext cx="1800000" cy="541800"/>
-          </a:xfrm>
-          <a:prstGeom prst="rect">
-            <a:avLst/>
-          </a:prstGeom>
-          <a:noFill/>
-          <a:ln>
-            <a:noFill/>
-          </a:ln>
-        </p:spPr>
-        <p:txBody>
-          <a:bodyPr lIns="90000" rIns="90000" tIns="45000" bIns="45000">
-            <a:spAutoFit/>
-          </a:bodyPr>
-          <a:p>
-            <a:r>
-              <a:rPr b="0" lang="en-GB" sz="1600" spc="-1" strike="noStrike">
-                <a:latin typeface="Arial"/>
-              </a:rPr>
-              <a:t>levelupwasm.com/apps/asteroids</a:t>
-            </a:r>
-            <a:endParaRPr b="0" lang="en-GB" sz="1600" spc="-1" strike="noStrike">
-              <a:latin typeface="Arial"/>
-            </a:endParaRPr>
-          </a:p>
-        </p:txBody>
-      </p:sp>
-      <p:pic>
-        <p:nvPicPr>
-          <p:cNvPr id="209" name="" descr=""/>
-          <p:cNvPicPr/>
-          <p:nvPr/>
-        </p:nvPicPr>
-        <p:blipFill>
-          <a:blip r:embed="rId2"/>
-          <a:srcRect l="997" t="0" r="0" b="0"/>
-          <a:stretch/>
-        </p:blipFill>
-        <p:spPr>
-          <a:xfrm>
-            <a:off x="2880000" y="1872000"/>
-            <a:ext cx="4320000" cy="3252240"/>
-          </a:xfrm>
-          <a:prstGeom prst="rect">
-            <a:avLst/>
-          </a:prstGeom>
-          <a:ln>
-            <a:noFill/>
-          </a:ln>
-        </p:spPr>
-      </p:pic>
-      <p:sp>
-        <p:nvSpPr>
-          <p:cNvPr id="210" name="CustomShape 2"/>
+      <p:sp>
+        <p:nvSpPr>
+          <p:cNvPr id="169" name="CustomShape 1"/>
           <p:cNvSpPr/>
           <p:nvPr/>
         </p:nvSpPr>
         <p:spPr>
-          <a:xfrm rot="2397600">
-            <a:off x="5952600" y="1854000"/>
-            <a:ext cx="1584000" cy="504000"/>
-          </a:xfrm>
-          <a:custGeom>
-            <a:avLst/>
-            <a:gdLst/>
-            <a:ahLst/>
-            <a:rect l="0" t="0" r="r" b="b"/>
-            <a:pathLst>
-              <a:path w="4402" h="1401">
-                <a:moveTo>
-                  <a:pt x="0" y="421"/>
-                </a:moveTo>
-                <a:lnTo>
-                  <a:pt x="3176" y="419"/>
-                </a:lnTo>
-                <a:lnTo>
-                  <a:pt x="3175" y="0"/>
-                </a:lnTo>
-                <a:lnTo>
-                  <a:pt x="4401" y="700"/>
-                </a:lnTo>
-                <a:lnTo>
-                  <a:pt x="3177" y="1400"/>
-                </a:lnTo>
-                <a:lnTo>
-                  <a:pt x="3176" y="982"/>
-                </a:lnTo>
-                <a:lnTo>
-                  <a:pt x="0" y="984"/>
-                </a:lnTo>
-                <a:lnTo>
-                  <a:pt x="0" y="421"/>
-                </a:lnTo>
-              </a:path>
-            </a:pathLst>
-          </a:custGeom>
+          <a:xfrm>
+            <a:off x="0" y="792000"/>
+            <a:ext cx="2520000" cy="4878000"/>
+          </a:xfrm>
+          <a:prstGeom prst="rect">
+            <a:avLst/>
+          </a:prstGeom>
           <a:solidFill>
-            <a:srgbClr val="666666"/>
+            <a:srgbClr val="f7f7fb"/>
           </a:solidFill>
           <a:ln>
             <a:noFill/>
@@ -9546,51 +8556,20 @@
       </p:sp>
       <p:sp>
         <p:nvSpPr>
-          <p:cNvPr id="211" name="CustomShape 3"/>
+          <p:cNvPr id="170" name="CustomShape 2"/>
           <p:cNvSpPr/>
           <p:nvPr/>
         </p:nvSpPr>
         <p:spPr>
-          <a:xfrm rot="2397600">
-            <a:off x="5880600" y="1854000"/>
-            <a:ext cx="1584000" cy="504000"/>
-          </a:xfrm>
-          <a:custGeom>
-            <a:avLst/>
-            <a:gdLst/>
-            <a:ahLst/>
-            <a:rect l="0" t="0" r="r" b="b"/>
-            <a:pathLst>
-              <a:path w="4402" h="1400">
-                <a:moveTo>
-                  <a:pt x="0" y="420"/>
-                </a:moveTo>
-                <a:lnTo>
-                  <a:pt x="3176" y="418"/>
-                </a:lnTo>
-                <a:lnTo>
-                  <a:pt x="3175" y="0"/>
-                </a:lnTo>
-                <a:lnTo>
-                  <a:pt x="4401" y="699"/>
-                </a:lnTo>
-                <a:lnTo>
-                  <a:pt x="3176" y="1399"/>
-                </a:lnTo>
-                <a:lnTo>
-                  <a:pt x="3176" y="982"/>
-                </a:lnTo>
-                <a:lnTo>
-                  <a:pt x="0" y="984"/>
-                </a:lnTo>
-                <a:lnTo>
-                  <a:pt x="0" y="420"/>
-                </a:lnTo>
-              </a:path>
-            </a:pathLst>
-          </a:custGeom>
+          <a:xfrm>
+            <a:off x="2520000" y="792000"/>
+            <a:ext cx="2520000" cy="4878000"/>
+          </a:xfrm>
+          <a:prstGeom prst="rect">
+            <a:avLst/>
+          </a:prstGeom>
           <a:solidFill>
-            <a:srgbClr val="ffff00"/>
+            <a:srgbClr val="f3f2fa"/>
           </a:solidFill>
           <a:ln>
             <a:noFill/>
@@ -9605,14 +8584,1362 @@
       </p:sp>
       <p:sp>
         <p:nvSpPr>
-          <p:cNvPr id="212" name="TextShape 4"/>
+          <p:cNvPr id="171" name="CustomShape 3"/>
+          <p:cNvSpPr/>
+          <p:nvPr/>
+        </p:nvSpPr>
+        <p:spPr>
+          <a:xfrm>
+            <a:off x="5040000" y="792000"/>
+            <a:ext cx="2520000" cy="4878000"/>
+          </a:xfrm>
+          <a:prstGeom prst="rect">
+            <a:avLst/>
+          </a:prstGeom>
+          <a:solidFill>
+            <a:srgbClr val="efedf6"/>
+          </a:solidFill>
+          <a:ln>
+            <a:noFill/>
+          </a:ln>
+        </p:spPr>
+        <p:style>
+          <a:lnRef idx="0"/>
+          <a:fillRef idx="0"/>
+          <a:effectRef idx="0"/>
+          <a:fontRef idx="minor"/>
+        </p:style>
+      </p:sp>
+      <p:sp>
+        <p:nvSpPr>
+          <p:cNvPr id="172" name="CustomShape 4"/>
+          <p:cNvSpPr/>
+          <p:nvPr/>
+        </p:nvSpPr>
+        <p:spPr>
+          <a:xfrm>
+            <a:off x="7560000" y="792000"/>
+            <a:ext cx="2520000" cy="4878000"/>
+          </a:xfrm>
+          <a:prstGeom prst="rect">
+            <a:avLst/>
+          </a:prstGeom>
+          <a:solidFill>
+            <a:srgbClr val="e9e5ff"/>
+          </a:solidFill>
+          <a:ln>
+            <a:noFill/>
+          </a:ln>
+        </p:spPr>
+        <p:style>
+          <a:lnRef idx="0"/>
+          <a:fillRef idx="0"/>
+          <a:effectRef idx="0"/>
+          <a:fontRef idx="minor"/>
+        </p:style>
+      </p:sp>
+      <p:grpSp>
+        <p:nvGrpSpPr>
+          <p:cNvPr id="173" name="Group 5"/>
+          <p:cNvGrpSpPr/>
+          <p:nvPr/>
+        </p:nvGrpSpPr>
+        <p:grpSpPr>
+          <a:xfrm>
+            <a:off x="288000" y="1281960"/>
+            <a:ext cx="1723320" cy="1742040"/>
+            <a:chOff x="288000" y="1281960"/>
+            <a:chExt cx="1723320" cy="1742040"/>
+          </a:xfrm>
+        </p:grpSpPr>
+        <p:sp>
+          <p:nvSpPr>
+            <p:cNvPr id="174" name="CustomShape 6"/>
+            <p:cNvSpPr/>
+            <p:nvPr/>
+          </p:nvSpPr>
+          <p:spPr>
+            <a:xfrm>
+              <a:off x="832320" y="1446480"/>
+              <a:ext cx="846720" cy="123840"/>
+            </a:xfrm>
+            <a:prstGeom prst="rect">
+              <a:avLst/>
+            </a:prstGeom>
+            <a:solidFill>
+              <a:srgbClr val="000000"/>
+            </a:solidFill>
+            <a:ln>
+              <a:noFill/>
+            </a:ln>
+          </p:spPr>
+          <p:style>
+            <a:lnRef idx="0"/>
+            <a:fillRef idx="0"/>
+            <a:effectRef idx="0"/>
+            <a:fontRef idx="minor"/>
+          </p:style>
+        </p:sp>
+        <p:sp>
+          <p:nvSpPr>
+            <p:cNvPr id="175" name="CustomShape 7"/>
+            <p:cNvSpPr/>
+            <p:nvPr/>
+          </p:nvSpPr>
+          <p:spPr>
+            <a:xfrm>
+              <a:off x="832320" y="1770120"/>
+              <a:ext cx="846720" cy="123840"/>
+            </a:xfrm>
+            <a:prstGeom prst="rect">
+              <a:avLst/>
+            </a:prstGeom>
+            <a:solidFill>
+              <a:srgbClr val="000000"/>
+            </a:solidFill>
+            <a:ln>
+              <a:noFill/>
+            </a:ln>
+          </p:spPr>
+          <p:style>
+            <a:lnRef idx="0"/>
+            <a:fillRef idx="0"/>
+            <a:effectRef idx="0"/>
+            <a:fontRef idx="minor"/>
+          </p:style>
+        </p:sp>
+        <p:sp>
+          <p:nvSpPr>
+            <p:cNvPr id="176" name="CustomShape 8"/>
+            <p:cNvSpPr/>
+            <p:nvPr/>
+          </p:nvSpPr>
+          <p:spPr>
+            <a:xfrm>
+              <a:off x="832320" y="2094120"/>
+              <a:ext cx="846720" cy="123480"/>
+            </a:xfrm>
+            <a:prstGeom prst="rect">
+              <a:avLst/>
+            </a:prstGeom>
+            <a:solidFill>
+              <a:srgbClr val="000000"/>
+            </a:solidFill>
+            <a:ln>
+              <a:noFill/>
+            </a:ln>
+          </p:spPr>
+          <p:style>
+            <a:lnRef idx="0"/>
+            <a:fillRef idx="0"/>
+            <a:effectRef idx="0"/>
+            <a:fontRef idx="minor"/>
+          </p:style>
+        </p:sp>
+        <p:sp>
+          <p:nvSpPr>
+            <p:cNvPr id="177" name="CustomShape 9"/>
+            <p:cNvSpPr/>
+            <p:nvPr/>
+          </p:nvSpPr>
+          <p:spPr>
+            <a:xfrm>
+              <a:off x="832320" y="2094120"/>
+              <a:ext cx="846720" cy="123480"/>
+            </a:xfrm>
+            <a:prstGeom prst="rect">
+              <a:avLst/>
+            </a:prstGeom>
+            <a:solidFill>
+              <a:srgbClr val="000000"/>
+            </a:solidFill>
+            <a:ln>
+              <a:noFill/>
+            </a:ln>
+          </p:spPr>
+          <p:style>
+            <a:lnRef idx="0"/>
+            <a:fillRef idx="0"/>
+            <a:effectRef idx="0"/>
+            <a:fontRef idx="minor"/>
+          </p:style>
+        </p:sp>
+        <p:sp>
+          <p:nvSpPr>
+            <p:cNvPr id="178" name="CustomShape 10"/>
+            <p:cNvSpPr/>
+            <p:nvPr/>
+          </p:nvSpPr>
+          <p:spPr>
+            <a:xfrm>
+              <a:off x="832320" y="2417760"/>
+              <a:ext cx="846720" cy="123480"/>
+            </a:xfrm>
+            <a:prstGeom prst="rect">
+              <a:avLst/>
+            </a:prstGeom>
+            <a:solidFill>
+              <a:srgbClr val="000000"/>
+            </a:solidFill>
+            <a:ln>
+              <a:noFill/>
+            </a:ln>
+          </p:spPr>
+          <p:style>
+            <a:lnRef idx="0"/>
+            <a:fillRef idx="0"/>
+            <a:effectRef idx="0"/>
+            <a:fontRef idx="minor"/>
+          </p:style>
+        </p:sp>
+        <p:sp>
+          <p:nvSpPr>
+            <p:cNvPr id="179" name="CustomShape 11"/>
+            <p:cNvSpPr/>
+            <p:nvPr/>
+          </p:nvSpPr>
+          <p:spPr>
+            <a:xfrm>
+              <a:off x="832320" y="2741760"/>
+              <a:ext cx="846720" cy="123480"/>
+            </a:xfrm>
+            <a:prstGeom prst="rect">
+              <a:avLst/>
+            </a:prstGeom>
+            <a:solidFill>
+              <a:srgbClr val="000000"/>
+            </a:solidFill>
+            <a:ln>
+              <a:noFill/>
+            </a:ln>
+          </p:spPr>
+          <p:style>
+            <a:lnRef idx="0"/>
+            <a:fillRef idx="0"/>
+            <a:effectRef idx="0"/>
+            <a:fontRef idx="minor"/>
+          </p:style>
+        </p:sp>
+        <p:sp>
+          <p:nvSpPr>
+            <p:cNvPr id="180" name="Freeform 12"/>
+            <p:cNvSpPr/>
+            <p:nvPr/>
+          </p:nvSpPr>
+          <p:spPr>
+            <a:xfrm>
+              <a:off x="288000" y="1281960"/>
+              <a:ext cx="1723680" cy="1742400"/>
+            </a:xfrm>
+            <a:custGeom>
+              <a:avLst/>
+              <a:gdLst/>
+              <a:ahLst/>
+              <a:rect l="0" t="0" r="r" b="b"/>
+              <a:pathLst>
+                <a:path w="4788" h="4840">
+                  <a:moveTo>
+                    <a:pt x="924" y="261"/>
+                  </a:moveTo>
+                  <a:cubicBezTo>
+                    <a:pt x="924" y="196"/>
+                    <a:pt x="4284" y="196"/>
+                    <a:pt x="4284" y="196"/>
+                  </a:cubicBezTo>
+                  <a:cubicBezTo>
+                    <a:pt x="4284" y="196"/>
+                    <a:pt x="4535" y="1111"/>
+                    <a:pt x="4620" y="1111"/>
+                  </a:cubicBezTo>
+                  <a:cubicBezTo>
+                    <a:pt x="4704" y="1111"/>
+                    <a:pt x="1680" y="1176"/>
+                    <a:pt x="1848" y="1176"/>
+                  </a:cubicBezTo>
+                  <a:cubicBezTo>
+                    <a:pt x="2015" y="1176"/>
+                    <a:pt x="840" y="1176"/>
+                    <a:pt x="840" y="1176"/>
+                  </a:cubicBezTo>
+                  <a:lnTo>
+                    <a:pt x="1008" y="2027"/>
+                  </a:lnTo>
+                  <a:lnTo>
+                    <a:pt x="4535" y="2027"/>
+                  </a:lnTo>
+                  <a:lnTo>
+                    <a:pt x="4199" y="0"/>
+                  </a:lnTo>
+                  <a:lnTo>
+                    <a:pt x="336" y="131"/>
+                  </a:lnTo>
+                  <a:lnTo>
+                    <a:pt x="672" y="4578"/>
+                  </a:lnTo>
+                  <a:lnTo>
+                    <a:pt x="4284" y="4578"/>
+                  </a:lnTo>
+                  <a:lnTo>
+                    <a:pt x="4367" y="2812"/>
+                  </a:lnTo>
+                  <a:lnTo>
+                    <a:pt x="1008" y="2877"/>
+                  </a:lnTo>
+                  <a:lnTo>
+                    <a:pt x="1092" y="3727"/>
+                  </a:lnTo>
+                  <a:lnTo>
+                    <a:pt x="4620" y="3662"/>
+                  </a:lnTo>
+                  <a:lnTo>
+                    <a:pt x="4535" y="65"/>
+                  </a:lnTo>
+                  <a:lnTo>
+                    <a:pt x="756" y="65"/>
+                  </a:lnTo>
+                  <a:cubicBezTo>
+                    <a:pt x="756" y="65"/>
+                    <a:pt x="924" y="4839"/>
+                    <a:pt x="924" y="4774"/>
+                  </a:cubicBezTo>
+                  <a:cubicBezTo>
+                    <a:pt x="924" y="4708"/>
+                    <a:pt x="4367" y="4839"/>
+                    <a:pt x="4367" y="4839"/>
+                  </a:cubicBezTo>
+                  <a:lnTo>
+                    <a:pt x="4284" y="2158"/>
+                  </a:lnTo>
+                  <a:lnTo>
+                    <a:pt x="1008" y="2158"/>
+                  </a:lnTo>
+                  <a:lnTo>
+                    <a:pt x="1008" y="2681"/>
+                  </a:lnTo>
+                  <a:cubicBezTo>
+                    <a:pt x="1008" y="2681"/>
+                    <a:pt x="4787" y="2550"/>
+                    <a:pt x="4787" y="2616"/>
+                  </a:cubicBezTo>
+                  <a:cubicBezTo>
+                    <a:pt x="4787" y="2681"/>
+                    <a:pt x="4620" y="1308"/>
+                    <a:pt x="4704" y="1308"/>
+                  </a:cubicBezTo>
+                  <a:cubicBezTo>
+                    <a:pt x="4787" y="1308"/>
+                    <a:pt x="1092" y="1046"/>
+                    <a:pt x="1092" y="1046"/>
+                  </a:cubicBezTo>
+                  <a:lnTo>
+                    <a:pt x="1259" y="4054"/>
+                  </a:lnTo>
+                  <a:lnTo>
+                    <a:pt x="4115" y="3858"/>
+                  </a:lnTo>
+                  <a:lnTo>
+                    <a:pt x="4031" y="1830"/>
+                  </a:lnTo>
+                  <a:lnTo>
+                    <a:pt x="0" y="1896"/>
+                  </a:lnTo>
+                </a:path>
+              </a:pathLst>
+            </a:custGeom>
+            <a:ln w="36000">
+              <a:solidFill>
+                <a:srgbClr val="ff0000"/>
+              </a:solidFill>
+              <a:prstDash val="sysDot"/>
+              <a:round/>
+              <a:headEnd len="med" type="triangle" w="med"/>
+            </a:ln>
+          </p:spPr>
+        </p:sp>
+      </p:grpSp>
+      <p:grpSp>
+        <p:nvGrpSpPr>
+          <p:cNvPr id="181" name="Group 13"/>
+          <p:cNvGrpSpPr/>
+          <p:nvPr/>
+        </p:nvGrpSpPr>
+        <p:grpSpPr>
+          <a:xfrm>
+            <a:off x="3087000" y="1330200"/>
+            <a:ext cx="1317600" cy="1693800"/>
+            <a:chOff x="3087000" y="1330200"/>
+            <a:chExt cx="1317600" cy="1693800"/>
+          </a:xfrm>
+        </p:grpSpPr>
+        <p:sp>
+          <p:nvSpPr>
+            <p:cNvPr id="182" name="CustomShape 14"/>
+            <p:cNvSpPr/>
+            <p:nvPr/>
+          </p:nvSpPr>
+          <p:spPr>
+            <a:xfrm>
+              <a:off x="3327840" y="1441440"/>
+              <a:ext cx="856440" cy="126360"/>
+            </a:xfrm>
+            <a:prstGeom prst="rect">
+              <a:avLst/>
+            </a:prstGeom>
+            <a:solidFill>
+              <a:srgbClr val="000000"/>
+            </a:solidFill>
+            <a:ln>
+              <a:noFill/>
+            </a:ln>
+          </p:spPr>
+          <p:style>
+            <a:lnRef idx="0"/>
+            <a:fillRef idx="0"/>
+            <a:effectRef idx="0"/>
+            <a:fontRef idx="minor"/>
+          </p:style>
+        </p:sp>
+        <p:sp>
+          <p:nvSpPr>
+            <p:cNvPr id="183" name="CustomShape 15"/>
+            <p:cNvSpPr/>
+            <p:nvPr/>
+          </p:nvSpPr>
+          <p:spPr>
+            <a:xfrm>
+              <a:off x="3327840" y="1771920"/>
+              <a:ext cx="856440" cy="126360"/>
+            </a:xfrm>
+            <a:prstGeom prst="rect">
+              <a:avLst/>
+            </a:prstGeom>
+            <a:solidFill>
+              <a:srgbClr val="000000"/>
+            </a:solidFill>
+            <a:ln>
+              <a:noFill/>
+            </a:ln>
+          </p:spPr>
+          <p:style>
+            <a:lnRef idx="0"/>
+            <a:fillRef idx="0"/>
+            <a:effectRef idx="0"/>
+            <a:fontRef idx="minor"/>
+          </p:style>
+        </p:sp>
+        <p:sp>
+          <p:nvSpPr>
+            <p:cNvPr id="184" name="CustomShape 16"/>
+            <p:cNvSpPr/>
+            <p:nvPr/>
+          </p:nvSpPr>
+          <p:spPr>
+            <a:xfrm>
+              <a:off x="3327840" y="2102760"/>
+              <a:ext cx="856440" cy="126360"/>
+            </a:xfrm>
+            <a:prstGeom prst="rect">
+              <a:avLst/>
+            </a:prstGeom>
+            <a:solidFill>
+              <a:srgbClr val="000000"/>
+            </a:solidFill>
+            <a:ln>
+              <a:noFill/>
+            </a:ln>
+          </p:spPr>
+          <p:style>
+            <a:lnRef idx="0"/>
+            <a:fillRef idx="0"/>
+            <a:effectRef idx="0"/>
+            <a:fontRef idx="minor"/>
+          </p:style>
+        </p:sp>
+        <p:sp>
+          <p:nvSpPr>
+            <p:cNvPr id="185" name="CustomShape 17"/>
+            <p:cNvSpPr/>
+            <p:nvPr/>
+          </p:nvSpPr>
+          <p:spPr>
+            <a:xfrm>
+              <a:off x="3327840" y="2102760"/>
+              <a:ext cx="856440" cy="126360"/>
+            </a:xfrm>
+            <a:prstGeom prst="rect">
+              <a:avLst/>
+            </a:prstGeom>
+            <a:solidFill>
+              <a:srgbClr val="000000"/>
+            </a:solidFill>
+            <a:ln>
+              <a:noFill/>
+            </a:ln>
+          </p:spPr>
+          <p:style>
+            <a:lnRef idx="0"/>
+            <a:fillRef idx="0"/>
+            <a:effectRef idx="0"/>
+            <a:fontRef idx="minor"/>
+          </p:style>
+        </p:sp>
+        <p:sp>
+          <p:nvSpPr>
+            <p:cNvPr id="186" name="CustomShape 18"/>
+            <p:cNvSpPr/>
+            <p:nvPr/>
+          </p:nvSpPr>
+          <p:spPr>
+            <a:xfrm>
+              <a:off x="3327840" y="2433240"/>
+              <a:ext cx="856440" cy="126720"/>
+            </a:xfrm>
+            <a:prstGeom prst="rect">
+              <a:avLst/>
+            </a:prstGeom>
+            <a:solidFill>
+              <a:srgbClr val="000000"/>
+            </a:solidFill>
+            <a:ln>
+              <a:noFill/>
+            </a:ln>
+          </p:spPr>
+          <p:style>
+            <a:lnRef idx="0"/>
+            <a:fillRef idx="0"/>
+            <a:effectRef idx="0"/>
+            <a:fontRef idx="minor"/>
+          </p:style>
+        </p:sp>
+        <p:sp>
+          <p:nvSpPr>
+            <p:cNvPr id="187" name="CustomShape 19"/>
+            <p:cNvSpPr/>
+            <p:nvPr/>
+          </p:nvSpPr>
+          <p:spPr>
+            <a:xfrm>
+              <a:off x="3327840" y="2764080"/>
+              <a:ext cx="856440" cy="126360"/>
+            </a:xfrm>
+            <a:prstGeom prst="rect">
+              <a:avLst/>
+            </a:prstGeom>
+            <a:solidFill>
+              <a:srgbClr val="000000"/>
+            </a:solidFill>
+            <a:ln>
+              <a:noFill/>
+            </a:ln>
+          </p:spPr>
+          <p:style>
+            <a:lnRef idx="0"/>
+            <a:fillRef idx="0"/>
+            <a:effectRef idx="0"/>
+            <a:fontRef idx="minor"/>
+          </p:style>
+        </p:sp>
+        <p:sp>
+          <p:nvSpPr>
+            <p:cNvPr id="188" name="Freeform 20"/>
+            <p:cNvSpPr/>
+            <p:nvPr/>
+          </p:nvSpPr>
+          <p:spPr>
+            <a:xfrm>
+              <a:off x="3087000" y="1330200"/>
+              <a:ext cx="1317960" cy="1694160"/>
+            </a:xfrm>
+            <a:custGeom>
+              <a:avLst/>
+              <a:gdLst/>
+              <a:ahLst/>
+              <a:rect l="0" t="0" r="r" b="b"/>
+              <a:pathLst>
+                <a:path w="3661" h="4706">
+                  <a:moveTo>
+                    <a:pt x="216" y="0"/>
+                  </a:moveTo>
+                  <a:cubicBezTo>
+                    <a:pt x="324" y="0"/>
+                    <a:pt x="3552" y="0"/>
+                    <a:pt x="3552" y="0"/>
+                  </a:cubicBezTo>
+                  <a:lnTo>
+                    <a:pt x="3552" y="1037"/>
+                  </a:lnTo>
+                  <a:lnTo>
+                    <a:pt x="108" y="1037"/>
+                  </a:lnTo>
+                  <a:lnTo>
+                    <a:pt x="108" y="1914"/>
+                  </a:lnTo>
+                  <a:lnTo>
+                    <a:pt x="3552" y="1914"/>
+                  </a:lnTo>
+                  <a:lnTo>
+                    <a:pt x="3552" y="2871"/>
+                  </a:lnTo>
+                  <a:lnTo>
+                    <a:pt x="108" y="2951"/>
+                  </a:lnTo>
+                  <a:lnTo>
+                    <a:pt x="216" y="3748"/>
+                  </a:lnTo>
+                  <a:lnTo>
+                    <a:pt x="3660" y="3748"/>
+                  </a:lnTo>
+                  <a:lnTo>
+                    <a:pt x="3552" y="4625"/>
+                  </a:lnTo>
+                  <a:lnTo>
+                    <a:pt x="0" y="4705"/>
+                  </a:lnTo>
+                </a:path>
+              </a:pathLst>
+            </a:custGeom>
+            <a:ln w="36000">
+              <a:solidFill>
+                <a:srgbClr val="ff0000"/>
+              </a:solidFill>
+              <a:prstDash val="sysDot"/>
+              <a:round/>
+              <a:tailEnd len="med" type="triangle" w="med"/>
+            </a:ln>
+          </p:spPr>
+        </p:sp>
+      </p:grpSp>
+      <p:grpSp>
+        <p:nvGrpSpPr>
+          <p:cNvPr id="189" name="Group 21"/>
+          <p:cNvGrpSpPr/>
+          <p:nvPr/>
+        </p:nvGrpSpPr>
+        <p:grpSpPr>
+          <a:xfrm>
+            <a:off x="5499720" y="1270080"/>
+            <a:ext cx="1424880" cy="1753920"/>
+            <a:chOff x="5499720" y="1270080"/>
+            <a:chExt cx="1424880" cy="1753920"/>
+          </a:xfrm>
+        </p:grpSpPr>
+        <p:sp>
+          <p:nvSpPr>
+            <p:cNvPr id="190" name="CustomShape 22"/>
+            <p:cNvSpPr/>
+            <p:nvPr/>
+          </p:nvSpPr>
+          <p:spPr>
+            <a:xfrm>
+              <a:off x="5792040" y="1488960"/>
+              <a:ext cx="787680" cy="122400"/>
+            </a:xfrm>
+            <a:prstGeom prst="rect">
+              <a:avLst/>
+            </a:prstGeom>
+            <a:solidFill>
+              <a:srgbClr val="000000"/>
+            </a:solidFill>
+            <a:ln>
+              <a:noFill/>
+            </a:ln>
+          </p:spPr>
+          <p:style>
+            <a:lnRef idx="0"/>
+            <a:fillRef idx="0"/>
+            <a:effectRef idx="0"/>
+            <a:fontRef idx="minor"/>
+          </p:style>
+        </p:sp>
+        <p:sp>
+          <p:nvSpPr>
+            <p:cNvPr id="191" name="CustomShape 23"/>
+            <p:cNvSpPr/>
+            <p:nvPr/>
+          </p:nvSpPr>
+          <p:spPr>
+            <a:xfrm>
+              <a:off x="5792040" y="1809360"/>
+              <a:ext cx="787680" cy="122760"/>
+            </a:xfrm>
+            <a:prstGeom prst="rect">
+              <a:avLst/>
+            </a:prstGeom>
+            <a:solidFill>
+              <a:srgbClr val="000000"/>
+            </a:solidFill>
+            <a:ln>
+              <a:noFill/>
+            </a:ln>
+          </p:spPr>
+          <p:style>
+            <a:lnRef idx="0"/>
+            <a:fillRef idx="0"/>
+            <a:effectRef idx="0"/>
+            <a:fontRef idx="minor"/>
+          </p:style>
+        </p:sp>
+        <p:sp>
+          <p:nvSpPr>
+            <p:cNvPr id="192" name="CustomShape 24"/>
+            <p:cNvSpPr/>
+            <p:nvPr/>
+          </p:nvSpPr>
+          <p:spPr>
+            <a:xfrm>
+              <a:off x="5792040" y="2130480"/>
+              <a:ext cx="787680" cy="122400"/>
+            </a:xfrm>
+            <a:prstGeom prst="rect">
+              <a:avLst/>
+            </a:prstGeom>
+            <a:solidFill>
+              <a:srgbClr val="000000"/>
+            </a:solidFill>
+            <a:ln>
+              <a:noFill/>
+            </a:ln>
+          </p:spPr>
+          <p:style>
+            <a:lnRef idx="0"/>
+            <a:fillRef idx="0"/>
+            <a:effectRef idx="0"/>
+            <a:fontRef idx="minor"/>
+          </p:style>
+        </p:sp>
+        <p:sp>
+          <p:nvSpPr>
+            <p:cNvPr id="193" name="CustomShape 25"/>
+            <p:cNvSpPr/>
+            <p:nvPr/>
+          </p:nvSpPr>
+          <p:spPr>
+            <a:xfrm>
+              <a:off x="5792040" y="2130480"/>
+              <a:ext cx="787680" cy="122400"/>
+            </a:xfrm>
+            <a:prstGeom prst="rect">
+              <a:avLst/>
+            </a:prstGeom>
+            <a:solidFill>
+              <a:srgbClr val="000000"/>
+            </a:solidFill>
+            <a:ln>
+              <a:noFill/>
+            </a:ln>
+          </p:spPr>
+          <p:style>
+            <a:lnRef idx="0"/>
+            <a:fillRef idx="0"/>
+            <a:effectRef idx="0"/>
+            <a:fontRef idx="minor"/>
+          </p:style>
+        </p:sp>
+        <p:sp>
+          <p:nvSpPr>
+            <p:cNvPr id="194" name="CustomShape 26"/>
+            <p:cNvSpPr/>
+            <p:nvPr/>
+          </p:nvSpPr>
+          <p:spPr>
+            <a:xfrm>
+              <a:off x="5792040" y="2451240"/>
+              <a:ext cx="787680" cy="122400"/>
+            </a:xfrm>
+            <a:prstGeom prst="rect">
+              <a:avLst/>
+            </a:prstGeom>
+            <a:solidFill>
+              <a:srgbClr val="000000"/>
+            </a:solidFill>
+            <a:ln>
+              <a:noFill/>
+            </a:ln>
+          </p:spPr>
+          <p:style>
+            <a:lnRef idx="0"/>
+            <a:fillRef idx="0"/>
+            <a:effectRef idx="0"/>
+            <a:fontRef idx="minor"/>
+          </p:style>
+        </p:sp>
+        <p:sp>
+          <p:nvSpPr>
+            <p:cNvPr id="195" name="CustomShape 27"/>
+            <p:cNvSpPr/>
+            <p:nvPr/>
+          </p:nvSpPr>
+          <p:spPr>
+            <a:xfrm>
+              <a:off x="5792040" y="2771640"/>
+              <a:ext cx="787680" cy="122760"/>
+            </a:xfrm>
+            <a:prstGeom prst="rect">
+              <a:avLst/>
+            </a:prstGeom>
+            <a:solidFill>
+              <a:srgbClr val="000000"/>
+            </a:solidFill>
+            <a:ln>
+              <a:noFill/>
+            </a:ln>
+          </p:spPr>
+          <p:style>
+            <a:lnRef idx="0"/>
+            <a:fillRef idx="0"/>
+            <a:effectRef idx="0"/>
+            <a:fontRef idx="minor"/>
+          </p:style>
+        </p:sp>
+        <p:sp>
+          <p:nvSpPr>
+            <p:cNvPr id="196" name="Freeform 28"/>
+            <p:cNvSpPr/>
+            <p:nvPr/>
+          </p:nvSpPr>
+          <p:spPr>
+            <a:xfrm>
+              <a:off x="5571000" y="2160720"/>
+              <a:ext cx="1211400" cy="863640"/>
+            </a:xfrm>
+            <a:custGeom>
+              <a:avLst/>
+              <a:gdLst/>
+              <a:ahLst/>
+              <a:rect l="0" t="0" r="r" b="b"/>
+              <a:pathLst>
+                <a:path w="3365" h="2399">
+                  <a:moveTo>
+                    <a:pt x="3266" y="0"/>
+                  </a:moveTo>
+                  <a:lnTo>
+                    <a:pt x="3266" y="619"/>
+                  </a:lnTo>
+                  <a:lnTo>
+                    <a:pt x="99" y="696"/>
+                  </a:lnTo>
+                  <a:lnTo>
+                    <a:pt x="198" y="1470"/>
+                  </a:lnTo>
+                  <a:lnTo>
+                    <a:pt x="3364" y="1470"/>
+                  </a:lnTo>
+                  <a:lnTo>
+                    <a:pt x="3266" y="2320"/>
+                  </a:lnTo>
+                  <a:lnTo>
+                    <a:pt x="0" y="2398"/>
+                  </a:lnTo>
+                </a:path>
+              </a:pathLst>
+            </a:custGeom>
+            <a:ln w="36000">
+              <a:solidFill>
+                <a:srgbClr val="ff0000"/>
+              </a:solidFill>
+              <a:prstDash val="sysDot"/>
+              <a:round/>
+              <a:tailEnd len="med" type="triangle" w="med"/>
+            </a:ln>
+          </p:spPr>
+        </p:sp>
+        <p:sp>
+          <p:nvSpPr>
+            <p:cNvPr id="197" name="Freeform 29"/>
+            <p:cNvSpPr/>
+            <p:nvPr/>
+          </p:nvSpPr>
+          <p:spPr>
+            <a:xfrm>
+              <a:off x="5499720" y="1270080"/>
+              <a:ext cx="1425240" cy="891360"/>
+            </a:xfrm>
+            <a:custGeom>
+              <a:avLst/>
+              <a:gdLst/>
+              <a:ahLst/>
+              <a:rect l="0" t="0" r="r" b="b"/>
+              <a:pathLst>
+                <a:path w="3959" h="2476">
+                  <a:moveTo>
+                    <a:pt x="0" y="2165"/>
+                  </a:moveTo>
+                  <a:cubicBezTo>
+                    <a:pt x="3562" y="2010"/>
+                    <a:pt x="3463" y="1856"/>
+                    <a:pt x="3463" y="1856"/>
+                  </a:cubicBezTo>
+                  <a:lnTo>
+                    <a:pt x="3463" y="232"/>
+                  </a:lnTo>
+                  <a:lnTo>
+                    <a:pt x="396" y="231"/>
+                  </a:lnTo>
+                  <a:lnTo>
+                    <a:pt x="297" y="1314"/>
+                  </a:lnTo>
+                  <a:lnTo>
+                    <a:pt x="3859" y="1237"/>
+                  </a:lnTo>
+                  <a:lnTo>
+                    <a:pt x="3958" y="0"/>
+                  </a:lnTo>
+                  <a:lnTo>
+                    <a:pt x="0" y="0"/>
+                  </a:lnTo>
+                  <a:lnTo>
+                    <a:pt x="0" y="1856"/>
+                  </a:lnTo>
+                  <a:lnTo>
+                    <a:pt x="3463" y="2088"/>
+                  </a:lnTo>
+                  <a:lnTo>
+                    <a:pt x="3463" y="2475"/>
+                  </a:lnTo>
+                </a:path>
+              </a:pathLst>
+            </a:custGeom>
+            <a:ln w="38160">
+              <a:solidFill>
+                <a:srgbClr val="069a2e"/>
+              </a:solidFill>
+              <a:prstDash val="sysDot"/>
+              <a:round/>
+              <a:tailEnd len="med" type="triangle" w="med"/>
+            </a:ln>
+          </p:spPr>
+        </p:sp>
+        <p:sp>
+          <p:nvSpPr>
+            <p:cNvPr id="198" name="Line 30"/>
+            <p:cNvSpPr/>
+            <p:nvPr/>
+          </p:nvSpPr>
+          <p:spPr>
+            <a:xfrm>
+              <a:off x="6033960" y="1353600"/>
+              <a:ext cx="213840" cy="0"/>
+            </a:xfrm>
+            <a:prstGeom prst="line">
+              <a:avLst/>
+            </a:prstGeom>
+            <a:ln w="38160">
+              <a:solidFill>
+                <a:srgbClr val="069a2e"/>
+              </a:solidFill>
+              <a:round/>
+              <a:headEnd len="med" type="triangle" w="med"/>
+            </a:ln>
+          </p:spPr>
+          <p:style>
+            <a:lnRef idx="0"/>
+            <a:fillRef idx="0"/>
+            <a:effectRef idx="0"/>
+            <a:fontRef idx="minor"/>
+          </p:style>
+        </p:sp>
+        <p:sp>
+          <p:nvSpPr>
+            <p:cNvPr id="199" name="Line 31"/>
+            <p:cNvSpPr/>
+            <p:nvPr/>
+          </p:nvSpPr>
+          <p:spPr>
+            <a:xfrm>
+              <a:off x="5535360" y="2049480"/>
+              <a:ext cx="177840" cy="0"/>
+            </a:xfrm>
+            <a:prstGeom prst="line">
+              <a:avLst/>
+            </a:prstGeom>
+            <a:ln w="38160">
+              <a:solidFill>
+                <a:srgbClr val="069a2e"/>
+              </a:solidFill>
+              <a:round/>
+              <a:tailEnd len="med" type="triangle" w="med"/>
+            </a:ln>
+          </p:spPr>
+          <p:style>
+            <a:lnRef idx="0"/>
+            <a:fillRef idx="0"/>
+            <a:effectRef idx="0"/>
+            <a:fontRef idx="minor"/>
+          </p:style>
+        </p:sp>
+        <p:sp>
+          <p:nvSpPr>
+            <p:cNvPr id="200" name="Line 32"/>
+            <p:cNvSpPr/>
+            <p:nvPr/>
+          </p:nvSpPr>
+          <p:spPr>
+            <a:xfrm flipV="1">
+              <a:off x="6746760" y="1798920"/>
+              <a:ext cx="0" cy="111240"/>
+            </a:xfrm>
+            <a:prstGeom prst="line">
+              <a:avLst/>
+            </a:prstGeom>
+            <a:ln w="38160">
+              <a:solidFill>
+                <a:srgbClr val="069a2e"/>
+              </a:solidFill>
+              <a:round/>
+              <a:tailEnd len="med" type="triangle" w="med"/>
+            </a:ln>
+          </p:spPr>
+          <p:style>
+            <a:lnRef idx="0"/>
+            <a:fillRef idx="0"/>
+            <a:effectRef idx="0"/>
+            <a:fontRef idx="minor"/>
+          </p:style>
+        </p:sp>
+      </p:grpSp>
+      <p:grpSp>
+        <p:nvGrpSpPr>
+          <p:cNvPr id="201" name="Group 33"/>
+          <p:cNvGrpSpPr/>
+          <p:nvPr/>
+        </p:nvGrpSpPr>
+        <p:grpSpPr>
+          <a:xfrm>
+            <a:off x="8132760" y="1245240"/>
+            <a:ext cx="1479240" cy="1679760"/>
+            <a:chOff x="8132760" y="1245240"/>
+            <a:chExt cx="1479240" cy="1679760"/>
+          </a:xfrm>
+        </p:grpSpPr>
+        <p:sp>
+          <p:nvSpPr>
+            <p:cNvPr id="202" name="CustomShape 34"/>
+            <p:cNvSpPr/>
+            <p:nvPr/>
+          </p:nvSpPr>
+          <p:spPr>
+            <a:xfrm>
+              <a:off x="8436600" y="1471680"/>
+              <a:ext cx="817200" cy="126720"/>
+            </a:xfrm>
+            <a:prstGeom prst="rect">
+              <a:avLst/>
+            </a:prstGeom>
+            <a:solidFill>
+              <a:srgbClr val="000000"/>
+            </a:solidFill>
+            <a:ln>
+              <a:noFill/>
+            </a:ln>
+          </p:spPr>
+          <p:style>
+            <a:lnRef idx="0"/>
+            <a:fillRef idx="0"/>
+            <a:effectRef idx="0"/>
+            <a:fontRef idx="minor"/>
+          </p:style>
+        </p:sp>
+        <p:sp>
+          <p:nvSpPr>
+            <p:cNvPr id="203" name="CustomShape 35"/>
+            <p:cNvSpPr/>
+            <p:nvPr/>
+          </p:nvSpPr>
+          <p:spPr>
+            <a:xfrm>
+              <a:off x="8436600" y="1803240"/>
+              <a:ext cx="817200" cy="126720"/>
+            </a:xfrm>
+            <a:prstGeom prst="rect">
+              <a:avLst/>
+            </a:prstGeom>
+            <a:solidFill>
+              <a:srgbClr val="000000"/>
+            </a:solidFill>
+            <a:ln>
+              <a:noFill/>
+            </a:ln>
+          </p:spPr>
+          <p:style>
+            <a:lnRef idx="0"/>
+            <a:fillRef idx="0"/>
+            <a:effectRef idx="0"/>
+            <a:fontRef idx="minor"/>
+          </p:style>
+        </p:sp>
+        <p:sp>
+          <p:nvSpPr>
+            <p:cNvPr id="204" name="CustomShape 36"/>
+            <p:cNvSpPr/>
+            <p:nvPr/>
+          </p:nvSpPr>
+          <p:spPr>
+            <a:xfrm>
+              <a:off x="8436600" y="2135160"/>
+              <a:ext cx="817200" cy="126720"/>
+            </a:xfrm>
+            <a:prstGeom prst="rect">
+              <a:avLst/>
+            </a:prstGeom>
+            <a:solidFill>
+              <a:srgbClr val="000000"/>
+            </a:solidFill>
+            <a:ln>
+              <a:noFill/>
+            </a:ln>
+          </p:spPr>
+          <p:style>
+            <a:lnRef idx="0"/>
+            <a:fillRef idx="0"/>
+            <a:effectRef idx="0"/>
+            <a:fontRef idx="minor"/>
+          </p:style>
+        </p:sp>
+        <p:sp>
+          <p:nvSpPr>
+            <p:cNvPr id="205" name="CustomShape 37"/>
+            <p:cNvSpPr/>
+            <p:nvPr/>
+          </p:nvSpPr>
+          <p:spPr>
+            <a:xfrm>
+              <a:off x="8436600" y="2135160"/>
+              <a:ext cx="817200" cy="126720"/>
+            </a:xfrm>
+            <a:prstGeom prst="rect">
+              <a:avLst/>
+            </a:prstGeom>
+            <a:solidFill>
+              <a:srgbClr val="000000"/>
+            </a:solidFill>
+            <a:ln>
+              <a:noFill/>
+            </a:ln>
+          </p:spPr>
+          <p:style>
+            <a:lnRef idx="0"/>
+            <a:fillRef idx="0"/>
+            <a:effectRef idx="0"/>
+            <a:fontRef idx="minor"/>
+          </p:style>
+        </p:sp>
+        <p:sp>
+          <p:nvSpPr>
+            <p:cNvPr id="206" name="CustomShape 38"/>
+            <p:cNvSpPr/>
+            <p:nvPr/>
+          </p:nvSpPr>
+          <p:spPr>
+            <a:xfrm>
+              <a:off x="8436600" y="2466720"/>
+              <a:ext cx="817200" cy="126360"/>
+            </a:xfrm>
+            <a:prstGeom prst="rect">
+              <a:avLst/>
+            </a:prstGeom>
+            <a:solidFill>
+              <a:srgbClr val="000000"/>
+            </a:solidFill>
+            <a:ln>
+              <a:noFill/>
+            </a:ln>
+          </p:spPr>
+          <p:style>
+            <a:lnRef idx="0"/>
+            <a:fillRef idx="0"/>
+            <a:effectRef idx="0"/>
+            <a:fontRef idx="minor"/>
+          </p:style>
+        </p:sp>
+        <p:sp>
+          <p:nvSpPr>
+            <p:cNvPr id="207" name="CustomShape 39"/>
+            <p:cNvSpPr/>
+            <p:nvPr/>
+          </p:nvSpPr>
+          <p:spPr>
+            <a:xfrm>
+              <a:off x="8436600" y="2798280"/>
+              <a:ext cx="817200" cy="126720"/>
+            </a:xfrm>
+            <a:prstGeom prst="rect">
+              <a:avLst/>
+            </a:prstGeom>
+            <a:solidFill>
+              <a:srgbClr val="000000"/>
+            </a:solidFill>
+            <a:ln>
+              <a:noFill/>
+            </a:ln>
+          </p:spPr>
+          <p:style>
+            <a:lnRef idx="0"/>
+            <a:fillRef idx="0"/>
+            <a:effectRef idx="0"/>
+            <a:fontRef idx="minor"/>
+          </p:style>
+        </p:sp>
+        <p:sp>
+          <p:nvSpPr>
+            <p:cNvPr id="208" name="Freeform 40"/>
+            <p:cNvSpPr/>
+            <p:nvPr/>
+          </p:nvSpPr>
+          <p:spPr>
+            <a:xfrm>
+              <a:off x="8132760" y="1245240"/>
+              <a:ext cx="1479600" cy="806760"/>
+            </a:xfrm>
+            <a:custGeom>
+              <a:avLst/>
+              <a:gdLst/>
+              <a:ahLst/>
+              <a:rect l="0" t="0" r="r" b="b"/>
+              <a:pathLst>
+                <a:path w="4110" h="2241">
+                  <a:moveTo>
+                    <a:pt x="0" y="2240"/>
+                  </a:moveTo>
+                  <a:cubicBezTo>
+                    <a:pt x="3698" y="2079"/>
+                    <a:pt x="3595" y="1920"/>
+                    <a:pt x="3595" y="1920"/>
+                  </a:cubicBezTo>
+                  <a:lnTo>
+                    <a:pt x="3595" y="240"/>
+                  </a:lnTo>
+                  <a:lnTo>
+                    <a:pt x="411" y="240"/>
+                  </a:lnTo>
+                  <a:lnTo>
+                    <a:pt x="309" y="1359"/>
+                  </a:lnTo>
+                  <a:lnTo>
+                    <a:pt x="4006" y="1280"/>
+                  </a:lnTo>
+                  <a:lnTo>
+                    <a:pt x="4109" y="0"/>
+                  </a:lnTo>
+                  <a:lnTo>
+                    <a:pt x="0" y="0"/>
+                  </a:lnTo>
+                  <a:lnTo>
+                    <a:pt x="0" y="1919"/>
+                  </a:lnTo>
+                  <a:lnTo>
+                    <a:pt x="0" y="1840"/>
+                  </a:lnTo>
+                </a:path>
+              </a:pathLst>
+            </a:custGeom>
+            <a:ln w="38160">
+              <a:solidFill>
+                <a:srgbClr val="ff3838"/>
+              </a:solidFill>
+              <a:prstDash val="sysDot"/>
+              <a:round/>
+              <a:tailEnd len="med" type="triangle" w="med"/>
+            </a:ln>
+          </p:spPr>
+        </p:sp>
+        <p:sp>
+          <p:nvSpPr>
+            <p:cNvPr id="209" name="Line 41"/>
+            <p:cNvSpPr/>
+            <p:nvPr/>
+          </p:nvSpPr>
+          <p:spPr>
+            <a:xfrm>
+              <a:off x="8687520" y="1331640"/>
+              <a:ext cx="221760" cy="0"/>
+            </a:xfrm>
+            <a:prstGeom prst="line">
+              <a:avLst/>
+            </a:prstGeom>
+            <a:ln w="38160">
+              <a:solidFill>
+                <a:srgbClr val="ff3838"/>
+              </a:solidFill>
+              <a:round/>
+              <a:headEnd len="med" type="triangle" w="med"/>
+            </a:ln>
+          </p:spPr>
+          <p:style>
+            <a:lnRef idx="0"/>
+            <a:fillRef idx="0"/>
+            <a:effectRef idx="0"/>
+            <a:fontRef idx="minor"/>
+          </p:style>
+        </p:sp>
+        <p:sp>
+          <p:nvSpPr>
+            <p:cNvPr id="210" name="Line 42"/>
+            <p:cNvSpPr/>
+            <p:nvPr/>
+          </p:nvSpPr>
+          <p:spPr>
+            <a:xfrm>
+              <a:off x="8169840" y="2051280"/>
+              <a:ext cx="185040" cy="0"/>
+            </a:xfrm>
+            <a:prstGeom prst="line">
+              <a:avLst/>
+            </a:prstGeom>
+            <a:ln w="38160">
+              <a:solidFill>
+                <a:srgbClr val="ff3838"/>
+              </a:solidFill>
+              <a:round/>
+              <a:tailEnd len="med" type="triangle" w="med"/>
+            </a:ln>
+          </p:spPr>
+          <p:style>
+            <a:lnRef idx="0"/>
+            <a:fillRef idx="0"/>
+            <a:effectRef idx="0"/>
+            <a:fontRef idx="minor"/>
+          </p:style>
+        </p:sp>
+        <p:sp>
+          <p:nvSpPr>
+            <p:cNvPr id="211" name="Line 43"/>
+            <p:cNvSpPr/>
+            <p:nvPr/>
+          </p:nvSpPr>
+          <p:spPr>
+            <a:xfrm flipV="1">
+              <a:off x="9426960" y="1792080"/>
+              <a:ext cx="0" cy="115200"/>
+            </a:xfrm>
+            <a:prstGeom prst="line">
+              <a:avLst/>
+            </a:prstGeom>
+            <a:ln w="38160">
+              <a:solidFill>
+                <a:srgbClr val="ff3838"/>
+              </a:solidFill>
+              <a:round/>
+              <a:tailEnd len="med" type="triangle" w="med"/>
+            </a:ln>
+          </p:spPr>
+          <p:style>
+            <a:lnRef idx="0"/>
+            <a:fillRef idx="0"/>
+            <a:effectRef idx="0"/>
+            <a:fontRef idx="minor"/>
+          </p:style>
+        </p:sp>
+      </p:grpSp>
+      <p:sp>
+        <p:nvSpPr>
+          <p:cNvPr id="212" name="TextShape 44"/>
           <p:cNvSpPr txBox="1"/>
           <p:nvPr/>
         </p:nvSpPr>
         <p:spPr>
           <a:xfrm>
-            <a:off x="7344000" y="2525760"/>
-            <a:ext cx="1656000" cy="1027800"/>
+            <a:off x="7704000" y="4356000"/>
+            <a:ext cx="2256480" cy="430560"/>
           </a:xfrm>
           <a:prstGeom prst="rect">
             <a:avLst/>
@@ -9628,34 +9955,88 @@
           </a:bodyPr>
           <a:p>
             <a:r>
-              <a:rPr b="1" lang="en-GB" sz="2200" spc="-1" strike="noStrike">
+              <a:rPr b="1" lang="en-GB" sz="2400" spc="-1" strike="noStrike">
                 <a:solidFill>
-                  <a:srgbClr val="684cf3"/>
+                  <a:srgbClr val="5b36ed"/>
                 </a:solidFill>
                 <a:latin typeface="Arial"/>
               </a:rPr>
-              <a:t>Written in C NOT JavaScript</a:t>
-            </a:r>
-            <a:endParaRPr b="0" lang="en-GB" sz="2200" spc="-1" strike="noStrike">
+              <a:t>WebAssembly</a:t>
+            </a:r>
+            <a:endParaRPr b="0" lang="en-GB" sz="2400" spc="-1" strike="noStrike">
               <a:latin typeface="Arial"/>
             </a:endParaRPr>
           </a:p>
         </p:txBody>
       </p:sp>
-      <p:sp>
-        <p:nvSpPr>
-          <p:cNvPr id="213" name="CustomShape 5"/>
+      <p:pic>
+        <p:nvPicPr>
+          <p:cNvPr id="213" name="" descr=""/>
+          <p:cNvPicPr/>
+          <p:nvPr/>
+        </p:nvPicPr>
+        <p:blipFill>
+          <a:blip r:embed="rId1"/>
+          <a:stretch/>
+        </p:blipFill>
+        <p:spPr>
+          <a:xfrm>
+            <a:off x="8568000" y="3528000"/>
+            <a:ext cx="648000" cy="648000"/>
+          </a:xfrm>
+          <a:prstGeom prst="rect">
+            <a:avLst/>
+          </a:prstGeom>
+          <a:ln>
+            <a:noFill/>
+          </a:ln>
+        </p:spPr>
+      </p:pic>
+      <p:sp>
+        <p:nvSpPr>
+          <p:cNvPr id="214" name="CustomShape 45"/>
           <p:cNvSpPr/>
           <p:nvPr/>
         </p:nvSpPr>
         <p:spPr>
-          <a:xfrm>
-            <a:off x="0" y="0"/>
-            <a:ext cx="10080000" cy="792000"/>
-          </a:xfrm>
-          <a:prstGeom prst="rect">
-            <a:avLst/>
-          </a:prstGeom>
+          <a:xfrm rot="5403000">
+            <a:off x="8693280" y="3040920"/>
+            <a:ext cx="396000" cy="361080"/>
+          </a:xfrm>
+          <a:custGeom>
+            <a:avLst/>
+            <a:gdLst/>
+            <a:ahLst/>
+            <a:rect l="0" t="0" r="r" b="b"/>
+            <a:pathLst>
+              <a:path w="1102" h="1005">
+                <a:moveTo>
+                  <a:pt x="1101" y="323"/>
+                </a:moveTo>
+                <a:lnTo>
+                  <a:pt x="550" y="324"/>
+                </a:lnTo>
+                <a:lnTo>
+                  <a:pt x="549" y="0"/>
+                </a:lnTo>
+                <a:lnTo>
+                  <a:pt x="0" y="503"/>
+                </a:lnTo>
+                <a:lnTo>
+                  <a:pt x="551" y="1004"/>
+                </a:lnTo>
+                <a:lnTo>
+                  <a:pt x="550" y="679"/>
+                </a:lnTo>
+                <a:lnTo>
+                  <a:pt x="1101" y="678"/>
+                </a:lnTo>
+                <a:lnTo>
+                  <a:pt x="1101" y="323"/>
+                </a:lnTo>
+              </a:path>
+            </a:pathLst>
+          </a:custGeom>
           <a:solidFill>
             <a:srgbClr val="684cf3"/>
           </a:solidFill>
@@ -9672,14 +10053,14 @@
       </p:sp>
       <p:sp>
         <p:nvSpPr>
-          <p:cNvPr id="214" name="TextShape 6"/>
+          <p:cNvPr id="215" name="TextShape 46"/>
           <p:cNvSpPr txBox="1"/>
           <p:nvPr/>
         </p:nvSpPr>
         <p:spPr>
           <a:xfrm>
-            <a:off x="0" y="108000"/>
-            <a:ext cx="10080000" cy="684000"/>
+            <a:off x="475200" y="3312000"/>
+            <a:ext cx="1576800" cy="402840"/>
           </a:xfrm>
           <a:prstGeom prst="rect">
             <a:avLst/>
@@ -9694,6 +10075,420 @@
             <a:spAutoFit/>
           </a:bodyPr>
           <a:p>
+            <a:r>
+              <a:rPr b="1" lang="en-GB" sz="2200" spc="-1" strike="noStrike">
+                <a:latin typeface="Arial"/>
+              </a:rPr>
+              <a:t>Interpreter</a:t>
+            </a:r>
+            <a:endParaRPr b="0" lang="en-GB" sz="2200" spc="-1" strike="noStrike">
+              <a:latin typeface="Arial"/>
+            </a:endParaRPr>
+          </a:p>
+        </p:txBody>
+      </p:sp>
+      <p:sp>
+        <p:nvSpPr>
+          <p:cNvPr id="216" name="TextShape 47"/>
+          <p:cNvSpPr txBox="1"/>
+          <p:nvPr/>
+        </p:nvSpPr>
+        <p:spPr>
+          <a:xfrm>
+            <a:off x="324000" y="3816000"/>
+            <a:ext cx="1800000" cy="1506960"/>
+          </a:xfrm>
+          <a:prstGeom prst="rect">
+            <a:avLst/>
+          </a:prstGeom>
+          <a:noFill/>
+          <a:ln>
+            <a:noFill/>
+          </a:ln>
+        </p:spPr>
+        <p:txBody>
+          <a:bodyPr lIns="90000" rIns="90000" tIns="45000" bIns="45000">
+            <a:spAutoFit/>
+          </a:bodyPr>
+          <a:p>
+            <a:pPr algn="ctr"/>
+            <a:r>
+              <a:rPr b="1" lang="en-GB" sz="1600" spc="-1" strike="noStrike">
+                <a:latin typeface="Arial"/>
+              </a:rPr>
+              <a:t>Immediately </a:t>
+            </a:r>
+            <a:endParaRPr b="1" lang="en-GB" sz="1600" spc="-1" strike="noStrike">
+              <a:latin typeface="Arial"/>
+            </a:endParaRPr>
+          </a:p>
+          <a:p>
+            <a:pPr algn="ctr"/>
+            <a:r>
+              <a:rPr b="1" lang="en-GB" sz="1600" spc="-1" strike="noStrike">
+                <a:latin typeface="Arial"/>
+              </a:rPr>
+              <a:t>runs</a:t>
+            </a:r>
+            <a:endParaRPr b="1" lang="en-GB" sz="1600" spc="-1" strike="noStrike">
+              <a:latin typeface="Arial"/>
+            </a:endParaRPr>
+          </a:p>
+          <a:p>
+            <a:pPr algn="ctr"/>
+            <a:endParaRPr b="1" lang="en-GB" sz="1600" spc="-1" strike="noStrike">
+              <a:latin typeface="Arial"/>
+            </a:endParaRPr>
+          </a:p>
+          <a:p>
+            <a:pPr algn="ctr"/>
+            <a:r>
+              <a:rPr b="1" lang="en-GB" sz="1600" spc="-1" strike="noStrike">
+                <a:latin typeface="Arial"/>
+              </a:rPr>
+              <a:t>Not so efficient; </a:t>
+            </a:r>
+            <a:endParaRPr b="1" lang="en-GB" sz="1600" spc="-1" strike="noStrike">
+              <a:latin typeface="Arial"/>
+            </a:endParaRPr>
+          </a:p>
+          <a:p>
+            <a:pPr algn="ctr"/>
+            <a:r>
+              <a:rPr b="1" lang="en-GB" sz="1600" spc="-1" strike="noStrike">
+                <a:latin typeface="Arial"/>
+              </a:rPr>
+              <a:t>can run slow</a:t>
+            </a:r>
+            <a:endParaRPr b="1" lang="en-GB" sz="1600" spc="-1" strike="noStrike">
+              <a:latin typeface="Arial"/>
+            </a:endParaRPr>
+          </a:p>
+        </p:txBody>
+      </p:sp>
+      <p:sp>
+        <p:nvSpPr>
+          <p:cNvPr id="217" name="TextShape 48"/>
+          <p:cNvSpPr txBox="1"/>
+          <p:nvPr/>
+        </p:nvSpPr>
+        <p:spPr>
+          <a:xfrm>
+            <a:off x="3067200" y="3312000"/>
+            <a:ext cx="1576800" cy="402840"/>
+          </a:xfrm>
+          <a:prstGeom prst="rect">
+            <a:avLst/>
+          </a:prstGeom>
+          <a:noFill/>
+          <a:ln>
+            <a:noFill/>
+          </a:ln>
+        </p:spPr>
+        <p:txBody>
+          <a:bodyPr lIns="90000" rIns="90000" tIns="45000" bIns="45000">
+            <a:spAutoFit/>
+          </a:bodyPr>
+          <a:p>
+            <a:r>
+              <a:rPr b="1" lang="en-GB" sz="2200" spc="-1" strike="noStrike">
+                <a:latin typeface="Arial"/>
+              </a:rPr>
+              <a:t>Compiler</a:t>
+            </a:r>
+            <a:endParaRPr b="0" lang="en-GB" sz="2200" spc="-1" strike="noStrike">
+              <a:latin typeface="Arial"/>
+            </a:endParaRPr>
+          </a:p>
+        </p:txBody>
+      </p:sp>
+      <p:sp>
+        <p:nvSpPr>
+          <p:cNvPr id="218" name="TextShape 49"/>
+          <p:cNvSpPr txBox="1"/>
+          <p:nvPr/>
+        </p:nvSpPr>
+        <p:spPr>
+          <a:xfrm>
+            <a:off x="2772000" y="3744000"/>
+            <a:ext cx="1944000" cy="1506960"/>
+          </a:xfrm>
+          <a:prstGeom prst="rect">
+            <a:avLst/>
+          </a:prstGeom>
+          <a:noFill/>
+          <a:ln>
+            <a:noFill/>
+          </a:ln>
+        </p:spPr>
+        <p:txBody>
+          <a:bodyPr lIns="90000" rIns="90000" tIns="45000" bIns="45000">
+            <a:spAutoFit/>
+          </a:bodyPr>
+          <a:p>
+            <a:pPr algn="ctr"/>
+            <a:r>
+              <a:rPr b="1" lang="en-GB" sz="1600" spc="-1" strike="noStrike">
+                <a:latin typeface="Arial"/>
+              </a:rPr>
+              <a:t>Delay before running</a:t>
+            </a:r>
+            <a:endParaRPr b="1" lang="en-GB" sz="1600" spc="-1" strike="noStrike">
+              <a:latin typeface="Arial"/>
+            </a:endParaRPr>
+          </a:p>
+          <a:p>
+            <a:pPr algn="ctr"/>
+            <a:endParaRPr b="1" lang="en-GB" sz="1600" spc="-1" strike="noStrike">
+              <a:latin typeface="Arial"/>
+            </a:endParaRPr>
+          </a:p>
+          <a:p>
+            <a:pPr algn="ctr"/>
+            <a:r>
+              <a:rPr b="1" lang="en-GB" sz="1600" spc="-1" strike="noStrike">
+                <a:latin typeface="Arial"/>
+              </a:rPr>
+              <a:t>Runs efficiently</a:t>
+            </a:r>
+            <a:endParaRPr b="1" lang="en-GB" sz="1600" spc="-1" strike="noStrike">
+              <a:latin typeface="Arial"/>
+            </a:endParaRPr>
+          </a:p>
+        </p:txBody>
+      </p:sp>
+      <p:sp>
+        <p:nvSpPr>
+          <p:cNvPr id="219" name="TextShape 50"/>
+          <p:cNvSpPr txBox="1"/>
+          <p:nvPr/>
+        </p:nvSpPr>
+        <p:spPr>
+          <a:xfrm>
+            <a:off x="5443200" y="3312000"/>
+            <a:ext cx="1792800" cy="402840"/>
+          </a:xfrm>
+          <a:prstGeom prst="rect">
+            <a:avLst/>
+          </a:prstGeom>
+          <a:noFill/>
+          <a:ln>
+            <a:noFill/>
+          </a:ln>
+        </p:spPr>
+        <p:txBody>
+          <a:bodyPr lIns="90000" rIns="90000" tIns="45000" bIns="45000">
+            <a:spAutoFit/>
+          </a:bodyPr>
+          <a:p>
+            <a:r>
+              <a:rPr b="1" lang="en-GB" sz="2200" spc="-1" strike="noStrike">
+                <a:latin typeface="Arial"/>
+              </a:rPr>
+              <a:t>Just-in-time</a:t>
+            </a:r>
+            <a:endParaRPr b="0" lang="en-GB" sz="2200" spc="-1" strike="noStrike">
+              <a:latin typeface="Arial"/>
+            </a:endParaRPr>
+          </a:p>
+        </p:txBody>
+      </p:sp>
+      <p:sp>
+        <p:nvSpPr>
+          <p:cNvPr id="220" name="TextShape 51"/>
+          <p:cNvSpPr txBox="1"/>
+          <p:nvPr/>
+        </p:nvSpPr>
+        <p:spPr>
+          <a:xfrm>
+            <a:off x="5040000" y="3672000"/>
+            <a:ext cx="2520000" cy="1790280"/>
+          </a:xfrm>
+          <a:prstGeom prst="rect">
+            <a:avLst/>
+          </a:prstGeom>
+          <a:noFill/>
+          <a:ln>
+            <a:noFill/>
+          </a:ln>
+        </p:spPr>
+        <p:txBody>
+          <a:bodyPr lIns="90000" rIns="90000" tIns="45000" bIns="45000">
+            <a:spAutoFit/>
+          </a:bodyPr>
+          <a:p>
+            <a:pPr algn="ctr">
+              <a:lnSpc>
+                <a:spcPct val="100000"/>
+              </a:lnSpc>
+            </a:pPr>
+            <a:r>
+              <a:rPr b="1" lang="en-GB" sz="1600" spc="-1" strike="noStrike">
+                <a:latin typeface="Arial"/>
+              </a:rPr>
+              <a:t>Immediately </a:t>
+            </a:r>
+            <a:endParaRPr b="1" lang="en-GB" sz="1600" spc="-1" strike="noStrike">
+              <a:latin typeface="Arial"/>
+            </a:endParaRPr>
+          </a:p>
+          <a:p>
+            <a:pPr algn="ctr"/>
+            <a:r>
+              <a:rPr b="1" lang="en-GB" sz="1600" spc="-1" strike="noStrike">
+                <a:latin typeface="Arial"/>
+              </a:rPr>
+              <a:t>runs</a:t>
+            </a:r>
+            <a:endParaRPr b="1" lang="en-GB" sz="1600" spc="-1" strike="noStrike">
+              <a:latin typeface="Arial"/>
+            </a:endParaRPr>
+          </a:p>
+          <a:p>
+            <a:pPr algn="ctr"/>
+            <a:endParaRPr b="1" lang="en-GB" sz="1600" spc="-1" strike="noStrike">
+              <a:latin typeface="Arial"/>
+            </a:endParaRPr>
+          </a:p>
+          <a:p>
+            <a:pPr algn="ctr"/>
+            <a:r>
+              <a:rPr b="1" lang="en-GB" sz="1600" spc="-1" strike="noStrike">
+                <a:latin typeface="Arial"/>
+              </a:rPr>
+              <a:t>Runs very efficiently</a:t>
+            </a:r>
+            <a:endParaRPr b="1" lang="en-GB" sz="1600" spc="-1" strike="noStrike">
+              <a:latin typeface="Arial"/>
+            </a:endParaRPr>
+          </a:p>
+          <a:p>
+            <a:pPr algn="ctr"/>
+            <a:r>
+              <a:rPr b="1" lang="en-GB" sz="1600" spc="-1" strike="noStrike">
+                <a:latin typeface="Arial"/>
+              </a:rPr>
+              <a:t>( all browsers 2008)</a:t>
+            </a:r>
+            <a:endParaRPr b="1" lang="en-GB" sz="1600" spc="-1" strike="noStrike">
+              <a:latin typeface="Arial"/>
+            </a:endParaRPr>
+          </a:p>
+        </p:txBody>
+      </p:sp>
+      <p:sp>
+        <p:nvSpPr>
+          <p:cNvPr id="221" name="TextShape 52"/>
+          <p:cNvSpPr txBox="1"/>
+          <p:nvPr/>
+        </p:nvSpPr>
+        <p:spPr>
+          <a:xfrm>
+            <a:off x="7482600" y="4753440"/>
+            <a:ext cx="2597400" cy="858240"/>
+          </a:xfrm>
+          <a:prstGeom prst="rect">
+            <a:avLst/>
+          </a:prstGeom>
+          <a:noFill/>
+          <a:ln>
+            <a:noFill/>
+          </a:ln>
+        </p:spPr>
+        <p:txBody>
+          <a:bodyPr lIns="90000" rIns="90000" tIns="45000" bIns="45000">
+            <a:spAutoFit/>
+          </a:bodyPr>
+          <a:p>
+            <a:pPr algn="ctr"/>
+            <a:r>
+              <a:rPr b="1" lang="en-GB" sz="1600" spc="-1" strike="noStrike">
+                <a:latin typeface="Arial"/>
+              </a:rPr>
+              <a:t>Immediately </a:t>
+            </a:r>
+            <a:endParaRPr b="1" lang="en-GB" sz="1600" spc="-1" strike="noStrike">
+              <a:latin typeface="Arial"/>
+            </a:endParaRPr>
+          </a:p>
+          <a:p>
+            <a:pPr algn="ctr"/>
+            <a:r>
+              <a:rPr b="1" lang="en-GB" sz="1600" spc="-1" strike="noStrike">
+                <a:latin typeface="Arial"/>
+              </a:rPr>
+              <a:t>runs highly efficiently</a:t>
+            </a:r>
+            <a:endParaRPr b="1" lang="en-GB" sz="1600" spc="-1" strike="noStrike">
+              <a:latin typeface="Arial"/>
+            </a:endParaRPr>
+          </a:p>
+          <a:p>
+            <a:pPr algn="ctr"/>
+            <a:r>
+              <a:rPr b="1" lang="en-GB" sz="1600" spc="-1" strike="noStrike">
+                <a:latin typeface="Arial"/>
+              </a:rPr>
+              <a:t>(MVP 2017)</a:t>
+            </a:r>
+            <a:endParaRPr b="1" lang="en-GB" sz="1600" spc="-1" strike="noStrike">
+              <a:latin typeface="Arial"/>
+            </a:endParaRPr>
+          </a:p>
+        </p:txBody>
+      </p:sp>
+      <p:sp>
+        <p:nvSpPr>
+          <p:cNvPr id="222" name="CustomShape 53"/>
+          <p:cNvSpPr/>
+          <p:nvPr/>
+        </p:nvSpPr>
+        <p:spPr>
+          <a:xfrm>
+            <a:off x="0" y="0"/>
+            <a:ext cx="10080000" cy="792000"/>
+          </a:xfrm>
+          <a:prstGeom prst="rect">
+            <a:avLst/>
+          </a:prstGeom>
+          <a:solidFill>
+            <a:srgbClr val="684cf3"/>
+          </a:solidFill>
+          <a:ln>
+            <a:noFill/>
+          </a:ln>
+        </p:spPr>
+        <p:style>
+          <a:lnRef idx="0"/>
+          <a:fillRef idx="0"/>
+          <a:effectRef idx="0"/>
+          <a:fontRef idx="minor"/>
+        </p:style>
+      </p:sp>
+      <p:sp>
+        <p:nvSpPr>
+          <p:cNvPr id="223" name="TextShape 54"/>
+          <p:cNvSpPr txBox="1"/>
+          <p:nvPr/>
+        </p:nvSpPr>
+        <p:spPr>
+          <a:xfrm>
+            <a:off x="0" y="108000"/>
+            <a:ext cx="10080000" cy="684000"/>
+          </a:xfrm>
+          <a:prstGeom prst="rect">
+            <a:avLst/>
+          </a:prstGeom>
+          <a:noFill/>
+          <a:ln>
+            <a:noFill/>
+          </a:ln>
+        </p:spPr>
+        <p:txBody>
+          <a:bodyPr lIns="90000" rIns="90000" tIns="45000" bIns="45000">
+            <a:spAutoFit/>
+          </a:bodyPr>
+          <a:p>
             <a:pPr algn="ctr"/>
             <a:r>
               <a:rPr b="1" lang="en-GB" sz="3600" spc="-1" strike="noStrike">
@@ -9702,7 +10497,7 @@
                 </a:solidFill>
                 <a:latin typeface="Arial"/>
               </a:rPr>
-              <a:t>What is WebAssembly</a:t>
+              <a:t>Ways to put code into actions (instructions)</a:t>
             </a:r>
             <a:endParaRPr b="0" lang="en-GB" sz="3600" spc="-1" strike="noStrike">
               <a:latin typeface="Arial"/>
